--- a/初探多媒体.pptx
+++ b/初探多媒体.pptx
@@ -10,6 +10,9 @@
     <p:sldId id="258" r:id="rId4"/>
     <p:sldId id="259" r:id="rId5"/>
     <p:sldId id="260" r:id="rId6"/>
+    <p:sldId id="261" r:id="rId7"/>
+    <p:sldId id="263" r:id="rId8"/>
+    <p:sldId id="262" r:id="rId9"/>
   </p:sldIdLst>
   <p:sldSz cx="12192000" cy="6858000"/>
   <p:notesSz cx="6858000" cy="9144000"/>
@@ -2717,7 +2720,7 @@
           <a:p>
             <a:fld id="{7E1E071F-F047-4654-8513-B2A4CFFCBB84}" type="datetimeFigureOut">
               <a:rPr lang="zh-CN" altLang="en-US" smtClean="0"/>
-              <a:t>2021/3/9</a:t>
+              <a:t>2021/3/10</a:t>
             </a:fld>
             <a:endParaRPr lang="zh-CN" altLang="en-US"/>
           </a:p>
@@ -3008,7 +3011,7 @@
           <a:p>
             <a:fld id="{7E1E071F-F047-4654-8513-B2A4CFFCBB84}" type="datetimeFigureOut">
               <a:rPr lang="zh-CN" altLang="en-US" smtClean="0"/>
-              <a:t>2021/3/9</a:t>
+              <a:t>2021/3/10</a:t>
             </a:fld>
             <a:endParaRPr lang="zh-CN" altLang="en-US"/>
           </a:p>
@@ -3267,7 +3270,7 @@
           <a:p>
             <a:fld id="{7E1E071F-F047-4654-8513-B2A4CFFCBB84}" type="datetimeFigureOut">
               <a:rPr lang="zh-CN" altLang="en-US" smtClean="0"/>
-              <a:t>2021/3/9</a:t>
+              <a:t>2021/3/10</a:t>
             </a:fld>
             <a:endParaRPr lang="zh-CN" altLang="en-US"/>
           </a:p>
@@ -3736,7 +3739,7 @@
           <a:p>
             <a:fld id="{7E1E071F-F047-4654-8513-B2A4CFFCBB84}" type="datetimeFigureOut">
               <a:rPr lang="zh-CN" altLang="en-US" smtClean="0"/>
-              <a:t>2021/3/9</a:t>
+              <a:t>2021/3/10</a:t>
             </a:fld>
             <a:endParaRPr lang="zh-CN" altLang="en-US"/>
           </a:p>
@@ -3916,7 +3919,7 @@
           <a:p>
             <a:fld id="{7E1E071F-F047-4654-8513-B2A4CFFCBB84}" type="datetimeFigureOut">
               <a:rPr lang="zh-CN" altLang="en-US" smtClean="0"/>
-              <a:t>2021/3/9</a:t>
+              <a:t>2021/3/10</a:t>
             </a:fld>
             <a:endParaRPr lang="zh-CN" altLang="en-US"/>
           </a:p>
@@ -4492,7 +4495,7 @@
           <a:p>
             <a:fld id="{7E1E071F-F047-4654-8513-B2A4CFFCBB84}" type="datetimeFigureOut">
               <a:rPr lang="zh-CN" altLang="en-US" smtClean="0"/>
-              <a:t>2021/3/9</a:t>
+              <a:t>2021/3/10</a:t>
             </a:fld>
             <a:endParaRPr lang="zh-CN" altLang="en-US"/>
           </a:p>
@@ -4824,7 +4827,7 @@
           <a:p>
             <a:fld id="{7E1E071F-F047-4654-8513-B2A4CFFCBB84}" type="datetimeFigureOut">
               <a:rPr lang="zh-CN" altLang="en-US" smtClean="0"/>
-              <a:t>2021/3/9</a:t>
+              <a:t>2021/3/10</a:t>
             </a:fld>
             <a:endParaRPr lang="zh-CN" altLang="en-US"/>
           </a:p>
@@ -4999,7 +5002,7 @@
           <a:p>
             <a:fld id="{7E1E071F-F047-4654-8513-B2A4CFFCBB84}" type="datetimeFigureOut">
               <a:rPr lang="zh-CN" altLang="en-US" smtClean="0"/>
-              <a:t>2021/3/9</a:t>
+              <a:t>2021/3/10</a:t>
             </a:fld>
             <a:endParaRPr lang="zh-CN" altLang="en-US"/>
           </a:p>
@@ -5179,7 +5182,7 @@
           <a:p>
             <a:fld id="{7E1E071F-F047-4654-8513-B2A4CFFCBB84}" type="datetimeFigureOut">
               <a:rPr lang="zh-CN" altLang="en-US" smtClean="0"/>
-              <a:t>2021/3/9</a:t>
+              <a:t>2021/3/10</a:t>
             </a:fld>
             <a:endParaRPr lang="zh-CN" altLang="en-US"/>
           </a:p>
@@ -5349,7 +5352,7 @@
           <a:p>
             <a:fld id="{7E1E071F-F047-4654-8513-B2A4CFFCBB84}" type="datetimeFigureOut">
               <a:rPr lang="zh-CN" altLang="en-US" smtClean="0"/>
-              <a:t>2021/3/9</a:t>
+              <a:t>2021/3/10</a:t>
             </a:fld>
             <a:endParaRPr lang="zh-CN" altLang="en-US"/>
           </a:p>
@@ -5606,7 +5609,7 @@
           <a:p>
             <a:fld id="{7E1E071F-F047-4654-8513-B2A4CFFCBB84}" type="datetimeFigureOut">
               <a:rPr lang="zh-CN" altLang="en-US" smtClean="0"/>
-              <a:t>2021/3/9</a:t>
+              <a:t>2021/3/10</a:t>
             </a:fld>
             <a:endParaRPr lang="zh-CN" altLang="en-US"/>
           </a:p>
@@ -5898,7 +5901,7 @@
           <a:p>
             <a:fld id="{7E1E071F-F047-4654-8513-B2A4CFFCBB84}" type="datetimeFigureOut">
               <a:rPr lang="zh-CN" altLang="en-US" smtClean="0"/>
-              <a:t>2021/3/9</a:t>
+              <a:t>2021/3/10</a:t>
             </a:fld>
             <a:endParaRPr lang="zh-CN" altLang="en-US"/>
           </a:p>
@@ -6328,7 +6331,7 @@
           <a:p>
             <a:fld id="{7E1E071F-F047-4654-8513-B2A4CFFCBB84}" type="datetimeFigureOut">
               <a:rPr lang="zh-CN" altLang="en-US" smtClean="0"/>
-              <a:t>2021/3/9</a:t>
+              <a:t>2021/3/10</a:t>
             </a:fld>
             <a:endParaRPr lang="zh-CN" altLang="en-US"/>
           </a:p>
@@ -6446,7 +6449,7 @@
           <a:p>
             <a:fld id="{7E1E071F-F047-4654-8513-B2A4CFFCBB84}" type="datetimeFigureOut">
               <a:rPr lang="zh-CN" altLang="en-US" smtClean="0"/>
-              <a:t>2021/3/9</a:t>
+              <a:t>2021/3/10</a:t>
             </a:fld>
             <a:endParaRPr lang="zh-CN" altLang="en-US"/>
           </a:p>
@@ -6541,7 +6544,7 @@
           <a:p>
             <a:fld id="{7E1E071F-F047-4654-8513-B2A4CFFCBB84}" type="datetimeFigureOut">
               <a:rPr lang="zh-CN" altLang="en-US" smtClean="0"/>
-              <a:t>2021/3/9</a:t>
+              <a:t>2021/3/10</a:t>
             </a:fld>
             <a:endParaRPr lang="zh-CN" altLang="en-US"/>
           </a:p>
@@ -6824,7 +6827,7 @@
           <a:p>
             <a:fld id="{7E1E071F-F047-4654-8513-B2A4CFFCBB84}" type="datetimeFigureOut">
               <a:rPr lang="zh-CN" altLang="en-US" smtClean="0"/>
-              <a:t>2021/3/9</a:t>
+              <a:t>2021/3/10</a:t>
             </a:fld>
             <a:endParaRPr lang="zh-CN" altLang="en-US"/>
           </a:p>
@@ -7115,7 +7118,7 @@
           <a:p>
             <a:fld id="{7E1E071F-F047-4654-8513-B2A4CFFCBB84}" type="datetimeFigureOut">
               <a:rPr lang="zh-CN" altLang="en-US" smtClean="0"/>
-              <a:t>2021/3/9</a:t>
+              <a:t>2021/3/10</a:t>
             </a:fld>
             <a:endParaRPr lang="zh-CN" altLang="en-US"/>
           </a:p>
@@ -7346,7 +7349,7 @@
           <a:p>
             <a:fld id="{7E1E071F-F047-4654-8513-B2A4CFFCBB84}" type="datetimeFigureOut">
               <a:rPr lang="zh-CN" altLang="en-US" smtClean="0"/>
-              <a:t>2021/3/9</a:t>
+              <a:t>2021/3/10</a:t>
             </a:fld>
             <a:endParaRPr lang="zh-CN" altLang="en-US"/>
           </a:p>
@@ -8445,7 +8448,7 @@
             </a:r>
             <a:r>
               <a:rPr lang="zh-CN" altLang="en-US" sz="3200" b="1" dirty="0"/>
-              <a:t>音频文件大小的计算</a:t>
+              <a:t>常见的音频文件格式</a:t>
             </a:r>
             <a:endParaRPr lang="en-US" altLang="zh-CN" sz="3200" b="1" dirty="0"/>
           </a:p>
@@ -8459,7 +8462,7 @@
             </a:r>
             <a:r>
               <a:rPr lang="zh-CN" altLang="en-US" sz="3200" b="1" dirty="0"/>
-              <a:t>常见的音频文件格式</a:t>
+              <a:t>音频文件大小的计算</a:t>
             </a:r>
           </a:p>
         </p:txBody>
@@ -8508,7 +8511,7 @@
         </p:nvSpPr>
         <p:spPr>
           <a:xfrm>
-            <a:off x="951722" y="391886"/>
+            <a:off x="950167" y="1894114"/>
             <a:ext cx="10291666" cy="1754326"/>
           </a:xfrm>
           <a:prstGeom prst="rect">
@@ -8613,7 +8616,7 @@
         </p:nvSpPr>
         <p:spPr>
           <a:xfrm>
-            <a:off x="3349689" y="1884783"/>
+            <a:off x="2472611" y="1881861"/>
             <a:ext cx="9526556" cy="830997"/>
           </a:xfrm>
           <a:prstGeom prst="rect">
@@ -8629,7 +8632,7 @@
           <a:p>
             <a:r>
               <a:rPr lang="zh-CN" altLang="en-US" sz="4800" dirty="0"/>
-              <a:t>采样频率和比特率</a:t>
+              <a:t>采样频率和每秒数据位数</a:t>
             </a:r>
           </a:p>
         </p:txBody>
@@ -8648,8 +8651,8 @@
         </p:nvSpPr>
         <p:spPr>
           <a:xfrm>
-            <a:off x="3788228" y="2890391"/>
-            <a:ext cx="6895323" cy="1077218"/>
+            <a:off x="3788227" y="3795947"/>
+            <a:ext cx="6895323" cy="1569660"/>
           </a:xfrm>
           <a:prstGeom prst="rect">
             <a:avLst/>
@@ -8673,15 +8676,209 @@
               <a:rPr lang="zh-CN" altLang="en-US" sz="3200" b="1" dirty="0"/>
               <a:t>分贝的选择</a:t>
             </a:r>
-          </a:p>
-        </p:txBody>
-      </p:sp>
+            <a:endParaRPr lang="en-US" altLang="zh-CN" sz="3200" b="1" dirty="0"/>
+          </a:p>
+          <a:p>
+            <a:r>
+              <a:rPr lang="zh-CN" altLang="en-US" sz="3200" b="1" dirty="0"/>
+              <a:t>比特率：</a:t>
+            </a:r>
+            <a:r>
+              <a:rPr lang="en-US" altLang="zh-CN" sz="3200" b="1" dirty="0"/>
+              <a:t>bps</a:t>
+            </a:r>
+            <a:r>
+              <a:rPr lang="zh-CN" altLang="en-US" sz="3200" b="1" dirty="0"/>
+              <a:t>、</a:t>
+            </a:r>
+            <a:r>
+              <a:rPr lang="en-US" altLang="zh-CN" sz="3200" b="1" dirty="0"/>
+              <a:t>kbps</a:t>
+            </a:r>
+            <a:endParaRPr lang="zh-CN" altLang="en-US" sz="3200" b="1" dirty="0"/>
+          </a:p>
+        </p:txBody>
+      </p:sp>
+    </p:spTree>
+    <p:extLst>
+      <p:ext uri="{BB962C8B-B14F-4D97-AF65-F5344CB8AC3E}">
+        <p14:creationId xmlns:p14="http://schemas.microsoft.com/office/powerpoint/2010/main" val="3086730181"/>
+      </p:ext>
+    </p:extLst>
+  </p:cSld>
+  <p:clrMapOvr>
+    <a:masterClrMapping/>
+  </p:clrMapOvr>
+</p:sld>
+</file>
+
+<file path=ppt/slides/slide6.xml><?xml version="1.0" encoding="utf-8"?>
+<p:sld xmlns:a="http://schemas.openxmlformats.org/drawingml/2006/main" xmlns:r="http://schemas.openxmlformats.org/officeDocument/2006/relationships" xmlns:p="http://schemas.openxmlformats.org/presentationml/2006/main">
+  <p:cSld>
+    <p:spTree>
+      <p:nvGrpSpPr>
+        <p:cNvPr id="1" name=""/>
+        <p:cNvGrpSpPr/>
+        <p:nvPr/>
+      </p:nvGrpSpPr>
+      <p:grpSpPr>
+        <a:xfrm>
+          <a:off x="0" y="0"/>
+          <a:ext cx="0" cy="0"/>
+          <a:chOff x="0" y="0"/>
+          <a:chExt cx="0" cy="0"/>
+        </a:xfrm>
+      </p:grpSpPr>
+      <p:sp>
+        <p:nvSpPr>
+          <p:cNvPr id="3" name="内容占位符 2">
+            <a:extLst>
+              <a:ext uri="{FF2B5EF4-FFF2-40B4-BE49-F238E27FC236}">
+                <a16:creationId xmlns:a16="http://schemas.microsoft.com/office/drawing/2014/main" id="{AA129193-E97D-4813-8660-2750E5FC4C37}"/>
+              </a:ext>
+            </a:extLst>
+          </p:cNvPr>
+          <p:cNvSpPr>
+            <a:spLocks noGrp="1"/>
+          </p:cNvSpPr>
+          <p:nvPr>
+            <p:ph idx="1"/>
+          </p:nvPr>
+        </p:nvSpPr>
+        <p:spPr>
+          <a:xfrm>
+            <a:off x="1141413" y="681135"/>
+            <a:ext cx="9905998" cy="5110065"/>
+          </a:xfrm>
+        </p:spPr>
+        <p:txBody>
+          <a:bodyPr>
+            <a:normAutofit lnSpcReduction="10000"/>
+          </a:bodyPr>
+          <a:lstStyle/>
+          <a:p>
+            <a:r>
+              <a:rPr lang="en-US" altLang="zh-CN" sz="2800" dirty="0"/>
+              <a:t>CD</a:t>
+            </a:r>
+          </a:p>
+          <a:p>
+            <a:r>
+              <a:rPr lang="en-US" altLang="zh-CN" sz="2800" dirty="0"/>
+              <a:t>WAV</a:t>
+            </a:r>
+          </a:p>
+          <a:p>
+            <a:r>
+              <a:rPr lang="en-US" altLang="zh-CN" sz="2800" dirty="0"/>
+              <a:t>MP3</a:t>
+            </a:r>
+          </a:p>
+          <a:p>
+            <a:r>
+              <a:rPr lang="en-US" altLang="zh-CN" sz="2800" dirty="0"/>
+              <a:t>WMA</a:t>
+            </a:r>
+          </a:p>
+          <a:p>
+            <a:r>
+              <a:rPr lang="en-US" altLang="zh-CN" sz="2800" dirty="0"/>
+              <a:t>MID</a:t>
+            </a:r>
+          </a:p>
+          <a:p>
+            <a:r>
+              <a:rPr lang="en-US" altLang="zh-CN" sz="2800"/>
+              <a:t>RealAudio</a:t>
+            </a:r>
+            <a:endParaRPr lang="en-US" altLang="zh-CN" sz="2800" dirty="0"/>
+          </a:p>
+          <a:p>
+            <a:r>
+              <a:rPr lang="en-US" altLang="zh-CN" sz="2800" dirty="0"/>
+              <a:t>OGG</a:t>
+            </a:r>
+          </a:p>
+          <a:p>
+            <a:r>
+              <a:rPr lang="en-US" altLang="zh-CN" sz="2800" dirty="0"/>
+              <a:t>FLAC</a:t>
+            </a:r>
+          </a:p>
+          <a:p>
+            <a:r>
+              <a:rPr lang="en-US" altLang="zh-CN" sz="2800" dirty="0"/>
+              <a:t>APE</a:t>
+            </a:r>
+          </a:p>
+        </p:txBody>
+      </p:sp>
+    </p:spTree>
+    <p:extLst>
+      <p:ext uri="{BB962C8B-B14F-4D97-AF65-F5344CB8AC3E}">
+        <p14:creationId xmlns:p14="http://schemas.microsoft.com/office/powerpoint/2010/main" val="3384557503"/>
+      </p:ext>
+    </p:extLst>
+  </p:cSld>
+  <p:clrMapOvr>
+    <a:masterClrMapping/>
+  </p:clrMapOvr>
+</p:sld>
+</file>
+
+<file path=ppt/slides/slide7.xml><?xml version="1.0" encoding="utf-8"?>
+<p:sld xmlns:a="http://schemas.openxmlformats.org/drawingml/2006/main" xmlns:r="http://schemas.openxmlformats.org/officeDocument/2006/relationships" xmlns:p="http://schemas.openxmlformats.org/presentationml/2006/main">
+  <p:cSld>
+    <p:spTree>
+      <p:nvGrpSpPr>
+        <p:cNvPr id="1" name=""/>
+        <p:cNvGrpSpPr/>
+        <p:nvPr/>
+      </p:nvGrpSpPr>
+      <p:grpSpPr>
+        <a:xfrm>
+          <a:off x="0" y="0"/>
+          <a:ext cx="0" cy="0"/>
+          <a:chOff x="0" y="0"/>
+          <a:chExt cx="0" cy="0"/>
+        </a:xfrm>
+      </p:grpSpPr>
+    </p:spTree>
+    <p:extLst>
+      <p:ext uri="{BB962C8B-B14F-4D97-AF65-F5344CB8AC3E}">
+        <p14:creationId xmlns:p14="http://schemas.microsoft.com/office/powerpoint/2010/main" val="1258745472"/>
+      </p:ext>
+    </p:extLst>
+  </p:cSld>
+  <p:clrMapOvr>
+    <a:masterClrMapping/>
+  </p:clrMapOvr>
+</p:sld>
+</file>
+
+<file path=ppt/slides/slide8.xml><?xml version="1.0" encoding="utf-8"?>
+<p:sld xmlns:a="http://schemas.openxmlformats.org/drawingml/2006/main" xmlns:r="http://schemas.openxmlformats.org/officeDocument/2006/relationships" xmlns:p="http://schemas.openxmlformats.org/presentationml/2006/main">
+  <p:cSld>
+    <p:spTree>
+      <p:nvGrpSpPr>
+        <p:cNvPr id="1" name=""/>
+        <p:cNvGrpSpPr/>
+        <p:nvPr/>
+      </p:nvGrpSpPr>
+      <p:grpSpPr>
+        <a:xfrm>
+          <a:off x="0" y="0"/>
+          <a:ext cx="0" cy="0"/>
+          <a:chOff x="0" y="0"/>
+          <a:chExt cx="0" cy="0"/>
+        </a:xfrm>
+      </p:grpSpPr>
       <p:sp>
         <p:nvSpPr>
           <p:cNvPr id="7" name="文本框 6">
             <a:extLst>
               <a:ext uri="{FF2B5EF4-FFF2-40B4-BE49-F238E27FC236}">
-                <a16:creationId xmlns:a16="http://schemas.microsoft.com/office/drawing/2014/main" id="{952851BD-DA1E-461D-992D-711C66B536F6}"/>
+                <a16:creationId xmlns:a16="http://schemas.microsoft.com/office/drawing/2014/main" id="{FB6FD584-D698-4176-9386-577C9FF9AEE8}"/>
               </a:ext>
             </a:extLst>
           </p:cNvPr>
@@ -8690,8 +8887,8 @@
         </p:nvSpPr>
         <p:spPr>
           <a:xfrm>
-            <a:off x="1819469" y="4991877"/>
-            <a:ext cx="9526556" cy="830997"/>
+            <a:off x="1978091" y="2118050"/>
+            <a:ext cx="8686800" cy="2246769"/>
           </a:xfrm>
           <a:prstGeom prst="rect">
             <a:avLst/>
@@ -8705,59 +8902,106 @@
           <a:lstStyle/>
           <a:p>
             <a:r>
-              <a:rPr lang="en-US" altLang="zh-CN" sz="2400" dirty="0"/>
+              <a:rPr lang="en-US" altLang="zh-CN" sz="2800" dirty="0"/>
               <a:t>WAVE</a:t>
             </a:r>
             <a:r>
-              <a:rPr lang="zh-CN" altLang="en-US" sz="2400" dirty="0"/>
+              <a:rPr lang="zh-CN" altLang="en-US" sz="2800" dirty="0"/>
               <a:t>文件（</a:t>
             </a:r>
             <a:r>
-              <a:rPr lang="en-US" altLang="zh-CN" sz="2400" dirty="0"/>
+              <a:rPr lang="en-US" altLang="zh-CN" sz="2800" dirty="0"/>
               <a:t>WAV</a:t>
             </a:r>
             <a:r>
-              <a:rPr lang="zh-CN" altLang="en-US" sz="2400" dirty="0"/>
+              <a:rPr lang="zh-CN" altLang="en-US" sz="2800" dirty="0"/>
               <a:t>）</a:t>
             </a:r>
-            <a:endParaRPr lang="en-US" altLang="zh-CN" sz="2400" dirty="0"/>
-          </a:p>
-          <a:p>
-            <a:r>
-              <a:rPr lang="zh-CN" altLang="en-US" sz="2400" dirty="0"/>
-              <a:t>采样频率（</a:t>
-            </a:r>
-            <a:r>
-              <a:rPr lang="en-US" altLang="zh-CN" sz="2400" dirty="0"/>
-              <a:t>HZ</a:t>
-            </a:r>
-            <a:r>
-              <a:rPr lang="zh-CN" altLang="en-US" sz="2400" dirty="0"/>
-              <a:t>）*比特率*声道数*时间（</a:t>
-            </a:r>
-            <a:r>
-              <a:rPr lang="en-US" altLang="zh-CN" sz="2400" dirty="0"/>
+            <a:endParaRPr lang="en-US" altLang="zh-CN" sz="2800" dirty="0"/>
+          </a:p>
+          <a:p>
+            <a:r>
+              <a:rPr lang="zh-CN" altLang="en-US" sz="2800" dirty="0"/>
+              <a:t>采样频率</a:t>
+            </a:r>
+            <a:r>
+              <a:rPr lang="en-US" altLang="zh-CN" sz="2800" dirty="0"/>
+              <a:t>(HZ)/(KHZ)</a:t>
+            </a:r>
+            <a:r>
+              <a:rPr lang="zh-CN" altLang="en-US" sz="2800" dirty="0"/>
+              <a:t>*每秒数据位数*声道数*时间（</a:t>
+            </a:r>
+            <a:r>
+              <a:rPr lang="en-US" altLang="zh-CN" sz="2800" dirty="0"/>
               <a:t>s</a:t>
             </a:r>
             <a:r>
-              <a:rPr lang="zh-CN" altLang="en-US" sz="2400" dirty="0"/>
+              <a:rPr lang="zh-CN" altLang="en-US" sz="2800" dirty="0"/>
               <a:t>）</a:t>
             </a:r>
-            <a:r>
-              <a:rPr lang="en-US" altLang="zh-CN" sz="2400" dirty="0"/>
+            <a:endParaRPr lang="en-US" altLang="zh-CN" sz="2800" dirty="0"/>
+          </a:p>
+          <a:p>
+            <a:r>
+              <a:rPr lang="en-US" altLang="zh-CN" sz="2800" dirty="0"/>
               <a:t>=</a:t>
             </a:r>
             <a:r>
-              <a:rPr lang="zh-CN" altLang="en-US" sz="2400" dirty="0"/>
-              <a:t>所占位数（</a:t>
-            </a:r>
-            <a:r>
-              <a:rPr lang="en-US" altLang="zh-CN" sz="2400" dirty="0"/>
-              <a:t>bit</a:t>
-            </a:r>
-            <a:r>
-              <a:rPr lang="zh-CN" altLang="en-US" sz="2400" dirty="0"/>
-              <a:t>）</a:t>
+              <a:rPr lang="zh-CN" altLang="en-US" sz="2800" dirty="0"/>
+              <a:t>比特率</a:t>
+            </a:r>
+            <a:r>
+              <a:rPr lang="en-US" altLang="zh-CN" sz="2800" dirty="0"/>
+              <a:t>(bps)/(kbps)*</a:t>
+            </a:r>
+            <a:r>
+              <a:rPr lang="zh-CN" altLang="en-US" sz="2800" dirty="0"/>
+              <a:t>时间</a:t>
+            </a:r>
+            <a:r>
+              <a:rPr lang="en-US" altLang="zh-CN" sz="2800" dirty="0"/>
+              <a:t>(s)</a:t>
+            </a:r>
+          </a:p>
+          <a:p>
+            <a:r>
+              <a:rPr lang="en-US" altLang="zh-CN" sz="2800" dirty="0"/>
+              <a:t>=</a:t>
+            </a:r>
+            <a:r>
+              <a:rPr lang="zh-CN" altLang="en-US" sz="2800" dirty="0"/>
+              <a:t>所占位数</a:t>
+            </a:r>
+            <a:r>
+              <a:rPr lang="en-US" altLang="zh-CN" sz="2800" dirty="0"/>
+              <a:t>(bit)/(KB)</a:t>
+            </a:r>
+          </a:p>
+          <a:p>
+            <a:r>
+              <a:rPr lang="zh-CN" altLang="en-US" sz="2800" dirty="0"/>
+              <a:t>注：近似计算，</a:t>
+            </a:r>
+            <a:r>
+              <a:rPr lang="en-US" altLang="zh-CN" sz="2800" dirty="0"/>
+              <a:t>kbps</a:t>
+            </a:r>
+            <a:r>
+              <a:rPr lang="zh-CN" altLang="en-US" sz="2800" dirty="0"/>
+              <a:t>与</a:t>
+            </a:r>
+            <a:r>
+              <a:rPr lang="en-US" altLang="zh-CN" sz="2800" dirty="0" err="1"/>
+              <a:t>khz</a:t>
+            </a:r>
+            <a:r>
+              <a:rPr lang="zh-CN" altLang="en-US" sz="2800" dirty="0"/>
+              <a:t>与</a:t>
+            </a:r>
+            <a:r>
+              <a:rPr lang="en-US" altLang="zh-CN" sz="2800" dirty="0"/>
+              <a:t>1024</a:t>
             </a:r>
           </a:p>
         </p:txBody>
@@ -8765,7 +9009,7 @@
     </p:spTree>
     <p:extLst>
       <p:ext uri="{BB962C8B-B14F-4D97-AF65-F5344CB8AC3E}">
-        <p14:creationId xmlns:p14="http://schemas.microsoft.com/office/powerpoint/2010/main" val="3086730181"/>
+        <p14:creationId xmlns:p14="http://schemas.microsoft.com/office/powerpoint/2010/main" val="4031298414"/>
       </p:ext>
     </p:extLst>
   </p:cSld>

--- a/初探多媒体.pptx
+++ b/初探多媒体.pptx
@@ -10,9 +10,20 @@
     <p:sldId id="258" r:id="rId4"/>
     <p:sldId id="259" r:id="rId5"/>
     <p:sldId id="260" r:id="rId6"/>
-    <p:sldId id="261" r:id="rId7"/>
-    <p:sldId id="263" r:id="rId8"/>
+    <p:sldId id="264" r:id="rId7"/>
+    <p:sldId id="261" r:id="rId8"/>
     <p:sldId id="262" r:id="rId9"/>
+    <p:sldId id="268" r:id="rId10"/>
+    <p:sldId id="269" r:id="rId11"/>
+    <p:sldId id="270" r:id="rId12"/>
+    <p:sldId id="271" r:id="rId13"/>
+    <p:sldId id="272" r:id="rId14"/>
+    <p:sldId id="266" r:id="rId15"/>
+    <p:sldId id="274" r:id="rId16"/>
+    <p:sldId id="275" r:id="rId17"/>
+    <p:sldId id="276" r:id="rId18"/>
+    <p:sldId id="273" r:id="rId19"/>
+    <p:sldId id="277" r:id="rId20"/>
   </p:sldIdLst>
   <p:sldSz cx="12192000" cy="6858000"/>
   <p:notesSz cx="6858000" cy="9144000"/>
@@ -8244,10 +8255,2391 @@
           </a:p>
         </p:txBody>
       </p:sp>
+      <p:sp>
+        <p:nvSpPr>
+          <p:cNvPr id="4" name="文本框 3">
+            <a:extLst>
+              <a:ext uri="{FF2B5EF4-FFF2-40B4-BE49-F238E27FC236}">
+                <a16:creationId xmlns:a16="http://schemas.microsoft.com/office/drawing/2014/main" id="{2B6E53F4-9B0D-41D3-B463-0E063A88D2EE}"/>
+              </a:ext>
+            </a:extLst>
+          </p:cNvPr>
+          <p:cNvSpPr txBox="1"/>
+          <p:nvPr/>
+        </p:nvSpPr>
+        <p:spPr>
+          <a:xfrm>
+            <a:off x="4469364" y="5563978"/>
+            <a:ext cx="7212564" cy="369332"/>
+          </a:xfrm>
+          <a:prstGeom prst="rect">
+            <a:avLst/>
+          </a:prstGeom>
+          <a:noFill/>
+        </p:spPr>
+        <p:txBody>
+          <a:bodyPr wrap="square" rtlCol="0">
+            <a:spAutoFit/>
+          </a:bodyPr>
+          <a:lstStyle/>
+          <a:p>
+            <a:r>
+              <a:rPr lang="en-US" altLang="zh-CN" i="1" dirty="0">
+                <a:latin typeface="Aharoni" panose="020B0604020202020204" pitchFamily="2" charset="-79"/>
+                <a:cs typeface="Aharoni" panose="020B0604020202020204" pitchFamily="2" charset="-79"/>
+              </a:rPr>
+              <a:t>PS</a:t>
+            </a:r>
+            <a:r>
+              <a:rPr lang="zh-CN" altLang="en-US" i="1" dirty="0">
+                <a:latin typeface="Aharoni" panose="020B0604020202020204" pitchFamily="2" charset="-79"/>
+                <a:cs typeface="Aharoni" panose="020B0604020202020204" pitchFamily="2" charset="-79"/>
+              </a:rPr>
+              <a:t>：感谢维基百科、百度图片、</a:t>
+            </a:r>
+            <a:r>
+              <a:rPr lang="en-US" altLang="zh-CN" i="1" dirty="0">
+                <a:latin typeface="Aharoni" panose="020B0604020202020204" pitchFamily="2" charset="-79"/>
+                <a:cs typeface="Aharoni" panose="020B0604020202020204" pitchFamily="2" charset="-79"/>
+              </a:rPr>
+              <a:t>Br</a:t>
+            </a:r>
+            <a:r>
+              <a:rPr lang="zh-CN" altLang="en-US" i="1" dirty="0">
+                <a:latin typeface="Aharoni" panose="020B0604020202020204" pitchFamily="2" charset="-79"/>
+                <a:cs typeface="Aharoni" panose="020B0604020202020204" pitchFamily="2" charset="-79"/>
+              </a:rPr>
+              <a:t>对本</a:t>
+            </a:r>
+            <a:r>
+              <a:rPr lang="en-US" altLang="zh-CN" i="1" dirty="0">
+                <a:latin typeface="Aharoni" panose="020B0604020202020204" pitchFamily="2" charset="-79"/>
+                <a:cs typeface="Aharoni" panose="020B0604020202020204" pitchFamily="2" charset="-79"/>
+              </a:rPr>
+              <a:t>PPT</a:t>
+            </a:r>
+            <a:r>
+              <a:rPr lang="zh-CN" altLang="en-US" i="1" dirty="0">
+                <a:latin typeface="Aharoni" panose="020B0604020202020204" pitchFamily="2" charset="-79"/>
+                <a:cs typeface="Aharoni" panose="020B0604020202020204" pitchFamily="2" charset="-79"/>
+              </a:rPr>
+              <a:t>中图片的大力支持（</a:t>
+            </a:r>
+            <a:r>
+              <a:rPr lang="en-US" altLang="zh-CN" i="1" dirty="0">
+                <a:latin typeface="Aharoni" panose="020B0604020202020204" pitchFamily="2" charset="-79"/>
+                <a:cs typeface="Aharoni" panose="020B0604020202020204" pitchFamily="2" charset="-79"/>
+              </a:rPr>
+              <a:t>XD</a:t>
+            </a:r>
+            <a:r>
+              <a:rPr lang="zh-CN" altLang="en-US" i="1" dirty="0">
+                <a:latin typeface="Aharoni" panose="020B0604020202020204" pitchFamily="2" charset="-79"/>
+                <a:cs typeface="Aharoni" panose="020B0604020202020204" pitchFamily="2" charset="-79"/>
+              </a:rPr>
+              <a:t>）</a:t>
+            </a:r>
+          </a:p>
+        </p:txBody>
+      </p:sp>
     </p:spTree>
     <p:extLst>
       <p:ext uri="{BB962C8B-B14F-4D97-AF65-F5344CB8AC3E}">
         <p14:creationId xmlns:p14="http://schemas.microsoft.com/office/powerpoint/2010/main" val="114721583"/>
+      </p:ext>
+    </p:extLst>
+  </p:cSld>
+  <p:clrMapOvr>
+    <a:masterClrMapping/>
+  </p:clrMapOvr>
+</p:sld>
+</file>
+
+<file path=ppt/slides/slide10.xml><?xml version="1.0" encoding="utf-8"?>
+<p:sld xmlns:a="http://schemas.openxmlformats.org/drawingml/2006/main" xmlns:r="http://schemas.openxmlformats.org/officeDocument/2006/relationships" xmlns:p="http://schemas.openxmlformats.org/presentationml/2006/main">
+  <p:cSld>
+    <p:spTree>
+      <p:nvGrpSpPr>
+        <p:cNvPr id="1" name=""/>
+        <p:cNvGrpSpPr/>
+        <p:nvPr/>
+      </p:nvGrpSpPr>
+      <p:grpSpPr>
+        <a:xfrm>
+          <a:off x="0" y="0"/>
+          <a:ext cx="0" cy="0"/>
+          <a:chOff x="0" y="0"/>
+          <a:chExt cx="0" cy="0"/>
+        </a:xfrm>
+      </p:grpSpPr>
+      <p:sp>
+        <p:nvSpPr>
+          <p:cNvPr id="4" name="文本框 3">
+            <a:extLst>
+              <a:ext uri="{FF2B5EF4-FFF2-40B4-BE49-F238E27FC236}">
+                <a16:creationId xmlns:a16="http://schemas.microsoft.com/office/drawing/2014/main" id="{83214A37-2BDE-4F82-990F-D8F01339979E}"/>
+              </a:ext>
+            </a:extLst>
+          </p:cNvPr>
+          <p:cNvSpPr txBox="1"/>
+          <p:nvPr/>
+        </p:nvSpPr>
+        <p:spPr>
+          <a:xfrm>
+            <a:off x="1287624" y="590165"/>
+            <a:ext cx="9246637" cy="830997"/>
+          </a:xfrm>
+          <a:prstGeom prst="rect">
+            <a:avLst/>
+          </a:prstGeom>
+          <a:noFill/>
+        </p:spPr>
+        <p:txBody>
+          <a:bodyPr wrap="square" rtlCol="0">
+            <a:spAutoFit/>
+          </a:bodyPr>
+          <a:lstStyle/>
+          <a:p>
+            <a:r>
+              <a:rPr lang="zh-CN" altLang="en-US" sz="4800" b="1" dirty="0"/>
+              <a:t>像素</a:t>
+            </a:r>
+          </a:p>
+        </p:txBody>
+      </p:sp>
+      <p:sp>
+        <p:nvSpPr>
+          <p:cNvPr id="5" name="文本框 4">
+            <a:extLst>
+              <a:ext uri="{FF2B5EF4-FFF2-40B4-BE49-F238E27FC236}">
+                <a16:creationId xmlns:a16="http://schemas.microsoft.com/office/drawing/2014/main" id="{7E632299-FA22-4F05-9F86-7774511D8B57}"/>
+              </a:ext>
+            </a:extLst>
+          </p:cNvPr>
+          <p:cNvSpPr txBox="1"/>
+          <p:nvPr/>
+        </p:nvSpPr>
+        <p:spPr>
+          <a:xfrm>
+            <a:off x="760444" y="1707502"/>
+            <a:ext cx="8957388" cy="2554545"/>
+          </a:xfrm>
+          <a:prstGeom prst="rect">
+            <a:avLst/>
+          </a:prstGeom>
+          <a:noFill/>
+        </p:spPr>
+        <p:txBody>
+          <a:bodyPr wrap="square" rtlCol="0">
+            <a:spAutoFit/>
+          </a:bodyPr>
+          <a:lstStyle/>
+          <a:p>
+            <a:r>
+              <a:rPr lang="en-US" altLang="zh-CN" sz="3200" dirty="0"/>
+              <a:t>DPI</a:t>
+            </a:r>
+            <a:r>
+              <a:rPr lang="zh-CN" altLang="en-US" sz="3200" dirty="0"/>
+              <a:t>：</a:t>
+            </a:r>
+            <a:r>
+              <a:rPr lang="en-US" altLang="zh-CN" sz="3200" dirty="0"/>
+              <a:t>dots per inch</a:t>
+            </a:r>
+            <a:r>
+              <a:rPr lang="zh-CN" altLang="en-US" sz="3200" dirty="0"/>
+              <a:t>，每英寸点数</a:t>
+            </a:r>
+            <a:endParaRPr lang="en-US" altLang="zh-CN" sz="3200" dirty="0"/>
+          </a:p>
+          <a:p>
+            <a:endParaRPr lang="en-US" altLang="zh-CN" sz="3200" dirty="0"/>
+          </a:p>
+          <a:p>
+            <a:r>
+              <a:rPr lang="zh-CN" altLang="en-US" sz="3200" dirty="0"/>
+              <a:t>失真</a:t>
+            </a:r>
+            <a:endParaRPr lang="en-US" altLang="zh-CN" sz="3200" dirty="0"/>
+          </a:p>
+          <a:p>
+            <a:endParaRPr lang="en-US" altLang="zh-CN" sz="3200" dirty="0"/>
+          </a:p>
+          <a:p>
+            <a:r>
+              <a:rPr lang="zh-CN" altLang="en-US" sz="3200" dirty="0"/>
+              <a:t>表现形式：</a:t>
+            </a:r>
+            <a:r>
+              <a:rPr lang="en-US" altLang="zh-CN" sz="3200" dirty="0"/>
+              <a:t>RGB</a:t>
+            </a:r>
+            <a:r>
+              <a:rPr lang="zh-CN" altLang="en-US" sz="3200" dirty="0"/>
+              <a:t>、灰度</a:t>
+            </a:r>
+          </a:p>
+        </p:txBody>
+      </p:sp>
+      <p:pic>
+        <p:nvPicPr>
+          <p:cNvPr id="7" name="图片 6">
+            <a:extLst>
+              <a:ext uri="{FF2B5EF4-FFF2-40B4-BE49-F238E27FC236}">
+                <a16:creationId xmlns:a16="http://schemas.microsoft.com/office/drawing/2014/main" id="{3D5EF401-44DE-4DDF-A05D-264BE7B02961}"/>
+              </a:ext>
+            </a:extLst>
+          </p:cNvPr>
+          <p:cNvPicPr>
+            <a:picLocks noChangeAspect="1"/>
+          </p:cNvPicPr>
+          <p:nvPr/>
+        </p:nvPicPr>
+        <p:blipFill>
+          <a:blip r:embed="rId2">
+            <a:extLst>
+              <a:ext uri="{28A0092B-C50C-407E-A947-70E740481C1C}">
+                <a14:useLocalDpi xmlns:a14="http://schemas.microsoft.com/office/drawing/2010/main" val="0"/>
+              </a:ext>
+            </a:extLst>
+          </a:blip>
+          <a:stretch>
+            <a:fillRect/>
+          </a:stretch>
+        </p:blipFill>
+        <p:spPr>
+          <a:xfrm>
+            <a:off x="7394014" y="1134823"/>
+            <a:ext cx="4495238" cy="5079365"/>
+          </a:xfrm>
+          <a:prstGeom prst="rect">
+            <a:avLst/>
+          </a:prstGeom>
+        </p:spPr>
+      </p:pic>
+    </p:spTree>
+    <p:extLst>
+      <p:ext uri="{BB962C8B-B14F-4D97-AF65-F5344CB8AC3E}">
+        <p14:creationId xmlns:p14="http://schemas.microsoft.com/office/powerpoint/2010/main" val="967194113"/>
+      </p:ext>
+    </p:extLst>
+  </p:cSld>
+  <p:clrMapOvr>
+    <a:masterClrMapping/>
+  </p:clrMapOvr>
+</p:sld>
+</file>
+
+<file path=ppt/slides/slide11.xml><?xml version="1.0" encoding="utf-8"?>
+<p:sld xmlns:a="http://schemas.openxmlformats.org/drawingml/2006/main" xmlns:r="http://schemas.openxmlformats.org/officeDocument/2006/relationships" xmlns:p="http://schemas.openxmlformats.org/presentationml/2006/main">
+  <p:cSld>
+    <p:bg>
+      <p:bgPr>
+        <a:blipFill rotWithShape="1">
+          <a:blip r:embed="rId2">
+            <a:duotone>
+              <a:schemeClr val="bg2">
+                <a:shade val="28000"/>
+                <a:satMod val="94000"/>
+                <a:lumMod val="20000"/>
+              </a:schemeClr>
+              <a:schemeClr val="bg2">
+                <a:tint val="94000"/>
+                <a:shade val="84000"/>
+                <a:satMod val="148000"/>
+                <a:lumMod val="114000"/>
+              </a:schemeClr>
+            </a:duotone>
+            <a:extLst/>
+          </a:blip>
+          <a:stretch/>
+        </a:blipFill>
+        <a:effectLst/>
+      </p:bgPr>
+    </p:bg>
+    <p:spTree>
+      <p:nvGrpSpPr>
+        <p:cNvPr id="1" name=""/>
+        <p:cNvGrpSpPr/>
+        <p:nvPr/>
+      </p:nvGrpSpPr>
+      <p:grpSpPr>
+        <a:xfrm>
+          <a:off x="0" y="0"/>
+          <a:ext cx="0" cy="0"/>
+          <a:chOff x="0" y="0"/>
+          <a:chExt cx="0" cy="0"/>
+        </a:xfrm>
+      </p:grpSpPr>
+      <p:sp>
+        <p:nvSpPr>
+          <p:cNvPr id="4" name="文本框 3">
+            <a:extLst>
+              <a:ext uri="{FF2B5EF4-FFF2-40B4-BE49-F238E27FC236}">
+                <a16:creationId xmlns:a16="http://schemas.microsoft.com/office/drawing/2014/main" id="{2ADBA85D-CE54-47E2-93FA-D4C0302E4257}"/>
+              </a:ext>
+            </a:extLst>
+          </p:cNvPr>
+          <p:cNvSpPr txBox="1"/>
+          <p:nvPr/>
+        </p:nvSpPr>
+        <p:spPr>
+          <a:xfrm>
+            <a:off x="6735098" y="609600"/>
+            <a:ext cx="4798142" cy="3642851"/>
+          </a:xfrm>
+          <a:prstGeom prst="rect">
+            <a:avLst/>
+          </a:prstGeom>
+        </p:spPr>
+        <p:txBody>
+          <a:bodyPr vert="horz" lIns="91440" tIns="45720" rIns="91440" bIns="45720" rtlCol="0" anchor="b">
+            <a:normAutofit/>
+          </a:bodyPr>
+          <a:lstStyle/>
+          <a:p>
+            <a:pPr algn="ctr">
+              <a:spcBef>
+                <a:spcPct val="0"/>
+              </a:spcBef>
+              <a:spcAft>
+                <a:spcPts val="600"/>
+              </a:spcAft>
+            </a:pPr>
+            <a:r>
+              <a:rPr lang="en-US" altLang="zh-CN" sz="4800" cap="all" dirty="0">
+                <a:ln w="3175" cmpd="sng">
+                  <a:noFill/>
+                </a:ln>
+                <a:gradFill flip="none" rotWithShape="1">
+                  <a:gsLst>
+                    <a:gs pos="0">
+                      <a:schemeClr val="tx1"/>
+                    </a:gs>
+                    <a:gs pos="100000">
+                      <a:schemeClr val="tx1">
+                        <a:lumMod val="65000"/>
+                      </a:schemeClr>
+                    </a:gs>
+                  </a:gsLst>
+                  <a:lin ang="5580000" scaled="0"/>
+                  <a:tileRect/>
+                </a:gradFill>
+                <a:effectLst>
+                  <a:glow rad="38100">
+                    <a:schemeClr val="bg1">
+                      <a:lumMod val="65000"/>
+                      <a:lumOff val="35000"/>
+                      <a:alpha val="50000"/>
+                    </a:schemeClr>
+                  </a:glow>
+                  <a:outerShdw blurRad="28575" dist="31750" dir="13200000" algn="tl" rotWithShape="0">
+                    <a:srgbClr val="000000">
+                      <a:alpha val="25000"/>
+                    </a:srgbClr>
+                  </a:outerShdw>
+                </a:effectLst>
+                <a:latin typeface="+mj-lt"/>
+                <a:ea typeface="+mj-ea"/>
+                <a:cs typeface="+mj-cs"/>
+              </a:rPr>
+              <a:t>RGB : 3</a:t>
+            </a:r>
+            <a:r>
+              <a:rPr lang="zh-CN" altLang="en-US" sz="4800" cap="all" dirty="0">
+                <a:ln w="3175" cmpd="sng">
+                  <a:noFill/>
+                </a:ln>
+                <a:gradFill flip="none" rotWithShape="1">
+                  <a:gsLst>
+                    <a:gs pos="0">
+                      <a:schemeClr val="tx1"/>
+                    </a:gs>
+                    <a:gs pos="100000">
+                      <a:schemeClr val="tx1">
+                        <a:lumMod val="65000"/>
+                      </a:schemeClr>
+                    </a:gs>
+                  </a:gsLst>
+                  <a:lin ang="5580000" scaled="0"/>
+                  <a:tileRect/>
+                </a:gradFill>
+                <a:effectLst>
+                  <a:glow rad="38100">
+                    <a:schemeClr val="bg1">
+                      <a:lumMod val="65000"/>
+                      <a:lumOff val="35000"/>
+                      <a:alpha val="50000"/>
+                    </a:schemeClr>
+                  </a:glow>
+                  <a:outerShdw blurRad="28575" dist="31750" dir="13200000" algn="tl" rotWithShape="0">
+                    <a:srgbClr val="000000">
+                      <a:alpha val="25000"/>
+                    </a:srgbClr>
+                  </a:outerShdw>
+                </a:effectLst>
+                <a:latin typeface="+mj-lt"/>
+                <a:ea typeface="+mj-ea"/>
+                <a:cs typeface="+mj-cs"/>
+              </a:rPr>
+              <a:t>通道，</a:t>
+            </a:r>
+            <a:r>
+              <a:rPr lang="en-US" altLang="zh-CN" sz="4800" cap="all" dirty="0">
+                <a:ln w="3175" cmpd="sng">
+                  <a:noFill/>
+                </a:ln>
+                <a:gradFill flip="none" rotWithShape="1">
+                  <a:gsLst>
+                    <a:gs pos="0">
+                      <a:schemeClr val="tx1"/>
+                    </a:gs>
+                    <a:gs pos="100000">
+                      <a:schemeClr val="tx1">
+                        <a:lumMod val="65000"/>
+                      </a:schemeClr>
+                    </a:gs>
+                  </a:gsLst>
+                  <a:lin ang="5580000" scaled="0"/>
+                  <a:tileRect/>
+                </a:gradFill>
+                <a:effectLst>
+                  <a:glow rad="38100">
+                    <a:schemeClr val="bg1">
+                      <a:lumMod val="65000"/>
+                      <a:lumOff val="35000"/>
+                      <a:alpha val="50000"/>
+                    </a:schemeClr>
+                  </a:glow>
+                  <a:outerShdw blurRad="28575" dist="31750" dir="13200000" algn="tl" rotWithShape="0">
+                    <a:srgbClr val="000000">
+                      <a:alpha val="25000"/>
+                    </a:srgbClr>
+                  </a:outerShdw>
+                </a:effectLst>
+                <a:latin typeface="+mj-lt"/>
+                <a:ea typeface="+mj-ea"/>
+                <a:cs typeface="+mj-cs"/>
+              </a:rPr>
+              <a:t>8</a:t>
+            </a:r>
+            <a:r>
+              <a:rPr lang="zh-CN" altLang="en-US" sz="4800" cap="all" dirty="0">
+                <a:ln w="3175" cmpd="sng">
+                  <a:noFill/>
+                </a:ln>
+                <a:gradFill flip="none" rotWithShape="1">
+                  <a:gsLst>
+                    <a:gs pos="0">
+                      <a:schemeClr val="tx1"/>
+                    </a:gs>
+                    <a:gs pos="100000">
+                      <a:schemeClr val="tx1">
+                        <a:lumMod val="65000"/>
+                      </a:schemeClr>
+                    </a:gs>
+                  </a:gsLst>
+                  <a:lin ang="5580000" scaled="0"/>
+                  <a:tileRect/>
+                </a:gradFill>
+                <a:effectLst>
+                  <a:glow rad="38100">
+                    <a:schemeClr val="bg1">
+                      <a:lumMod val="65000"/>
+                      <a:lumOff val="35000"/>
+                      <a:alpha val="50000"/>
+                    </a:schemeClr>
+                  </a:glow>
+                  <a:outerShdw blurRad="28575" dist="31750" dir="13200000" algn="tl" rotWithShape="0">
+                    <a:srgbClr val="000000">
+                      <a:alpha val="25000"/>
+                    </a:srgbClr>
+                  </a:outerShdw>
+                </a:effectLst>
+                <a:latin typeface="+mj-lt"/>
+                <a:ea typeface="+mj-ea"/>
+                <a:cs typeface="+mj-cs"/>
+              </a:rPr>
+              <a:t>位</a:t>
+            </a:r>
+            <a:r>
+              <a:rPr lang="en-US" altLang="zh-CN" sz="4800" cap="all" dirty="0">
+                <a:ln w="3175" cmpd="sng">
+                  <a:noFill/>
+                </a:ln>
+                <a:gradFill flip="none" rotWithShape="1">
+                  <a:gsLst>
+                    <a:gs pos="0">
+                      <a:schemeClr val="tx1"/>
+                    </a:gs>
+                    <a:gs pos="100000">
+                      <a:schemeClr val="tx1">
+                        <a:lumMod val="65000"/>
+                      </a:schemeClr>
+                    </a:gs>
+                  </a:gsLst>
+                  <a:lin ang="5580000" scaled="0"/>
+                  <a:tileRect/>
+                </a:gradFill>
+                <a:effectLst>
+                  <a:glow rad="38100">
+                    <a:schemeClr val="bg1">
+                      <a:lumMod val="65000"/>
+                      <a:lumOff val="35000"/>
+                      <a:alpha val="50000"/>
+                    </a:schemeClr>
+                  </a:glow>
+                  <a:outerShdw blurRad="28575" dist="31750" dir="13200000" algn="tl" rotWithShape="0">
+                    <a:srgbClr val="000000">
+                      <a:alpha val="25000"/>
+                    </a:srgbClr>
+                  </a:outerShdw>
+                </a:effectLst>
+                <a:latin typeface="+mj-lt"/>
+                <a:ea typeface="+mj-ea"/>
+                <a:cs typeface="+mj-cs"/>
+              </a:rPr>
+              <a:t>/</a:t>
+            </a:r>
+            <a:r>
+              <a:rPr lang="zh-CN" altLang="en-US" sz="4800" cap="all" dirty="0">
+                <a:ln w="3175" cmpd="sng">
+                  <a:noFill/>
+                </a:ln>
+                <a:gradFill flip="none" rotWithShape="1">
+                  <a:gsLst>
+                    <a:gs pos="0">
+                      <a:schemeClr val="tx1"/>
+                    </a:gs>
+                    <a:gs pos="100000">
+                      <a:schemeClr val="tx1">
+                        <a:lumMod val="65000"/>
+                      </a:schemeClr>
+                    </a:gs>
+                  </a:gsLst>
+                  <a:lin ang="5580000" scaled="0"/>
+                  <a:tileRect/>
+                </a:gradFill>
+                <a:effectLst>
+                  <a:glow rad="38100">
+                    <a:schemeClr val="bg1">
+                      <a:lumMod val="65000"/>
+                      <a:lumOff val="35000"/>
+                      <a:alpha val="50000"/>
+                    </a:schemeClr>
+                  </a:glow>
+                  <a:outerShdw blurRad="28575" dist="31750" dir="13200000" algn="tl" rotWithShape="0">
+                    <a:srgbClr val="000000">
+                      <a:alpha val="25000"/>
+                    </a:srgbClr>
+                  </a:outerShdw>
+                </a:effectLst>
+                <a:latin typeface="+mj-lt"/>
+                <a:ea typeface="+mj-ea"/>
+                <a:cs typeface="+mj-cs"/>
+              </a:rPr>
+              <a:t>通道，</a:t>
+            </a:r>
+            <a:r>
+              <a:rPr lang="en-US" altLang="zh-CN" sz="4800" cap="all" dirty="0">
+                <a:ln w="3175" cmpd="sng">
+                  <a:noFill/>
+                </a:ln>
+                <a:gradFill flip="none" rotWithShape="1">
+                  <a:gsLst>
+                    <a:gs pos="0">
+                      <a:schemeClr val="tx1"/>
+                    </a:gs>
+                    <a:gs pos="100000">
+                      <a:schemeClr val="tx1">
+                        <a:lumMod val="65000"/>
+                      </a:schemeClr>
+                    </a:gs>
+                  </a:gsLst>
+                  <a:lin ang="5580000" scaled="0"/>
+                  <a:tileRect/>
+                </a:gradFill>
+                <a:effectLst>
+                  <a:glow rad="38100">
+                    <a:schemeClr val="bg1">
+                      <a:lumMod val="65000"/>
+                      <a:lumOff val="35000"/>
+                      <a:alpha val="50000"/>
+                    </a:schemeClr>
+                  </a:glow>
+                  <a:outerShdw blurRad="28575" dist="31750" dir="13200000" algn="tl" rotWithShape="0">
+                    <a:srgbClr val="000000">
+                      <a:alpha val="25000"/>
+                    </a:srgbClr>
+                  </a:outerShdw>
+                </a:effectLst>
+                <a:latin typeface="+mj-lt"/>
+                <a:ea typeface="+mj-ea"/>
+                <a:cs typeface="+mj-cs"/>
+              </a:rPr>
+              <a:t>24</a:t>
+            </a:r>
+            <a:r>
+              <a:rPr lang="zh-CN" altLang="en-US" sz="4800" cap="all" dirty="0">
+                <a:ln w="3175" cmpd="sng">
+                  <a:noFill/>
+                </a:ln>
+                <a:gradFill flip="none" rotWithShape="1">
+                  <a:gsLst>
+                    <a:gs pos="0">
+                      <a:schemeClr val="tx1"/>
+                    </a:gs>
+                    <a:gs pos="100000">
+                      <a:schemeClr val="tx1">
+                        <a:lumMod val="65000"/>
+                      </a:schemeClr>
+                    </a:gs>
+                  </a:gsLst>
+                  <a:lin ang="5580000" scaled="0"/>
+                  <a:tileRect/>
+                </a:gradFill>
+                <a:effectLst>
+                  <a:glow rad="38100">
+                    <a:schemeClr val="bg1">
+                      <a:lumMod val="65000"/>
+                      <a:lumOff val="35000"/>
+                      <a:alpha val="50000"/>
+                    </a:schemeClr>
+                  </a:glow>
+                  <a:outerShdw blurRad="28575" dist="31750" dir="13200000" algn="tl" rotWithShape="0">
+                    <a:srgbClr val="000000">
+                      <a:alpha val="25000"/>
+                    </a:srgbClr>
+                  </a:outerShdw>
+                </a:effectLst>
+                <a:latin typeface="+mj-lt"/>
+                <a:ea typeface="+mj-ea"/>
+                <a:cs typeface="+mj-cs"/>
+              </a:rPr>
+              <a:t>位真彩色</a:t>
+            </a:r>
+          </a:p>
+        </p:txBody>
+      </p:sp>
+      <p:pic>
+        <p:nvPicPr>
+          <p:cNvPr id="6" name="图片 5">
+            <a:extLst>
+              <a:ext uri="{FF2B5EF4-FFF2-40B4-BE49-F238E27FC236}">
+                <a16:creationId xmlns:a16="http://schemas.microsoft.com/office/drawing/2014/main" id="{AB3EA1F9-3EAD-4FCB-8503-99675715B946}"/>
+              </a:ext>
+            </a:extLst>
+          </p:cNvPr>
+          <p:cNvPicPr>
+            <a:picLocks noChangeAspect="1"/>
+          </p:cNvPicPr>
+          <p:nvPr/>
+        </p:nvPicPr>
+        <p:blipFill>
+          <a:blip r:embed="rId3">
+            <a:extLst>
+              <a:ext uri="{28A0092B-C50C-407E-A947-70E740481C1C}">
+                <a14:useLocalDpi xmlns:a14="http://schemas.microsoft.com/office/drawing/2010/main" val="0"/>
+              </a:ext>
+            </a:extLst>
+          </a:blip>
+          <a:stretch>
+            <a:fillRect/>
+          </a:stretch>
+        </p:blipFill>
+        <p:spPr>
+          <a:xfrm>
+            <a:off x="633999" y="1548020"/>
+            <a:ext cx="5462001" cy="3768780"/>
+          </a:xfrm>
+          <a:prstGeom prst="roundRect">
+            <a:avLst>
+              <a:gd name="adj" fmla="val 3517"/>
+            </a:avLst>
+          </a:prstGeom>
+          <a:ln w="38100">
+            <a:gradFill flip="none" rotWithShape="1">
+              <a:gsLst>
+                <a:gs pos="0">
+                  <a:srgbClr val="363D46"/>
+                </a:gs>
+                <a:gs pos="100000">
+                  <a:srgbClr val="363D46">
+                    <a:lumMod val="75000"/>
+                  </a:srgbClr>
+                </a:gs>
+              </a:gsLst>
+              <a:lin ang="5400000" scaled="0"/>
+              <a:tileRect/>
+            </a:gradFill>
+          </a:ln>
+          <a:effectLst>
+            <a:innerShdw blurRad="57150" dist="38100" dir="14460000">
+              <a:srgbClr val="000000">
+                <a:alpha val="70000"/>
+              </a:srgbClr>
+            </a:innerShdw>
+          </a:effectLst>
+        </p:spPr>
+      </p:pic>
+    </p:spTree>
+    <p:extLst>
+      <p:ext uri="{BB962C8B-B14F-4D97-AF65-F5344CB8AC3E}">
+        <p14:creationId xmlns:p14="http://schemas.microsoft.com/office/powerpoint/2010/main" val="2207340981"/>
+      </p:ext>
+    </p:extLst>
+  </p:cSld>
+  <p:clrMapOvr>
+    <a:masterClrMapping/>
+  </p:clrMapOvr>
+</p:sld>
+</file>
+
+<file path=ppt/slides/slide12.xml><?xml version="1.0" encoding="utf-8"?>
+<p:sld xmlns:a="http://schemas.openxmlformats.org/drawingml/2006/main" xmlns:r="http://schemas.openxmlformats.org/officeDocument/2006/relationships" xmlns:p="http://schemas.openxmlformats.org/presentationml/2006/main">
+  <p:cSld>
+    <p:bg>
+      <p:bgPr>
+        <a:blipFill rotWithShape="1">
+          <a:blip r:embed="rId2">
+            <a:duotone>
+              <a:schemeClr val="bg2">
+                <a:shade val="28000"/>
+                <a:satMod val="94000"/>
+                <a:lumMod val="20000"/>
+              </a:schemeClr>
+              <a:schemeClr val="bg2">
+                <a:tint val="94000"/>
+                <a:shade val="84000"/>
+                <a:satMod val="148000"/>
+                <a:lumMod val="114000"/>
+              </a:schemeClr>
+            </a:duotone>
+            <a:extLst/>
+          </a:blip>
+          <a:stretch/>
+        </a:blipFill>
+        <a:effectLst/>
+      </p:bgPr>
+    </p:bg>
+    <p:spTree>
+      <p:nvGrpSpPr>
+        <p:cNvPr id="1" name=""/>
+        <p:cNvGrpSpPr/>
+        <p:nvPr/>
+      </p:nvGrpSpPr>
+      <p:grpSpPr>
+        <a:xfrm>
+          <a:off x="0" y="0"/>
+          <a:ext cx="0" cy="0"/>
+          <a:chOff x="0" y="0"/>
+          <a:chExt cx="0" cy="0"/>
+        </a:xfrm>
+      </p:grpSpPr>
+      <p:sp>
+        <p:nvSpPr>
+          <p:cNvPr id="4" name="文本框 3">
+            <a:extLst>
+              <a:ext uri="{FF2B5EF4-FFF2-40B4-BE49-F238E27FC236}">
+                <a16:creationId xmlns:a16="http://schemas.microsoft.com/office/drawing/2014/main" id="{51B8C438-6801-4F05-96F2-BE9E8904025E}"/>
+              </a:ext>
+            </a:extLst>
+          </p:cNvPr>
+          <p:cNvSpPr txBox="1"/>
+          <p:nvPr/>
+        </p:nvSpPr>
+        <p:spPr>
+          <a:xfrm>
+            <a:off x="1751012" y="3883741"/>
+            <a:ext cx="8676222" cy="1335959"/>
+          </a:xfrm>
+          <a:prstGeom prst="rect">
+            <a:avLst/>
+          </a:prstGeom>
+        </p:spPr>
+        <p:txBody>
+          <a:bodyPr vert="horz" lIns="91440" tIns="45720" rIns="91440" bIns="45720" rtlCol="0" anchor="b">
+            <a:normAutofit/>
+          </a:bodyPr>
+          <a:lstStyle/>
+          <a:p>
+            <a:pPr algn="ctr">
+              <a:lnSpc>
+                <a:spcPct val="90000"/>
+              </a:lnSpc>
+              <a:spcBef>
+                <a:spcPct val="0"/>
+              </a:spcBef>
+              <a:spcAft>
+                <a:spcPts val="600"/>
+              </a:spcAft>
+            </a:pPr>
+            <a:r>
+              <a:rPr lang="zh-CN" altLang="en-US" sz="2600" b="1" cap="all" dirty="0">
+                <a:ln w="3175" cmpd="sng">
+                  <a:noFill/>
+                </a:ln>
+                <a:gradFill flip="none" rotWithShape="1">
+                  <a:gsLst>
+                    <a:gs pos="0">
+                      <a:schemeClr val="tx1"/>
+                    </a:gs>
+                    <a:gs pos="100000">
+                      <a:schemeClr val="tx1">
+                        <a:lumMod val="65000"/>
+                      </a:schemeClr>
+                    </a:gs>
+                  </a:gsLst>
+                  <a:lin ang="5580000" scaled="0"/>
+                  <a:tileRect/>
+                </a:gradFill>
+                <a:effectLst>
+                  <a:glow rad="38100">
+                    <a:schemeClr val="bg1">
+                      <a:lumMod val="65000"/>
+                      <a:lumOff val="35000"/>
+                      <a:alpha val="50000"/>
+                    </a:schemeClr>
+                  </a:glow>
+                  <a:outerShdw blurRad="28575" dist="31750" dir="13200000" algn="tl" rotWithShape="0">
+                    <a:srgbClr val="000000">
+                      <a:alpha val="25000"/>
+                    </a:srgbClr>
+                  </a:outerShdw>
+                </a:effectLst>
+                <a:latin typeface="+mj-lt"/>
+                <a:ea typeface="+mj-ea"/>
+                <a:cs typeface="+mj-cs"/>
+              </a:rPr>
+              <a:t>灰度：用黑色为基准色，不同的饱和度的黑色来显示图像</a:t>
+            </a:r>
+            <a:endParaRPr lang="en-US" altLang="zh-CN" sz="2600" b="1" cap="all" dirty="0">
+              <a:ln w="3175" cmpd="sng">
+                <a:noFill/>
+              </a:ln>
+              <a:gradFill flip="none" rotWithShape="1">
+                <a:gsLst>
+                  <a:gs pos="0">
+                    <a:schemeClr val="tx1"/>
+                  </a:gs>
+                  <a:gs pos="100000">
+                    <a:schemeClr val="tx1">
+                      <a:lumMod val="65000"/>
+                    </a:schemeClr>
+                  </a:gs>
+                </a:gsLst>
+                <a:lin ang="5580000" scaled="0"/>
+                <a:tileRect/>
+              </a:gradFill>
+              <a:effectLst>
+                <a:glow rad="38100">
+                  <a:schemeClr val="bg1">
+                    <a:lumMod val="65000"/>
+                    <a:lumOff val="35000"/>
+                    <a:alpha val="50000"/>
+                  </a:schemeClr>
+                </a:glow>
+                <a:outerShdw blurRad="28575" dist="31750" dir="13200000" algn="tl" rotWithShape="0">
+                  <a:srgbClr val="000000">
+                    <a:alpha val="25000"/>
+                  </a:srgbClr>
+                </a:outerShdw>
+              </a:effectLst>
+              <a:latin typeface="+mj-lt"/>
+              <a:ea typeface="+mj-ea"/>
+              <a:cs typeface="+mj-cs"/>
+            </a:endParaRPr>
+          </a:p>
+          <a:p>
+            <a:pPr algn="ctr">
+              <a:lnSpc>
+                <a:spcPct val="90000"/>
+              </a:lnSpc>
+              <a:spcBef>
+                <a:spcPct val="0"/>
+              </a:spcBef>
+              <a:spcAft>
+                <a:spcPts val="600"/>
+              </a:spcAft>
+            </a:pPr>
+            <a:r>
+              <a:rPr lang="zh-CN" altLang="en-US" sz="2600" b="1" cap="all" dirty="0">
+                <a:ln w="3175" cmpd="sng">
+                  <a:noFill/>
+                </a:ln>
+                <a:gradFill flip="none" rotWithShape="1">
+                  <a:gsLst>
+                    <a:gs pos="0">
+                      <a:schemeClr val="tx1"/>
+                    </a:gs>
+                    <a:gs pos="100000">
+                      <a:schemeClr val="tx1">
+                        <a:lumMod val="65000"/>
+                      </a:schemeClr>
+                    </a:gs>
+                  </a:gsLst>
+                  <a:lin ang="5580000" scaled="0"/>
+                  <a:tileRect/>
+                </a:gradFill>
+                <a:effectLst>
+                  <a:glow rad="38100">
+                    <a:schemeClr val="bg1">
+                      <a:lumMod val="65000"/>
+                      <a:lumOff val="35000"/>
+                      <a:alpha val="50000"/>
+                    </a:schemeClr>
+                  </a:glow>
+                  <a:outerShdw blurRad="28575" dist="31750" dir="13200000" algn="tl" rotWithShape="0">
+                    <a:srgbClr val="000000">
+                      <a:alpha val="25000"/>
+                    </a:srgbClr>
+                  </a:outerShdw>
+                </a:effectLst>
+                <a:latin typeface="+mj-lt"/>
+                <a:ea typeface="+mj-ea"/>
+                <a:cs typeface="+mj-cs"/>
+              </a:rPr>
+              <a:t>通常采用每个采样像素</a:t>
+            </a:r>
+            <a:r>
+              <a:rPr lang="en-US" altLang="zh-CN" sz="2600" b="1" cap="all" dirty="0">
+                <a:ln w="3175" cmpd="sng">
+                  <a:noFill/>
+                </a:ln>
+                <a:gradFill flip="none" rotWithShape="1">
+                  <a:gsLst>
+                    <a:gs pos="0">
+                      <a:schemeClr val="tx1"/>
+                    </a:gs>
+                    <a:gs pos="100000">
+                      <a:schemeClr val="tx1">
+                        <a:lumMod val="65000"/>
+                      </a:schemeClr>
+                    </a:gs>
+                  </a:gsLst>
+                  <a:lin ang="5580000" scaled="0"/>
+                  <a:tileRect/>
+                </a:gradFill>
+                <a:effectLst>
+                  <a:glow rad="38100">
+                    <a:schemeClr val="bg1">
+                      <a:lumMod val="65000"/>
+                      <a:lumOff val="35000"/>
+                      <a:alpha val="50000"/>
+                    </a:schemeClr>
+                  </a:glow>
+                  <a:outerShdw blurRad="28575" dist="31750" dir="13200000" algn="tl" rotWithShape="0">
+                    <a:srgbClr val="000000">
+                      <a:alpha val="25000"/>
+                    </a:srgbClr>
+                  </a:outerShdw>
+                </a:effectLst>
+                <a:latin typeface="+mj-lt"/>
+                <a:ea typeface="+mj-ea"/>
+                <a:cs typeface="+mj-cs"/>
+              </a:rPr>
+              <a:t>8bit</a:t>
+            </a:r>
+          </a:p>
+        </p:txBody>
+      </p:sp>
+      <p:sp>
+        <p:nvSpPr>
+          <p:cNvPr id="11" name="Rounded Rectangle 7">
+            <a:extLst>
+              <a:ext uri="{FF2B5EF4-FFF2-40B4-BE49-F238E27FC236}">
+                <a16:creationId xmlns:a16="http://schemas.microsoft.com/office/drawing/2014/main" id="{1C07A023-7F4A-48D1-9369-C19AAA8AD411}"/>
+              </a:ext>
+              <a:ext uri="{C183D7F6-B498-43B3-948B-1728B52AA6E4}">
+                <adec:decorative xmlns:adec="http://schemas.microsoft.com/office/drawing/2017/decorative" val="1"/>
+              </a:ext>
+            </a:extLst>
+          </p:cNvPr>
+          <p:cNvSpPr>
+            <a:spLocks noGrp="1" noRot="1" noChangeAspect="1" noMove="1" noResize="1" noEditPoints="1" noAdjustHandles="1" noChangeArrowheads="1" noChangeShapeType="1" noTextEdit="1"/>
+          </p:cNvSpPr>
+          <p:nvPr>
+            <p:extLst>
+              <p:ext uri="{386F3935-93C4-4BCD-93E2-E3B085C9AB24}">
+                <p16:designElem xmlns:p16="http://schemas.microsoft.com/office/powerpoint/2015/main" val="1"/>
+              </p:ext>
+            </p:extLst>
+          </p:nvPr>
+        </p:nvSpPr>
+        <p:spPr>
+          <a:xfrm>
+            <a:off x="2498361" y="824487"/>
+            <a:ext cx="7195278" cy="2983054"/>
+          </a:xfrm>
+          <a:prstGeom prst="roundRect">
+            <a:avLst>
+              <a:gd name="adj" fmla="val 3812"/>
+            </a:avLst>
+          </a:prstGeom>
+          <a:solidFill>
+            <a:srgbClr val="FFFFFF"/>
+          </a:solidFill>
+          <a:ln w="38100">
+            <a:gradFill flip="none" rotWithShape="1">
+              <a:gsLst>
+                <a:gs pos="0">
+                  <a:srgbClr val="363D46"/>
+                </a:gs>
+                <a:gs pos="100000">
+                  <a:srgbClr val="363D46">
+                    <a:lumMod val="75000"/>
+                  </a:srgbClr>
+                </a:gs>
+              </a:gsLst>
+              <a:lin ang="5400000" scaled="0"/>
+              <a:tileRect/>
+            </a:gradFill>
+          </a:ln>
+          <a:effectLst>
+            <a:innerShdw blurRad="57150" dist="38100" dir="14460000">
+              <a:srgbClr val="000000">
+                <a:alpha val="70000"/>
+              </a:srgbClr>
+            </a:innerShdw>
+          </a:effectLst>
+        </p:spPr>
+        <p:style>
+          <a:lnRef idx="2">
+            <a:schemeClr val="accent1">
+              <a:shade val="50000"/>
+            </a:schemeClr>
+          </a:lnRef>
+          <a:fillRef idx="1">
+            <a:schemeClr val="accent1"/>
+          </a:fillRef>
+          <a:effectRef idx="0">
+            <a:schemeClr val="accent1"/>
+          </a:effectRef>
+          <a:fontRef idx="minor">
+            <a:schemeClr val="lt1"/>
+          </a:fontRef>
+        </p:style>
+        <p:txBody>
+          <a:bodyPr rtlCol="0" anchor="ctr"/>
+          <a:lstStyle/>
+          <a:p>
+            <a:pPr algn="ctr"/>
+            <a:endParaRPr lang="en-US"/>
+          </a:p>
+        </p:txBody>
+      </p:sp>
+      <p:pic>
+        <p:nvPicPr>
+          <p:cNvPr id="6" name="图片 5">
+            <a:extLst>
+              <a:ext uri="{FF2B5EF4-FFF2-40B4-BE49-F238E27FC236}">
+                <a16:creationId xmlns:a16="http://schemas.microsoft.com/office/drawing/2014/main" id="{168080B8-B72A-4C8E-8F26-F58FE0BCAD52}"/>
+              </a:ext>
+            </a:extLst>
+          </p:cNvPr>
+          <p:cNvPicPr>
+            <a:picLocks noChangeAspect="1"/>
+          </p:cNvPicPr>
+          <p:nvPr/>
+        </p:nvPicPr>
+        <p:blipFill rotWithShape="1">
+          <a:blip r:embed="rId3">
+            <a:extLst>
+              <a:ext uri="{28A0092B-C50C-407E-A947-70E740481C1C}">
+                <a14:useLocalDpi xmlns:a14="http://schemas.microsoft.com/office/drawing/2010/main" val="0"/>
+              </a:ext>
+            </a:extLst>
+          </a:blip>
+          <a:srcRect l="1929" r="5908" b="1"/>
+          <a:stretch/>
+        </p:blipFill>
+        <p:spPr>
+          <a:xfrm>
+            <a:off x="3004507" y="1284551"/>
+            <a:ext cx="6182987" cy="2062926"/>
+          </a:xfrm>
+          <a:prstGeom prst="rect">
+            <a:avLst/>
+          </a:prstGeom>
+        </p:spPr>
+      </p:pic>
+    </p:spTree>
+    <p:extLst>
+      <p:ext uri="{BB962C8B-B14F-4D97-AF65-F5344CB8AC3E}">
+        <p14:creationId xmlns:p14="http://schemas.microsoft.com/office/powerpoint/2010/main" val="1940311785"/>
+      </p:ext>
+    </p:extLst>
+  </p:cSld>
+  <p:clrMapOvr>
+    <a:masterClrMapping/>
+  </p:clrMapOvr>
+</p:sld>
+</file>
+
+<file path=ppt/slides/slide13.xml><?xml version="1.0" encoding="utf-8"?>
+<p:sld xmlns:a="http://schemas.openxmlformats.org/drawingml/2006/main" xmlns:r="http://schemas.openxmlformats.org/officeDocument/2006/relationships" xmlns:p="http://schemas.openxmlformats.org/presentationml/2006/main">
+  <p:cSld>
+    <p:bg>
+      <p:bgPr>
+        <a:blipFill rotWithShape="1">
+          <a:blip r:embed="rId2">
+            <a:duotone>
+              <a:schemeClr val="bg2">
+                <a:shade val="28000"/>
+                <a:satMod val="94000"/>
+                <a:lumMod val="20000"/>
+              </a:schemeClr>
+              <a:schemeClr val="bg2">
+                <a:tint val="94000"/>
+                <a:shade val="84000"/>
+                <a:satMod val="148000"/>
+                <a:lumMod val="114000"/>
+              </a:schemeClr>
+            </a:duotone>
+            <a:extLst/>
+          </a:blip>
+          <a:stretch/>
+        </a:blipFill>
+        <a:effectLst/>
+      </p:bgPr>
+    </p:bg>
+    <p:spTree>
+      <p:nvGrpSpPr>
+        <p:cNvPr id="1" name=""/>
+        <p:cNvGrpSpPr/>
+        <p:nvPr/>
+      </p:nvGrpSpPr>
+      <p:grpSpPr>
+        <a:xfrm>
+          <a:off x="0" y="0"/>
+          <a:ext cx="0" cy="0"/>
+          <a:chOff x="0" y="0"/>
+          <a:chExt cx="0" cy="0"/>
+        </a:xfrm>
+      </p:grpSpPr>
+      <p:sp>
+        <p:nvSpPr>
+          <p:cNvPr id="4" name="文本框 3">
+            <a:extLst>
+              <a:ext uri="{FF2B5EF4-FFF2-40B4-BE49-F238E27FC236}">
+                <a16:creationId xmlns:a16="http://schemas.microsoft.com/office/drawing/2014/main" id="{9E1314DB-D60B-4584-A28C-664F52166E84}"/>
+              </a:ext>
+            </a:extLst>
+          </p:cNvPr>
+          <p:cNvSpPr txBox="1"/>
+          <p:nvPr/>
+        </p:nvSpPr>
+        <p:spPr>
+          <a:xfrm>
+            <a:off x="6735098" y="609600"/>
+            <a:ext cx="4798142" cy="3642851"/>
+          </a:xfrm>
+          <a:prstGeom prst="rect">
+            <a:avLst/>
+          </a:prstGeom>
+        </p:spPr>
+        <p:txBody>
+          <a:bodyPr vert="horz" lIns="91440" tIns="45720" rIns="91440" bIns="45720" rtlCol="0" anchor="b">
+            <a:normAutofit/>
+          </a:bodyPr>
+          <a:lstStyle/>
+          <a:p>
+            <a:pPr algn="ctr">
+              <a:spcBef>
+                <a:spcPct val="0"/>
+              </a:spcBef>
+              <a:spcAft>
+                <a:spcPts val="600"/>
+              </a:spcAft>
+            </a:pPr>
+            <a:r>
+              <a:rPr lang="en-US" altLang="zh-CN" sz="4800" b="1" cap="all">
+                <a:ln w="3175" cmpd="sng">
+                  <a:noFill/>
+                </a:ln>
+                <a:gradFill flip="none" rotWithShape="1">
+                  <a:gsLst>
+                    <a:gs pos="0">
+                      <a:schemeClr val="tx1"/>
+                    </a:gs>
+                    <a:gs pos="100000">
+                      <a:schemeClr val="tx1">
+                        <a:lumMod val="65000"/>
+                      </a:schemeClr>
+                    </a:gs>
+                  </a:gsLst>
+                  <a:lin ang="5580000" scaled="0"/>
+                  <a:tileRect/>
+                </a:gradFill>
+                <a:effectLst>
+                  <a:glow rad="38100">
+                    <a:schemeClr val="bg1">
+                      <a:lumMod val="65000"/>
+                      <a:lumOff val="35000"/>
+                      <a:alpha val="50000"/>
+                    </a:schemeClr>
+                  </a:glow>
+                  <a:outerShdw blurRad="28575" dist="31750" dir="13200000" algn="tl" rotWithShape="0">
+                    <a:srgbClr val="000000">
+                      <a:alpha val="25000"/>
+                    </a:srgbClr>
+                  </a:outerShdw>
+                </a:effectLst>
+                <a:latin typeface="+mj-lt"/>
+                <a:ea typeface="+mj-ea"/>
+                <a:cs typeface="+mj-cs"/>
+              </a:rPr>
+              <a:t>Alpha</a:t>
+            </a:r>
+            <a:r>
+              <a:rPr lang="zh-CN" altLang="en-US" sz="4800" b="1" cap="all">
+                <a:ln w="3175" cmpd="sng">
+                  <a:noFill/>
+                </a:ln>
+                <a:gradFill flip="none" rotWithShape="1">
+                  <a:gsLst>
+                    <a:gs pos="0">
+                      <a:schemeClr val="tx1"/>
+                    </a:gs>
+                    <a:gs pos="100000">
+                      <a:schemeClr val="tx1">
+                        <a:lumMod val="65000"/>
+                      </a:schemeClr>
+                    </a:gs>
+                  </a:gsLst>
+                  <a:lin ang="5580000" scaled="0"/>
+                  <a:tileRect/>
+                </a:gradFill>
+                <a:effectLst>
+                  <a:glow rad="38100">
+                    <a:schemeClr val="bg1">
+                      <a:lumMod val="65000"/>
+                      <a:lumOff val="35000"/>
+                      <a:alpha val="50000"/>
+                    </a:schemeClr>
+                  </a:glow>
+                  <a:outerShdw blurRad="28575" dist="31750" dir="13200000" algn="tl" rotWithShape="0">
+                    <a:srgbClr val="000000">
+                      <a:alpha val="25000"/>
+                    </a:srgbClr>
+                  </a:outerShdw>
+                </a:effectLst>
+                <a:latin typeface="+mj-lt"/>
+                <a:ea typeface="+mj-ea"/>
+                <a:cs typeface="+mj-cs"/>
+              </a:rPr>
+              <a:t>通道</a:t>
+            </a:r>
+            <a:endParaRPr lang="en-US" altLang="zh-CN" sz="4800" b="1" cap="all">
+              <a:ln w="3175" cmpd="sng">
+                <a:noFill/>
+              </a:ln>
+              <a:gradFill flip="none" rotWithShape="1">
+                <a:gsLst>
+                  <a:gs pos="0">
+                    <a:schemeClr val="tx1"/>
+                  </a:gs>
+                  <a:gs pos="100000">
+                    <a:schemeClr val="tx1">
+                      <a:lumMod val="65000"/>
+                    </a:schemeClr>
+                  </a:gs>
+                </a:gsLst>
+                <a:lin ang="5580000" scaled="0"/>
+                <a:tileRect/>
+              </a:gradFill>
+              <a:effectLst>
+                <a:glow rad="38100">
+                  <a:schemeClr val="bg1">
+                    <a:lumMod val="65000"/>
+                    <a:lumOff val="35000"/>
+                    <a:alpha val="50000"/>
+                  </a:schemeClr>
+                </a:glow>
+                <a:outerShdw blurRad="28575" dist="31750" dir="13200000" algn="tl" rotWithShape="0">
+                  <a:srgbClr val="000000">
+                    <a:alpha val="25000"/>
+                  </a:srgbClr>
+                </a:outerShdw>
+              </a:effectLst>
+              <a:latin typeface="+mj-lt"/>
+              <a:ea typeface="+mj-ea"/>
+              <a:cs typeface="+mj-cs"/>
+            </a:endParaRPr>
+          </a:p>
+          <a:p>
+            <a:pPr algn="ctr">
+              <a:spcBef>
+                <a:spcPct val="0"/>
+              </a:spcBef>
+              <a:spcAft>
+                <a:spcPts val="600"/>
+              </a:spcAft>
+            </a:pPr>
+            <a:endParaRPr lang="en-US" altLang="zh-CN" sz="4800" b="1" cap="all">
+              <a:ln w="3175" cmpd="sng">
+                <a:noFill/>
+              </a:ln>
+              <a:gradFill flip="none" rotWithShape="1">
+                <a:gsLst>
+                  <a:gs pos="0">
+                    <a:schemeClr val="tx1"/>
+                  </a:gs>
+                  <a:gs pos="100000">
+                    <a:schemeClr val="tx1">
+                      <a:lumMod val="65000"/>
+                    </a:schemeClr>
+                  </a:gs>
+                </a:gsLst>
+                <a:lin ang="5580000" scaled="0"/>
+                <a:tileRect/>
+              </a:gradFill>
+              <a:effectLst>
+                <a:glow rad="38100">
+                  <a:schemeClr val="bg1">
+                    <a:lumMod val="65000"/>
+                    <a:lumOff val="35000"/>
+                    <a:alpha val="50000"/>
+                  </a:schemeClr>
+                </a:glow>
+                <a:outerShdw blurRad="28575" dist="31750" dir="13200000" algn="tl" rotWithShape="0">
+                  <a:srgbClr val="000000">
+                    <a:alpha val="25000"/>
+                  </a:srgbClr>
+                </a:outerShdw>
+              </a:effectLst>
+              <a:latin typeface="+mj-lt"/>
+              <a:ea typeface="+mj-ea"/>
+              <a:cs typeface="+mj-cs"/>
+            </a:endParaRPr>
+          </a:p>
+          <a:p>
+            <a:pPr algn="ctr">
+              <a:spcBef>
+                <a:spcPct val="0"/>
+              </a:spcBef>
+              <a:spcAft>
+                <a:spcPts val="600"/>
+              </a:spcAft>
+            </a:pPr>
+            <a:r>
+              <a:rPr lang="en-US" altLang="zh-CN" sz="4800" b="1" cap="all">
+                <a:ln w="3175" cmpd="sng">
+                  <a:noFill/>
+                </a:ln>
+                <a:gradFill flip="none" rotWithShape="1">
+                  <a:gsLst>
+                    <a:gs pos="0">
+                      <a:schemeClr val="tx1"/>
+                    </a:gs>
+                    <a:gs pos="100000">
+                      <a:schemeClr val="tx1">
+                        <a:lumMod val="65000"/>
+                      </a:schemeClr>
+                    </a:gs>
+                  </a:gsLst>
+                  <a:lin ang="5580000" scaled="0"/>
+                  <a:tileRect/>
+                </a:gradFill>
+                <a:effectLst>
+                  <a:glow rad="38100">
+                    <a:schemeClr val="bg1">
+                      <a:lumMod val="65000"/>
+                      <a:lumOff val="35000"/>
+                      <a:alpha val="50000"/>
+                    </a:schemeClr>
+                  </a:glow>
+                  <a:outerShdw blurRad="28575" dist="31750" dir="13200000" algn="tl" rotWithShape="0">
+                    <a:srgbClr val="000000">
+                      <a:alpha val="25000"/>
+                    </a:srgbClr>
+                  </a:outerShdw>
+                </a:effectLst>
+                <a:latin typeface="+mj-lt"/>
+                <a:ea typeface="+mj-ea"/>
+                <a:cs typeface="+mj-cs"/>
+              </a:rPr>
+              <a:t>32</a:t>
+            </a:r>
+            <a:r>
+              <a:rPr lang="zh-CN" altLang="en-US" sz="4800" b="1" cap="all">
+                <a:ln w="3175" cmpd="sng">
+                  <a:noFill/>
+                </a:ln>
+                <a:gradFill flip="none" rotWithShape="1">
+                  <a:gsLst>
+                    <a:gs pos="0">
+                      <a:schemeClr val="tx1"/>
+                    </a:gs>
+                    <a:gs pos="100000">
+                      <a:schemeClr val="tx1">
+                        <a:lumMod val="65000"/>
+                      </a:schemeClr>
+                    </a:gs>
+                  </a:gsLst>
+                  <a:lin ang="5580000" scaled="0"/>
+                  <a:tileRect/>
+                </a:gradFill>
+                <a:effectLst>
+                  <a:glow rad="38100">
+                    <a:schemeClr val="bg1">
+                      <a:lumMod val="65000"/>
+                      <a:lumOff val="35000"/>
+                      <a:alpha val="50000"/>
+                    </a:schemeClr>
+                  </a:glow>
+                  <a:outerShdw blurRad="28575" dist="31750" dir="13200000" algn="tl" rotWithShape="0">
+                    <a:srgbClr val="000000">
+                      <a:alpha val="25000"/>
+                    </a:srgbClr>
+                  </a:outerShdw>
+                </a:effectLst>
+                <a:latin typeface="+mj-lt"/>
+                <a:ea typeface="+mj-ea"/>
+                <a:cs typeface="+mj-cs"/>
+              </a:rPr>
+              <a:t>位真彩色</a:t>
+            </a:r>
+          </a:p>
+        </p:txBody>
+      </p:sp>
+      <p:pic>
+        <p:nvPicPr>
+          <p:cNvPr id="6" name="图片 5">
+            <a:extLst>
+              <a:ext uri="{FF2B5EF4-FFF2-40B4-BE49-F238E27FC236}">
+                <a16:creationId xmlns:a16="http://schemas.microsoft.com/office/drawing/2014/main" id="{210D0131-3408-4EC8-8DD8-81B19695957C}"/>
+              </a:ext>
+            </a:extLst>
+          </p:cNvPr>
+          <p:cNvPicPr>
+            <a:picLocks noChangeAspect="1"/>
+          </p:cNvPicPr>
+          <p:nvPr/>
+        </p:nvPicPr>
+        <p:blipFill>
+          <a:blip r:embed="rId3">
+            <a:extLst>
+              <a:ext uri="{28A0092B-C50C-407E-A947-70E740481C1C}">
+                <a14:useLocalDpi xmlns:a14="http://schemas.microsoft.com/office/drawing/2010/main" val="0"/>
+              </a:ext>
+            </a:extLst>
+          </a:blip>
+          <a:stretch>
+            <a:fillRect/>
+          </a:stretch>
+        </p:blipFill>
+        <p:spPr>
+          <a:xfrm>
+            <a:off x="633999" y="2112938"/>
+            <a:ext cx="5462001" cy="2638944"/>
+          </a:xfrm>
+          <a:prstGeom prst="roundRect">
+            <a:avLst>
+              <a:gd name="adj" fmla="val 3517"/>
+            </a:avLst>
+          </a:prstGeom>
+          <a:ln w="38100">
+            <a:gradFill flip="none" rotWithShape="1">
+              <a:gsLst>
+                <a:gs pos="0">
+                  <a:srgbClr val="363D46"/>
+                </a:gs>
+                <a:gs pos="100000">
+                  <a:srgbClr val="363D46">
+                    <a:lumMod val="75000"/>
+                  </a:srgbClr>
+                </a:gs>
+              </a:gsLst>
+              <a:lin ang="5400000" scaled="0"/>
+              <a:tileRect/>
+            </a:gradFill>
+          </a:ln>
+          <a:effectLst>
+            <a:innerShdw blurRad="57150" dist="38100" dir="14460000">
+              <a:srgbClr val="000000">
+                <a:alpha val="70000"/>
+              </a:srgbClr>
+            </a:innerShdw>
+          </a:effectLst>
+        </p:spPr>
+      </p:pic>
+    </p:spTree>
+    <p:extLst>
+      <p:ext uri="{BB962C8B-B14F-4D97-AF65-F5344CB8AC3E}">
+        <p14:creationId xmlns:p14="http://schemas.microsoft.com/office/powerpoint/2010/main" val="2548610003"/>
+      </p:ext>
+    </p:extLst>
+  </p:cSld>
+  <p:clrMapOvr>
+    <a:masterClrMapping/>
+  </p:clrMapOvr>
+</p:sld>
+</file>
+
+<file path=ppt/slides/slide14.xml><?xml version="1.0" encoding="utf-8"?>
+<p:sld xmlns:a="http://schemas.openxmlformats.org/drawingml/2006/main" xmlns:r="http://schemas.openxmlformats.org/officeDocument/2006/relationships" xmlns:p="http://schemas.openxmlformats.org/presentationml/2006/main">
+  <p:cSld>
+    <p:spTree>
+      <p:nvGrpSpPr>
+        <p:cNvPr id="1" name=""/>
+        <p:cNvGrpSpPr/>
+        <p:nvPr/>
+      </p:nvGrpSpPr>
+      <p:grpSpPr>
+        <a:xfrm>
+          <a:off x="0" y="0"/>
+          <a:ext cx="0" cy="0"/>
+          <a:chOff x="0" y="0"/>
+          <a:chExt cx="0" cy="0"/>
+        </a:xfrm>
+      </p:grpSpPr>
+      <p:sp>
+        <p:nvSpPr>
+          <p:cNvPr id="4" name="文本框 3">
+            <a:extLst>
+              <a:ext uri="{FF2B5EF4-FFF2-40B4-BE49-F238E27FC236}">
+                <a16:creationId xmlns:a16="http://schemas.microsoft.com/office/drawing/2014/main" id="{2CCA3E0F-0CBB-48EA-833A-320376BBBC44}"/>
+              </a:ext>
+            </a:extLst>
+          </p:cNvPr>
+          <p:cNvSpPr txBox="1"/>
+          <p:nvPr/>
+        </p:nvSpPr>
+        <p:spPr>
+          <a:xfrm>
+            <a:off x="4282751" y="550506"/>
+            <a:ext cx="4152121" cy="830997"/>
+          </a:xfrm>
+          <a:prstGeom prst="rect">
+            <a:avLst/>
+          </a:prstGeom>
+          <a:noFill/>
+        </p:spPr>
+        <p:txBody>
+          <a:bodyPr wrap="square" rtlCol="0">
+            <a:spAutoFit/>
+          </a:bodyPr>
+          <a:lstStyle/>
+          <a:p>
+            <a:pPr marL="0" marR="0" lvl="0" indent="0" algn="l" defTabSz="457200" rtl="0" eaLnBrk="1" fontAlgn="auto" latinLnBrk="0" hangingPunct="1">
+              <a:lnSpc>
+                <a:spcPct val="100000"/>
+              </a:lnSpc>
+              <a:spcBef>
+                <a:spcPts val="0"/>
+              </a:spcBef>
+              <a:spcAft>
+                <a:spcPts val="0"/>
+              </a:spcAft>
+              <a:buClrTx/>
+              <a:buSzTx/>
+              <a:buFontTx/>
+              <a:buNone/>
+              <a:tabLst/>
+              <a:defRPr/>
+            </a:pPr>
+            <a:r>
+              <a:rPr lang="zh-CN" altLang="en-US" sz="4800" b="1" dirty="0">
+                <a:solidFill>
+                  <a:prstClr val="white"/>
+                </a:solidFill>
+                <a:latin typeface="Century Gothic" panose="020B0502020202020204"/>
+                <a:ea typeface="宋体" panose="02010600030101010101" pitchFamily="2" charset="-122"/>
+              </a:rPr>
+              <a:t>位图图像</a:t>
+            </a:r>
+            <a:r>
+              <a:rPr kumimoji="0" lang="zh-CN" altLang="en-US" sz="4800" b="1" i="0" u="none" strike="noStrike" kern="1200" cap="none" spc="0" normalizeH="0" baseline="0" noProof="0" dirty="0">
+                <a:ln>
+                  <a:noFill/>
+                </a:ln>
+                <a:solidFill>
+                  <a:prstClr val="white"/>
+                </a:solidFill>
+                <a:effectLst/>
+                <a:uLnTx/>
+                <a:uFillTx/>
+                <a:latin typeface="Century Gothic" panose="020B0502020202020204"/>
+                <a:ea typeface="宋体" panose="02010600030101010101" pitchFamily="2" charset="-122"/>
+                <a:cs typeface="+mn-cs"/>
+              </a:rPr>
+              <a:t>压缩</a:t>
+            </a:r>
+          </a:p>
+        </p:txBody>
+      </p:sp>
+      <p:sp>
+        <p:nvSpPr>
+          <p:cNvPr id="5" name="文本框 4">
+            <a:extLst>
+              <a:ext uri="{FF2B5EF4-FFF2-40B4-BE49-F238E27FC236}">
+                <a16:creationId xmlns:a16="http://schemas.microsoft.com/office/drawing/2014/main" id="{4191EFC9-41F7-47EF-A963-89D551239E65}"/>
+              </a:ext>
+            </a:extLst>
+          </p:cNvPr>
+          <p:cNvSpPr txBox="1"/>
+          <p:nvPr/>
+        </p:nvSpPr>
+        <p:spPr>
+          <a:xfrm>
+            <a:off x="1786567" y="2701441"/>
+            <a:ext cx="3314824" cy="923330"/>
+          </a:xfrm>
+          <a:prstGeom prst="rect">
+            <a:avLst/>
+          </a:prstGeom>
+          <a:noFill/>
+        </p:spPr>
+        <p:txBody>
+          <a:bodyPr wrap="square" rtlCol="0">
+            <a:spAutoFit/>
+          </a:bodyPr>
+          <a:lstStyle/>
+          <a:p>
+            <a:pPr marL="0" marR="0" lvl="0" indent="0" algn="l" defTabSz="457200" rtl="0" eaLnBrk="1" fontAlgn="auto" latinLnBrk="0" hangingPunct="1">
+              <a:lnSpc>
+                <a:spcPct val="100000"/>
+              </a:lnSpc>
+              <a:spcBef>
+                <a:spcPts val="0"/>
+              </a:spcBef>
+              <a:spcAft>
+                <a:spcPts val="0"/>
+              </a:spcAft>
+              <a:buClrTx/>
+              <a:buSzTx/>
+              <a:buFontTx/>
+              <a:buNone/>
+              <a:tabLst/>
+              <a:defRPr/>
+            </a:pPr>
+            <a:r>
+              <a:rPr kumimoji="0" lang="zh-CN" altLang="en-US" sz="5400" b="0" i="0" u="none" strike="noStrike" kern="1200" cap="none" spc="0" normalizeH="0" baseline="0" noProof="0" dirty="0">
+                <a:ln>
+                  <a:noFill/>
+                </a:ln>
+                <a:solidFill>
+                  <a:prstClr val="white"/>
+                </a:solidFill>
+                <a:effectLst/>
+                <a:uLnTx/>
+                <a:uFillTx/>
+                <a:latin typeface="Century Gothic" panose="020B0502020202020204"/>
+                <a:ea typeface="宋体" panose="02010600030101010101" pitchFamily="2" charset="-122"/>
+                <a:cs typeface="+mn-cs"/>
+              </a:rPr>
+              <a:t>空间冗余</a:t>
+            </a:r>
+          </a:p>
+        </p:txBody>
+      </p:sp>
+      <p:pic>
+        <p:nvPicPr>
+          <p:cNvPr id="3" name="图片 2">
+            <a:extLst>
+              <a:ext uri="{FF2B5EF4-FFF2-40B4-BE49-F238E27FC236}">
+                <a16:creationId xmlns:a16="http://schemas.microsoft.com/office/drawing/2014/main" id="{41EC262D-B38A-439E-82C4-DA0F812A882D}"/>
+              </a:ext>
+            </a:extLst>
+          </p:cNvPr>
+          <p:cNvPicPr>
+            <a:picLocks noChangeAspect="1"/>
+          </p:cNvPicPr>
+          <p:nvPr/>
+        </p:nvPicPr>
+        <p:blipFill>
+          <a:blip r:embed="rId2">
+            <a:extLst>
+              <a:ext uri="{28A0092B-C50C-407E-A947-70E740481C1C}">
+                <a14:useLocalDpi xmlns:a14="http://schemas.microsoft.com/office/drawing/2010/main" val="0"/>
+              </a:ext>
+            </a:extLst>
+          </a:blip>
+          <a:stretch>
+            <a:fillRect/>
+          </a:stretch>
+        </p:blipFill>
+        <p:spPr>
+          <a:xfrm>
+            <a:off x="2142211" y="3908334"/>
+            <a:ext cx="2140540" cy="1877838"/>
+          </a:xfrm>
+          <a:prstGeom prst="rect">
+            <a:avLst/>
+          </a:prstGeom>
+        </p:spPr>
+      </p:pic>
+      <p:pic>
+        <p:nvPicPr>
+          <p:cNvPr id="7" name="图片 6">
+            <a:extLst>
+              <a:ext uri="{FF2B5EF4-FFF2-40B4-BE49-F238E27FC236}">
+                <a16:creationId xmlns:a16="http://schemas.microsoft.com/office/drawing/2014/main" id="{9DEC38C5-1B95-4AD3-9A92-FD852DDBBB88}"/>
+              </a:ext>
+            </a:extLst>
+          </p:cNvPr>
+          <p:cNvPicPr>
+            <a:picLocks noChangeAspect="1"/>
+          </p:cNvPicPr>
+          <p:nvPr/>
+        </p:nvPicPr>
+        <p:blipFill>
+          <a:blip r:embed="rId3">
+            <a:extLst>
+              <a:ext uri="{28A0092B-C50C-407E-A947-70E740481C1C}">
+                <a14:useLocalDpi xmlns:a14="http://schemas.microsoft.com/office/drawing/2010/main" val="0"/>
+              </a:ext>
+            </a:extLst>
+          </a:blip>
+          <a:stretch>
+            <a:fillRect/>
+          </a:stretch>
+        </p:blipFill>
+        <p:spPr>
+          <a:xfrm>
+            <a:off x="8065915" y="3853648"/>
+            <a:ext cx="1983874" cy="1983874"/>
+          </a:xfrm>
+          <a:prstGeom prst="rect">
+            <a:avLst/>
+          </a:prstGeom>
+        </p:spPr>
+      </p:pic>
+      <p:sp>
+        <p:nvSpPr>
+          <p:cNvPr id="8" name="文本框 7">
+            <a:extLst>
+              <a:ext uri="{FF2B5EF4-FFF2-40B4-BE49-F238E27FC236}">
+                <a16:creationId xmlns:a16="http://schemas.microsoft.com/office/drawing/2014/main" id="{C681D5BC-55AA-469C-B993-E194CEB8F157}"/>
+              </a:ext>
+            </a:extLst>
+          </p:cNvPr>
+          <p:cNvSpPr txBox="1"/>
+          <p:nvPr/>
+        </p:nvSpPr>
+        <p:spPr>
+          <a:xfrm>
+            <a:off x="7656210" y="2701441"/>
+            <a:ext cx="3314824" cy="923330"/>
+          </a:xfrm>
+          <a:prstGeom prst="rect">
+            <a:avLst/>
+          </a:prstGeom>
+          <a:noFill/>
+        </p:spPr>
+        <p:txBody>
+          <a:bodyPr wrap="square" rtlCol="0">
+            <a:spAutoFit/>
+          </a:bodyPr>
+          <a:lstStyle/>
+          <a:p>
+            <a:r>
+              <a:rPr lang="zh-CN" altLang="en-US" sz="5400" dirty="0"/>
+              <a:t>结构冗余</a:t>
+            </a:r>
+          </a:p>
+        </p:txBody>
+      </p:sp>
+      <p:sp>
+        <p:nvSpPr>
+          <p:cNvPr id="9" name="文本框 8">
+            <a:extLst>
+              <a:ext uri="{FF2B5EF4-FFF2-40B4-BE49-F238E27FC236}">
+                <a16:creationId xmlns:a16="http://schemas.microsoft.com/office/drawing/2014/main" id="{2D545337-31C9-4FC9-ABE6-B0B506FEF55C}"/>
+              </a:ext>
+            </a:extLst>
+          </p:cNvPr>
+          <p:cNvSpPr txBox="1"/>
+          <p:nvPr/>
+        </p:nvSpPr>
+        <p:spPr>
+          <a:xfrm>
+            <a:off x="4730621" y="1839953"/>
+            <a:ext cx="3937518" cy="923330"/>
+          </a:xfrm>
+          <a:prstGeom prst="rect">
+            <a:avLst/>
+          </a:prstGeom>
+          <a:noFill/>
+        </p:spPr>
+        <p:txBody>
+          <a:bodyPr wrap="square" rtlCol="0">
+            <a:spAutoFit/>
+          </a:bodyPr>
+          <a:lstStyle/>
+          <a:p>
+            <a:r>
+              <a:rPr lang="zh-CN" altLang="en-US" sz="5400" dirty="0"/>
+              <a:t>视觉冗余</a:t>
+            </a:r>
+          </a:p>
+        </p:txBody>
+      </p:sp>
+    </p:spTree>
+    <p:extLst>
+      <p:ext uri="{BB962C8B-B14F-4D97-AF65-F5344CB8AC3E}">
+        <p14:creationId xmlns:p14="http://schemas.microsoft.com/office/powerpoint/2010/main" val="4251160247"/>
+      </p:ext>
+    </p:extLst>
+  </p:cSld>
+  <p:clrMapOvr>
+    <a:masterClrMapping/>
+  </p:clrMapOvr>
+</p:sld>
+</file>
+
+<file path=ppt/slides/slide15.xml><?xml version="1.0" encoding="utf-8"?>
+<p:sld xmlns:a="http://schemas.openxmlformats.org/drawingml/2006/main" xmlns:r="http://schemas.openxmlformats.org/officeDocument/2006/relationships" xmlns:p="http://schemas.openxmlformats.org/presentationml/2006/main">
+  <p:cSld>
+    <p:spTree>
+      <p:nvGrpSpPr>
+        <p:cNvPr id="1" name=""/>
+        <p:cNvGrpSpPr/>
+        <p:nvPr/>
+      </p:nvGrpSpPr>
+      <p:grpSpPr>
+        <a:xfrm>
+          <a:off x="0" y="0"/>
+          <a:ext cx="0" cy="0"/>
+          <a:chOff x="0" y="0"/>
+          <a:chExt cx="0" cy="0"/>
+        </a:xfrm>
+      </p:grpSpPr>
+      <p:sp>
+        <p:nvSpPr>
+          <p:cNvPr id="3" name="内容占位符 2">
+            <a:extLst>
+              <a:ext uri="{FF2B5EF4-FFF2-40B4-BE49-F238E27FC236}">
+                <a16:creationId xmlns:a16="http://schemas.microsoft.com/office/drawing/2014/main" id="{AA129193-E97D-4813-8660-2750E5FC4C37}"/>
+              </a:ext>
+            </a:extLst>
+          </p:cNvPr>
+          <p:cNvSpPr>
+            <a:spLocks noGrp="1"/>
+          </p:cNvSpPr>
+          <p:nvPr>
+            <p:ph idx="1"/>
+          </p:nvPr>
+        </p:nvSpPr>
+        <p:spPr>
+          <a:xfrm>
+            <a:off x="1141413" y="681135"/>
+            <a:ext cx="9905998" cy="5110065"/>
+          </a:xfrm>
+        </p:spPr>
+        <p:txBody>
+          <a:bodyPr>
+            <a:normAutofit/>
+          </a:bodyPr>
+          <a:lstStyle/>
+          <a:p>
+            <a:r>
+              <a:rPr lang="en-US" altLang="zh-CN" sz="2800" dirty="0"/>
+              <a:t>BMP</a:t>
+            </a:r>
+          </a:p>
+          <a:p>
+            <a:r>
+              <a:rPr lang="en-US" altLang="zh-CN" sz="2800" dirty="0"/>
+              <a:t>JPEG(JPG)</a:t>
+            </a:r>
+          </a:p>
+          <a:p>
+            <a:r>
+              <a:rPr lang="en-US" altLang="zh-CN" sz="2800" dirty="0"/>
+              <a:t>JPEG-LS</a:t>
+            </a:r>
+          </a:p>
+          <a:p>
+            <a:r>
+              <a:rPr lang="en-US" altLang="zh-CN" sz="2800" dirty="0"/>
+              <a:t>JPEG2000</a:t>
+            </a:r>
+          </a:p>
+          <a:p>
+            <a:r>
+              <a:rPr lang="en-US" altLang="zh-CN" sz="2800" dirty="0"/>
+              <a:t>GIF</a:t>
+            </a:r>
+          </a:p>
+          <a:p>
+            <a:r>
+              <a:rPr lang="en-US" altLang="zh-CN" sz="2800" dirty="0"/>
+              <a:t>PNG</a:t>
+            </a:r>
+          </a:p>
+          <a:p>
+            <a:r>
+              <a:rPr lang="en-US" altLang="zh-CN" sz="2800" dirty="0"/>
+              <a:t>PSD</a:t>
+            </a:r>
+          </a:p>
+          <a:p>
+            <a:r>
+              <a:rPr lang="en-US" altLang="zh-CN" sz="2800" dirty="0"/>
+              <a:t>TIF</a:t>
+            </a:r>
+          </a:p>
+        </p:txBody>
+      </p:sp>
+    </p:spTree>
+    <p:extLst>
+      <p:ext uri="{BB962C8B-B14F-4D97-AF65-F5344CB8AC3E}">
+        <p14:creationId xmlns:p14="http://schemas.microsoft.com/office/powerpoint/2010/main" val="204112843"/>
+      </p:ext>
+    </p:extLst>
+  </p:cSld>
+  <p:clrMapOvr>
+    <a:masterClrMapping/>
+  </p:clrMapOvr>
+</p:sld>
+</file>
+
+<file path=ppt/slides/slide16.xml><?xml version="1.0" encoding="utf-8"?>
+<p:sld xmlns:a="http://schemas.openxmlformats.org/drawingml/2006/main" xmlns:r="http://schemas.openxmlformats.org/officeDocument/2006/relationships" xmlns:p="http://schemas.openxmlformats.org/presentationml/2006/main">
+  <p:cSld>
+    <p:spTree>
+      <p:nvGrpSpPr>
+        <p:cNvPr id="1" name=""/>
+        <p:cNvGrpSpPr/>
+        <p:nvPr/>
+      </p:nvGrpSpPr>
+      <p:grpSpPr>
+        <a:xfrm>
+          <a:off x="0" y="0"/>
+          <a:ext cx="0" cy="0"/>
+          <a:chOff x="0" y="0"/>
+          <a:chExt cx="0" cy="0"/>
+        </a:xfrm>
+      </p:grpSpPr>
+      <p:sp>
+        <p:nvSpPr>
+          <p:cNvPr id="7" name="文本框 6">
+            <a:extLst>
+              <a:ext uri="{FF2B5EF4-FFF2-40B4-BE49-F238E27FC236}">
+                <a16:creationId xmlns:a16="http://schemas.microsoft.com/office/drawing/2014/main" id="{FB6FD584-D698-4176-9386-577C9FF9AEE8}"/>
+              </a:ext>
+            </a:extLst>
+          </p:cNvPr>
+          <p:cNvSpPr txBox="1"/>
+          <p:nvPr/>
+        </p:nvSpPr>
+        <p:spPr>
+          <a:xfrm>
+            <a:off x="1978091" y="2118050"/>
+            <a:ext cx="8686800" cy="2246769"/>
+          </a:xfrm>
+          <a:prstGeom prst="rect">
+            <a:avLst/>
+          </a:prstGeom>
+          <a:noFill/>
+        </p:spPr>
+        <p:txBody>
+          <a:bodyPr wrap="square" rtlCol="0">
+            <a:spAutoFit/>
+          </a:bodyPr>
+          <a:lstStyle/>
+          <a:p>
+            <a:r>
+              <a:rPr lang="en-US" altLang="zh-CN" sz="2800" dirty="0"/>
+              <a:t>BMP</a:t>
+            </a:r>
+            <a:r>
+              <a:rPr lang="zh-CN" altLang="en-US" sz="2800"/>
+              <a:t>文件大小计算</a:t>
+            </a:r>
+            <a:endParaRPr lang="en-US" altLang="zh-CN" sz="2800" dirty="0"/>
+          </a:p>
+          <a:p>
+            <a:r>
+              <a:rPr lang="zh-CN" altLang="en-US" sz="2800" dirty="0"/>
+              <a:t>长像素*宽像素*每个像素所占位数</a:t>
+            </a:r>
+            <a:endParaRPr lang="en-US" altLang="zh-CN" sz="2800" dirty="0"/>
+          </a:p>
+          <a:p>
+            <a:r>
+              <a:rPr lang="zh-CN" altLang="en-US" sz="2800" dirty="0"/>
+              <a:t>≈文件大小</a:t>
+            </a:r>
+            <a:endParaRPr lang="en-US" altLang="zh-CN" sz="2800" dirty="0"/>
+          </a:p>
+          <a:p>
+            <a:r>
+              <a:rPr lang="zh-CN" altLang="en-US" sz="2800" dirty="0"/>
+              <a:t>注：近似计算，位图文件的文件头（</a:t>
+            </a:r>
+            <a:r>
+              <a:rPr lang="en-US" altLang="zh-CN" sz="2800" dirty="0"/>
+              <a:t>54</a:t>
+            </a:r>
+            <a:r>
+              <a:rPr lang="zh-CN" altLang="en-US" sz="2800" dirty="0"/>
+              <a:t>位），或许有调色板</a:t>
+            </a:r>
+            <a:endParaRPr lang="en-US" altLang="zh-CN" sz="2800" dirty="0"/>
+          </a:p>
+        </p:txBody>
+      </p:sp>
+    </p:spTree>
+    <p:extLst>
+      <p:ext uri="{BB962C8B-B14F-4D97-AF65-F5344CB8AC3E}">
+        <p14:creationId xmlns:p14="http://schemas.microsoft.com/office/powerpoint/2010/main" val="532062679"/>
+      </p:ext>
+    </p:extLst>
+  </p:cSld>
+  <p:clrMapOvr>
+    <a:masterClrMapping/>
+  </p:clrMapOvr>
+</p:sld>
+</file>
+
+<file path=ppt/slides/slide17.xml><?xml version="1.0" encoding="utf-8"?>
+<p:sld xmlns:a="http://schemas.openxmlformats.org/drawingml/2006/main" xmlns:r="http://schemas.openxmlformats.org/officeDocument/2006/relationships" xmlns:p="http://schemas.openxmlformats.org/presentationml/2006/main">
+  <p:cSld>
+    <p:spTree>
+      <p:nvGrpSpPr>
+        <p:cNvPr id="1" name=""/>
+        <p:cNvGrpSpPr/>
+        <p:nvPr/>
+      </p:nvGrpSpPr>
+      <p:grpSpPr>
+        <a:xfrm>
+          <a:off x="0" y="0"/>
+          <a:ext cx="0" cy="0"/>
+          <a:chOff x="0" y="0"/>
+          <a:chExt cx="0" cy="0"/>
+        </a:xfrm>
+      </p:grpSpPr>
+      <p:sp>
+        <p:nvSpPr>
+          <p:cNvPr id="3" name="矩形 2">
+            <a:extLst>
+              <a:ext uri="{FF2B5EF4-FFF2-40B4-BE49-F238E27FC236}">
+                <a16:creationId xmlns:a16="http://schemas.microsoft.com/office/drawing/2014/main" id="{CEC74E55-4F05-4907-805D-2B63D9D692F5}"/>
+              </a:ext>
+            </a:extLst>
+          </p:cNvPr>
+          <p:cNvSpPr/>
+          <p:nvPr/>
+        </p:nvSpPr>
+        <p:spPr>
+          <a:xfrm>
+            <a:off x="4960111" y="130829"/>
+            <a:ext cx="2271777" cy="923330"/>
+          </a:xfrm>
+          <a:prstGeom prst="rect">
+            <a:avLst/>
+          </a:prstGeom>
+          <a:noFill/>
+        </p:spPr>
+        <p:txBody>
+          <a:bodyPr wrap="none" lIns="91440" tIns="45720" rIns="91440" bIns="45720">
+            <a:spAutoFit/>
+          </a:bodyPr>
+          <a:lstStyle/>
+          <a:p>
+            <a:pPr algn="ctr"/>
+            <a:r>
+              <a:rPr lang="zh-CN" altLang="en-US" sz="5400" b="1" dirty="0">
+                <a:ln w="9525">
+                  <a:solidFill>
+                    <a:schemeClr val="bg1"/>
+                  </a:solidFill>
+                  <a:prstDash val="solid"/>
+                </a:ln>
+                <a:solidFill>
+                  <a:schemeClr val="accent5"/>
+                </a:solidFill>
+                <a:effectLst>
+                  <a:outerShdw blurRad="12700" dist="38100" dir="2700000" algn="tl" rotWithShape="0">
+                    <a:schemeClr val="accent5">
+                      <a:lumMod val="60000"/>
+                      <a:lumOff val="40000"/>
+                    </a:schemeClr>
+                  </a:outerShdw>
+                </a:effectLst>
+              </a:rPr>
+              <a:t>矢量</a:t>
+            </a:r>
+            <a:r>
+              <a:rPr lang="zh-CN" altLang="en-US" sz="5400" b="1" cap="none" spc="0" dirty="0">
+                <a:ln w="9525">
+                  <a:solidFill>
+                    <a:schemeClr val="bg1"/>
+                  </a:solidFill>
+                  <a:prstDash val="solid"/>
+                </a:ln>
+                <a:solidFill>
+                  <a:schemeClr val="accent5"/>
+                </a:solidFill>
+                <a:effectLst>
+                  <a:outerShdw blurRad="12700" dist="38100" dir="2700000" algn="tl" rotWithShape="0">
+                    <a:schemeClr val="accent5">
+                      <a:lumMod val="60000"/>
+                      <a:lumOff val="40000"/>
+                    </a:schemeClr>
+                  </a:outerShdw>
+                </a:effectLst>
+              </a:rPr>
+              <a:t>图</a:t>
+            </a:r>
+          </a:p>
+        </p:txBody>
+      </p:sp>
+      <p:sp>
+        <p:nvSpPr>
+          <p:cNvPr id="4" name="文本框 3">
+            <a:extLst>
+              <a:ext uri="{FF2B5EF4-FFF2-40B4-BE49-F238E27FC236}">
+                <a16:creationId xmlns:a16="http://schemas.microsoft.com/office/drawing/2014/main" id="{4ECA11ED-F51A-4D34-BCDC-32200A42D49D}"/>
+              </a:ext>
+            </a:extLst>
+          </p:cNvPr>
+          <p:cNvSpPr txBox="1"/>
+          <p:nvPr/>
+        </p:nvSpPr>
+        <p:spPr>
+          <a:xfrm>
+            <a:off x="830424" y="1492898"/>
+            <a:ext cx="10636898" cy="3046988"/>
+          </a:xfrm>
+          <a:prstGeom prst="rect">
+            <a:avLst/>
+          </a:prstGeom>
+          <a:noFill/>
+        </p:spPr>
+        <p:txBody>
+          <a:bodyPr wrap="square" rtlCol="0">
+            <a:spAutoFit/>
+          </a:bodyPr>
+          <a:lstStyle/>
+          <a:p>
+            <a:r>
+              <a:rPr lang="en-US" altLang="zh-CN" sz="3200" b="1" dirty="0"/>
+              <a:t>1.</a:t>
+            </a:r>
+            <a:r>
+              <a:rPr lang="zh-CN" altLang="en-US" sz="3200" b="1" dirty="0"/>
+              <a:t>定义</a:t>
+            </a:r>
+            <a:endParaRPr lang="en-US" altLang="zh-CN" sz="3200" b="1" dirty="0"/>
+          </a:p>
+          <a:p>
+            <a:endParaRPr lang="en-US" altLang="zh-CN" sz="3200" b="1" dirty="0"/>
+          </a:p>
+          <a:p>
+            <a:r>
+              <a:rPr lang="en-US" altLang="zh-CN" sz="3200" b="1" dirty="0"/>
+              <a:t>2.</a:t>
+            </a:r>
+            <a:r>
+              <a:rPr lang="zh-CN" altLang="en-US" sz="3200" b="1" dirty="0"/>
+              <a:t>特点</a:t>
+            </a:r>
+            <a:endParaRPr lang="en-US" altLang="zh-CN" sz="3200" b="1" dirty="0"/>
+          </a:p>
+          <a:p>
+            <a:endParaRPr lang="en-US" altLang="zh-CN" sz="3200" b="1" dirty="0"/>
+          </a:p>
+          <a:p>
+            <a:r>
+              <a:rPr lang="en-US" altLang="zh-CN" sz="3200" b="1" dirty="0"/>
+              <a:t>3.</a:t>
+            </a:r>
+            <a:r>
+              <a:rPr lang="zh-CN" altLang="en-US" sz="3200" b="1" dirty="0"/>
+              <a:t>常见的矢量图文件格式</a:t>
+            </a:r>
+            <a:endParaRPr lang="en-US" altLang="zh-CN" sz="3200" b="1" dirty="0"/>
+          </a:p>
+          <a:p>
+            <a:endParaRPr lang="en-US" altLang="zh-CN" sz="3200" b="1" dirty="0"/>
+          </a:p>
+        </p:txBody>
+      </p:sp>
+    </p:spTree>
+    <p:extLst>
+      <p:ext uri="{BB962C8B-B14F-4D97-AF65-F5344CB8AC3E}">
+        <p14:creationId xmlns:p14="http://schemas.microsoft.com/office/powerpoint/2010/main" val="1402833101"/>
+      </p:ext>
+    </p:extLst>
+  </p:cSld>
+  <p:clrMapOvr>
+    <a:masterClrMapping/>
+  </p:clrMapOvr>
+</p:sld>
+</file>
+
+<file path=ppt/slides/slide18.xml><?xml version="1.0" encoding="utf-8"?>
+<p:sld xmlns:a="http://schemas.openxmlformats.org/drawingml/2006/main" xmlns:r="http://schemas.openxmlformats.org/officeDocument/2006/relationships" xmlns:p="http://schemas.openxmlformats.org/presentationml/2006/main">
+  <p:cSld>
+    <p:spTree>
+      <p:nvGrpSpPr>
+        <p:cNvPr id="1" name=""/>
+        <p:cNvGrpSpPr/>
+        <p:nvPr/>
+      </p:nvGrpSpPr>
+      <p:grpSpPr>
+        <a:xfrm>
+          <a:off x="0" y="0"/>
+          <a:ext cx="0" cy="0"/>
+          <a:chOff x="0" y="0"/>
+          <a:chExt cx="0" cy="0"/>
+        </a:xfrm>
+      </p:grpSpPr>
+      <p:sp>
+        <p:nvSpPr>
+          <p:cNvPr id="2" name="文本框 1">
+            <a:extLst>
+              <a:ext uri="{FF2B5EF4-FFF2-40B4-BE49-F238E27FC236}">
+                <a16:creationId xmlns:a16="http://schemas.microsoft.com/office/drawing/2014/main" id="{67BF0683-EB22-4077-A3DE-D418CFA61F92}"/>
+              </a:ext>
+            </a:extLst>
+          </p:cNvPr>
+          <p:cNvSpPr txBox="1"/>
+          <p:nvPr/>
+        </p:nvSpPr>
+        <p:spPr>
+          <a:xfrm>
+            <a:off x="1446245" y="681135"/>
+            <a:ext cx="8892073" cy="3046988"/>
+          </a:xfrm>
+          <a:prstGeom prst="rect">
+            <a:avLst/>
+          </a:prstGeom>
+          <a:noFill/>
+        </p:spPr>
+        <p:txBody>
+          <a:bodyPr wrap="square" rtlCol="0">
+            <a:spAutoFit/>
+          </a:bodyPr>
+          <a:lstStyle/>
+          <a:p>
+            <a:r>
+              <a:rPr lang="zh-CN" altLang="en-US" sz="4800" dirty="0"/>
+              <a:t>什么是矢量图？</a:t>
+            </a:r>
+            <a:endParaRPr lang="en-US" altLang="zh-CN" sz="4800" dirty="0"/>
+          </a:p>
+          <a:p>
+            <a:endParaRPr lang="en-US" altLang="zh-CN" sz="4800" dirty="0"/>
+          </a:p>
+          <a:p>
+            <a:r>
+              <a:rPr lang="zh-CN" altLang="en-US" sz="4800" dirty="0"/>
+              <a:t>点、线、矩形、多边形、圆和弧线？</a:t>
+            </a:r>
+          </a:p>
+        </p:txBody>
+      </p:sp>
+    </p:spTree>
+    <p:extLst>
+      <p:ext uri="{BB962C8B-B14F-4D97-AF65-F5344CB8AC3E}">
+        <p14:creationId xmlns:p14="http://schemas.microsoft.com/office/powerpoint/2010/main" val="1895090804"/>
+      </p:ext>
+    </p:extLst>
+  </p:cSld>
+  <p:clrMapOvr>
+    <a:masterClrMapping/>
+  </p:clrMapOvr>
+</p:sld>
+</file>
+
+<file path=ppt/slides/slide19.xml><?xml version="1.0" encoding="utf-8"?>
+<p:sld xmlns:a="http://schemas.openxmlformats.org/drawingml/2006/main" xmlns:r="http://schemas.openxmlformats.org/officeDocument/2006/relationships" xmlns:p="http://schemas.openxmlformats.org/presentationml/2006/main">
+  <p:cSld>
+    <p:spTree>
+      <p:nvGrpSpPr>
+        <p:cNvPr id="1" name=""/>
+        <p:cNvGrpSpPr/>
+        <p:nvPr/>
+      </p:nvGrpSpPr>
+      <p:grpSpPr>
+        <a:xfrm>
+          <a:off x="0" y="0"/>
+          <a:ext cx="0" cy="0"/>
+          <a:chOff x="0" y="0"/>
+          <a:chExt cx="0" cy="0"/>
+        </a:xfrm>
+      </p:grpSpPr>
+      <p:sp>
+        <p:nvSpPr>
+          <p:cNvPr id="4" name="文本框 3">
+            <a:extLst>
+              <a:ext uri="{FF2B5EF4-FFF2-40B4-BE49-F238E27FC236}">
+                <a16:creationId xmlns:a16="http://schemas.microsoft.com/office/drawing/2014/main" id="{001030D2-FC39-4112-8B34-CA20241B4282}"/>
+              </a:ext>
+            </a:extLst>
+          </p:cNvPr>
+          <p:cNvSpPr txBox="1"/>
+          <p:nvPr/>
+        </p:nvSpPr>
+        <p:spPr>
+          <a:xfrm>
+            <a:off x="1352939" y="363894"/>
+            <a:ext cx="9302620" cy="523220"/>
+          </a:xfrm>
+          <a:prstGeom prst="rect">
+            <a:avLst/>
+          </a:prstGeom>
+          <a:noFill/>
+        </p:spPr>
+        <p:txBody>
+          <a:bodyPr wrap="square" rtlCol="0">
+            <a:spAutoFit/>
+          </a:bodyPr>
+          <a:lstStyle/>
+          <a:p>
+            <a:r>
+              <a:rPr lang="zh-CN" altLang="en-US" sz="2800" b="1" dirty="0"/>
+              <a:t>矢量图和位图的区别</a:t>
+            </a:r>
+          </a:p>
+        </p:txBody>
+      </p:sp>
+      <p:pic>
+        <p:nvPicPr>
+          <p:cNvPr id="6" name="图片 5">
+            <a:extLst>
+              <a:ext uri="{FF2B5EF4-FFF2-40B4-BE49-F238E27FC236}">
+                <a16:creationId xmlns:a16="http://schemas.microsoft.com/office/drawing/2014/main" id="{C5BE9495-BE99-4B7F-AB07-22EC76DA99A8}"/>
+              </a:ext>
+            </a:extLst>
+          </p:cNvPr>
+          <p:cNvPicPr>
+            <a:picLocks noChangeAspect="1"/>
+          </p:cNvPicPr>
+          <p:nvPr/>
+        </p:nvPicPr>
+        <p:blipFill>
+          <a:blip r:embed="rId2">
+            <a:extLst>
+              <a:ext uri="{28A0092B-C50C-407E-A947-70E740481C1C}">
+                <a14:useLocalDpi xmlns:a14="http://schemas.microsoft.com/office/drawing/2010/main" val="0"/>
+              </a:ext>
+            </a:extLst>
+          </a:blip>
+          <a:stretch>
+            <a:fillRect/>
+          </a:stretch>
+        </p:blipFill>
+        <p:spPr>
+          <a:xfrm>
+            <a:off x="8012479" y="466223"/>
+            <a:ext cx="3405490" cy="5925553"/>
+          </a:xfrm>
+          <a:prstGeom prst="rect">
+            <a:avLst/>
+          </a:prstGeom>
+        </p:spPr>
+      </p:pic>
+    </p:spTree>
+    <p:extLst>
+      <p:ext uri="{BB962C8B-B14F-4D97-AF65-F5344CB8AC3E}">
+        <p14:creationId xmlns:p14="http://schemas.microsoft.com/office/powerpoint/2010/main" val="2739845174"/>
       </p:ext>
     </p:extLst>
   </p:cSld>
@@ -8401,7 +10793,7 @@
         <p:spPr>
           <a:xfrm>
             <a:off x="830424" y="1492898"/>
-            <a:ext cx="10636898" cy="3539430"/>
+            <a:ext cx="10636898" cy="4524315"/>
           </a:xfrm>
           <a:prstGeom prst="rect">
             <a:avLst/>
@@ -8448,7 +10840,7 @@
             </a:r>
             <a:r>
               <a:rPr lang="zh-CN" altLang="en-US" sz="3200" b="1" dirty="0"/>
-              <a:t>常见的音频文件格式</a:t>
+              <a:t>音频压缩</a:t>
             </a:r>
             <a:endParaRPr lang="en-US" altLang="zh-CN" sz="3200" b="1" dirty="0"/>
           </a:p>
@@ -8459,6 +10851,20 @@
             <a:r>
               <a:rPr lang="en-US" altLang="zh-CN" sz="3200" b="1" dirty="0"/>
               <a:t>4.</a:t>
+            </a:r>
+            <a:r>
+              <a:rPr lang="zh-CN" altLang="en-US" sz="3200" b="1" dirty="0"/>
+              <a:t>常见的音频文件格式</a:t>
+            </a:r>
+            <a:endParaRPr lang="en-US" altLang="zh-CN" sz="3200" b="1" dirty="0"/>
+          </a:p>
+          <a:p>
+            <a:endParaRPr lang="en-US" altLang="zh-CN" sz="3200" b="1" dirty="0"/>
+          </a:p>
+          <a:p>
+            <a:r>
+              <a:rPr lang="en-US" altLang="zh-CN" sz="3200" b="1" dirty="0"/>
+              <a:t>5.</a:t>
             </a:r>
             <a:r>
               <a:rPr lang="zh-CN" altLang="en-US" sz="3200" b="1" dirty="0"/>
@@ -8731,84 +11137,70 @@
       </p:grpSpPr>
       <p:sp>
         <p:nvSpPr>
-          <p:cNvPr id="3" name="内容占位符 2">
+          <p:cNvPr id="4" name="文本框 3">
             <a:extLst>
               <a:ext uri="{FF2B5EF4-FFF2-40B4-BE49-F238E27FC236}">
-                <a16:creationId xmlns:a16="http://schemas.microsoft.com/office/drawing/2014/main" id="{AA129193-E97D-4813-8660-2750E5FC4C37}"/>
+                <a16:creationId xmlns:a16="http://schemas.microsoft.com/office/drawing/2014/main" id="{2CCA3E0F-0CBB-48EA-833A-320376BBBC44}"/>
               </a:ext>
             </a:extLst>
           </p:cNvPr>
-          <p:cNvSpPr>
-            <a:spLocks noGrp="1"/>
-          </p:cNvSpPr>
-          <p:nvPr>
-            <p:ph idx="1"/>
-          </p:nvPr>
+          <p:cNvSpPr txBox="1"/>
+          <p:nvPr/>
         </p:nvSpPr>
         <p:spPr>
           <a:xfrm>
-            <a:off x="1141413" y="681135"/>
-            <a:ext cx="9905998" cy="5110065"/>
+            <a:off x="4668416" y="550506"/>
+            <a:ext cx="2855168" cy="830997"/>
           </a:xfrm>
+          <a:prstGeom prst="rect">
+            <a:avLst/>
+          </a:prstGeom>
+          <a:noFill/>
         </p:spPr>
         <p:txBody>
-          <a:bodyPr>
-            <a:normAutofit lnSpcReduction="10000"/>
+          <a:bodyPr wrap="square" rtlCol="0">
+            <a:spAutoFit/>
           </a:bodyPr>
           <a:lstStyle/>
           <a:p>
             <a:r>
-              <a:rPr lang="en-US" altLang="zh-CN" sz="2800" dirty="0"/>
-              <a:t>CD</a:t>
-            </a:r>
-          </a:p>
-          <a:p>
-            <a:r>
-              <a:rPr lang="en-US" altLang="zh-CN" sz="2800" dirty="0"/>
-              <a:t>WAV</a:t>
-            </a:r>
-          </a:p>
-          <a:p>
-            <a:r>
-              <a:rPr lang="en-US" altLang="zh-CN" sz="2800" dirty="0"/>
-              <a:t>MP3</a:t>
-            </a:r>
-          </a:p>
-          <a:p>
-            <a:r>
-              <a:rPr lang="en-US" altLang="zh-CN" sz="2800" dirty="0"/>
-              <a:t>WMA</a:t>
-            </a:r>
-          </a:p>
-          <a:p>
-            <a:r>
-              <a:rPr lang="en-US" altLang="zh-CN" sz="2800" dirty="0"/>
-              <a:t>MID</a:t>
-            </a:r>
-          </a:p>
-          <a:p>
-            <a:r>
-              <a:rPr lang="en-US" altLang="zh-CN" sz="2800"/>
-              <a:t>RealAudio</a:t>
-            </a:r>
-            <a:endParaRPr lang="en-US" altLang="zh-CN" sz="2800" dirty="0"/>
-          </a:p>
-          <a:p>
-            <a:r>
-              <a:rPr lang="en-US" altLang="zh-CN" sz="2800" dirty="0"/>
-              <a:t>OGG</a:t>
-            </a:r>
-          </a:p>
-          <a:p>
-            <a:r>
-              <a:rPr lang="en-US" altLang="zh-CN" sz="2800" dirty="0"/>
-              <a:t>FLAC</a:t>
-            </a:r>
-          </a:p>
-          <a:p>
-            <a:r>
-              <a:rPr lang="en-US" altLang="zh-CN" sz="2800" dirty="0"/>
-              <a:t>APE</a:t>
+              <a:rPr lang="zh-CN" altLang="en-US" sz="4800" b="1" dirty="0"/>
+              <a:t>音频压缩</a:t>
+            </a:r>
+          </a:p>
+        </p:txBody>
+      </p:sp>
+      <p:sp>
+        <p:nvSpPr>
+          <p:cNvPr id="5" name="文本框 4">
+            <a:extLst>
+              <a:ext uri="{FF2B5EF4-FFF2-40B4-BE49-F238E27FC236}">
+                <a16:creationId xmlns:a16="http://schemas.microsoft.com/office/drawing/2014/main" id="{4191EFC9-41F7-47EF-A963-89D551239E65}"/>
+              </a:ext>
+            </a:extLst>
+          </p:cNvPr>
+          <p:cNvSpPr txBox="1"/>
+          <p:nvPr/>
+        </p:nvSpPr>
+        <p:spPr>
+          <a:xfrm>
+            <a:off x="5299787" y="2865070"/>
+            <a:ext cx="1791478" cy="923330"/>
+          </a:xfrm>
+          <a:prstGeom prst="rect">
+            <a:avLst/>
+          </a:prstGeom>
+          <a:noFill/>
+        </p:spPr>
+        <p:txBody>
+          <a:bodyPr wrap="square" rtlCol="0">
+            <a:spAutoFit/>
+          </a:bodyPr>
+          <a:lstStyle/>
+          <a:p>
+            <a:r>
+              <a:rPr lang="zh-CN" altLang="en-US" sz="5400" dirty="0"/>
+              <a:t>冗余</a:t>
             </a:r>
           </a:p>
         </p:txBody>
@@ -8816,7 +11208,7 @@
     </p:spTree>
     <p:extLst>
       <p:ext uri="{BB962C8B-B14F-4D97-AF65-F5344CB8AC3E}">
-        <p14:creationId xmlns:p14="http://schemas.microsoft.com/office/powerpoint/2010/main" val="3384557503"/>
+        <p14:creationId xmlns:p14="http://schemas.microsoft.com/office/powerpoint/2010/main" val="3813616119"/>
       </p:ext>
     </p:extLst>
   </p:cSld>
@@ -8843,10 +11235,94 @@
           <a:chExt cx="0" cy="0"/>
         </a:xfrm>
       </p:grpSpPr>
+      <p:sp>
+        <p:nvSpPr>
+          <p:cNvPr id="3" name="内容占位符 2">
+            <a:extLst>
+              <a:ext uri="{FF2B5EF4-FFF2-40B4-BE49-F238E27FC236}">
+                <a16:creationId xmlns:a16="http://schemas.microsoft.com/office/drawing/2014/main" id="{AA129193-E97D-4813-8660-2750E5FC4C37}"/>
+              </a:ext>
+            </a:extLst>
+          </p:cNvPr>
+          <p:cNvSpPr>
+            <a:spLocks noGrp="1"/>
+          </p:cNvSpPr>
+          <p:nvPr>
+            <p:ph idx="1"/>
+          </p:nvPr>
+        </p:nvSpPr>
+        <p:spPr>
+          <a:xfrm>
+            <a:off x="1141413" y="681135"/>
+            <a:ext cx="9905998" cy="5110065"/>
+          </a:xfrm>
+        </p:spPr>
+        <p:txBody>
+          <a:bodyPr>
+            <a:normAutofit lnSpcReduction="10000"/>
+          </a:bodyPr>
+          <a:lstStyle/>
+          <a:p>
+            <a:r>
+              <a:rPr lang="en-US" altLang="zh-CN" sz="2800" dirty="0"/>
+              <a:t>CD</a:t>
+            </a:r>
+          </a:p>
+          <a:p>
+            <a:r>
+              <a:rPr lang="en-US" altLang="zh-CN" sz="2800" dirty="0"/>
+              <a:t>WAV</a:t>
+            </a:r>
+          </a:p>
+          <a:p>
+            <a:r>
+              <a:rPr lang="en-US" altLang="zh-CN" sz="2800" dirty="0"/>
+              <a:t>MP3</a:t>
+            </a:r>
+          </a:p>
+          <a:p>
+            <a:r>
+              <a:rPr lang="en-US" altLang="zh-CN" sz="2800" dirty="0"/>
+              <a:t>WMA</a:t>
+            </a:r>
+          </a:p>
+          <a:p>
+            <a:r>
+              <a:rPr lang="en-US" altLang="zh-CN" sz="2800" dirty="0"/>
+              <a:t>MID</a:t>
+            </a:r>
+          </a:p>
+          <a:p>
+            <a:r>
+              <a:rPr lang="en-US" altLang="zh-CN" sz="2800"/>
+              <a:t>RealAudio</a:t>
+            </a:r>
+            <a:endParaRPr lang="en-US" altLang="zh-CN" sz="2800" dirty="0"/>
+          </a:p>
+          <a:p>
+            <a:r>
+              <a:rPr lang="en-US" altLang="zh-CN" sz="2800" dirty="0"/>
+              <a:t>OGG</a:t>
+            </a:r>
+          </a:p>
+          <a:p>
+            <a:r>
+              <a:rPr lang="en-US" altLang="zh-CN" sz="2800" dirty="0"/>
+              <a:t>FLAC</a:t>
+            </a:r>
+          </a:p>
+          <a:p>
+            <a:r>
+              <a:rPr lang="en-US" altLang="zh-CN" sz="2800" dirty="0"/>
+              <a:t>APE</a:t>
+            </a:r>
+          </a:p>
+        </p:txBody>
+      </p:sp>
     </p:spTree>
     <p:extLst>
       <p:ext uri="{BB962C8B-B14F-4D97-AF65-F5344CB8AC3E}">
-        <p14:creationId xmlns:p14="http://schemas.microsoft.com/office/powerpoint/2010/main" val="1258745472"/>
+        <p14:creationId xmlns:p14="http://schemas.microsoft.com/office/powerpoint/2010/main" val="3384557503"/>
       </p:ext>
     </p:extLst>
   </p:cSld>
@@ -9010,6 +11486,193 @@
     <p:extLst>
       <p:ext uri="{BB962C8B-B14F-4D97-AF65-F5344CB8AC3E}">
         <p14:creationId xmlns:p14="http://schemas.microsoft.com/office/powerpoint/2010/main" val="4031298414"/>
+      </p:ext>
+    </p:extLst>
+  </p:cSld>
+  <p:clrMapOvr>
+    <a:masterClrMapping/>
+  </p:clrMapOvr>
+</p:sld>
+</file>
+
+<file path=ppt/slides/slide9.xml><?xml version="1.0" encoding="utf-8"?>
+<p:sld xmlns:a="http://schemas.openxmlformats.org/drawingml/2006/main" xmlns:r="http://schemas.openxmlformats.org/officeDocument/2006/relationships" xmlns:p="http://schemas.openxmlformats.org/presentationml/2006/main">
+  <p:cSld>
+    <p:spTree>
+      <p:nvGrpSpPr>
+        <p:cNvPr id="1" name=""/>
+        <p:cNvGrpSpPr/>
+        <p:nvPr/>
+      </p:nvGrpSpPr>
+      <p:grpSpPr>
+        <a:xfrm>
+          <a:off x="0" y="0"/>
+          <a:ext cx="0" cy="0"/>
+          <a:chOff x="0" y="0"/>
+          <a:chExt cx="0" cy="0"/>
+        </a:xfrm>
+      </p:grpSpPr>
+      <p:sp>
+        <p:nvSpPr>
+          <p:cNvPr id="3" name="矩形 2">
+            <a:extLst>
+              <a:ext uri="{FF2B5EF4-FFF2-40B4-BE49-F238E27FC236}">
+                <a16:creationId xmlns:a16="http://schemas.microsoft.com/office/drawing/2014/main" id="{CEC74E55-4F05-4907-805D-2B63D9D692F5}"/>
+              </a:ext>
+            </a:extLst>
+          </p:cNvPr>
+          <p:cNvSpPr/>
+          <p:nvPr/>
+        </p:nvSpPr>
+        <p:spPr>
+          <a:xfrm>
+            <a:off x="5307964" y="130829"/>
+            <a:ext cx="1576072" cy="923330"/>
+          </a:xfrm>
+          <a:prstGeom prst="rect">
+            <a:avLst/>
+          </a:prstGeom>
+          <a:noFill/>
+        </p:spPr>
+        <p:txBody>
+          <a:bodyPr wrap="none" lIns="91440" tIns="45720" rIns="91440" bIns="45720">
+            <a:spAutoFit/>
+          </a:bodyPr>
+          <a:lstStyle/>
+          <a:p>
+            <a:pPr algn="ctr"/>
+            <a:r>
+              <a:rPr lang="zh-CN" altLang="en-US" sz="5400" b="1" cap="none" spc="0" dirty="0">
+                <a:ln w="9525">
+                  <a:solidFill>
+                    <a:schemeClr val="bg1"/>
+                  </a:solidFill>
+                  <a:prstDash val="solid"/>
+                </a:ln>
+                <a:solidFill>
+                  <a:schemeClr val="accent5"/>
+                </a:solidFill>
+                <a:effectLst>
+                  <a:outerShdw blurRad="12700" dist="38100" dir="2700000" algn="tl" rotWithShape="0">
+                    <a:schemeClr val="accent5">
+                      <a:lumMod val="60000"/>
+                      <a:lumOff val="40000"/>
+                    </a:schemeClr>
+                  </a:outerShdw>
+                </a:effectLst>
+              </a:rPr>
+              <a:t>位图</a:t>
+            </a:r>
+          </a:p>
+        </p:txBody>
+      </p:sp>
+      <p:sp>
+        <p:nvSpPr>
+          <p:cNvPr id="4" name="文本框 3">
+            <a:extLst>
+              <a:ext uri="{FF2B5EF4-FFF2-40B4-BE49-F238E27FC236}">
+                <a16:creationId xmlns:a16="http://schemas.microsoft.com/office/drawing/2014/main" id="{4ECA11ED-F51A-4D34-BCDC-32200A42D49D}"/>
+              </a:ext>
+            </a:extLst>
+          </p:cNvPr>
+          <p:cNvSpPr txBox="1"/>
+          <p:nvPr/>
+        </p:nvSpPr>
+        <p:spPr>
+          <a:xfrm>
+            <a:off x="830424" y="1492898"/>
+            <a:ext cx="10636898" cy="4524315"/>
+          </a:xfrm>
+          <a:prstGeom prst="rect">
+            <a:avLst/>
+          </a:prstGeom>
+          <a:noFill/>
+        </p:spPr>
+        <p:txBody>
+          <a:bodyPr wrap="square" rtlCol="0">
+            <a:spAutoFit/>
+          </a:bodyPr>
+          <a:lstStyle/>
+          <a:p>
+            <a:r>
+              <a:rPr lang="en-US" altLang="zh-CN" sz="3200" b="1" dirty="0"/>
+              <a:t>1.</a:t>
+            </a:r>
+            <a:r>
+              <a:rPr lang="zh-CN" altLang="en-US" sz="3200" b="1" dirty="0"/>
+              <a:t>像素</a:t>
+            </a:r>
+            <a:endParaRPr lang="en-US" altLang="zh-CN" sz="3200" b="1" dirty="0"/>
+          </a:p>
+          <a:p>
+            <a:endParaRPr lang="en-US" altLang="zh-CN" sz="3200" b="1" dirty="0"/>
+          </a:p>
+          <a:p>
+            <a:r>
+              <a:rPr lang="en-US" altLang="zh-CN" sz="3200" b="1" dirty="0"/>
+              <a:t>2.RGB</a:t>
+            </a:r>
+            <a:r>
+              <a:rPr lang="zh-CN" altLang="en-US" sz="3200" b="1" dirty="0"/>
+              <a:t>、灰度、</a:t>
+            </a:r>
+            <a:r>
+              <a:rPr lang="en-US" altLang="zh-CN" sz="3200" b="1" dirty="0"/>
+              <a:t>Alpha</a:t>
+            </a:r>
+            <a:r>
+              <a:rPr lang="zh-CN" altLang="en-US" sz="3200" b="1" dirty="0"/>
+              <a:t>通道</a:t>
+            </a:r>
+            <a:endParaRPr lang="en-US" altLang="zh-CN" sz="3200" b="1" dirty="0"/>
+          </a:p>
+          <a:p>
+            <a:endParaRPr lang="en-US" altLang="zh-CN" sz="3200" b="1" dirty="0"/>
+          </a:p>
+          <a:p>
+            <a:r>
+              <a:rPr lang="en-US" altLang="zh-CN" sz="3200" b="1" dirty="0"/>
+              <a:t>3.</a:t>
+            </a:r>
+            <a:r>
+              <a:rPr lang="zh-CN" altLang="en-US" sz="3200" b="1" dirty="0"/>
+              <a:t>位图压缩</a:t>
+            </a:r>
+            <a:endParaRPr lang="en-US" altLang="zh-CN" sz="3200" b="1" dirty="0"/>
+          </a:p>
+          <a:p>
+            <a:endParaRPr lang="en-US" altLang="zh-CN" sz="3200" b="1" dirty="0"/>
+          </a:p>
+          <a:p>
+            <a:r>
+              <a:rPr lang="en-US" altLang="zh-CN" sz="3200" b="1" dirty="0"/>
+              <a:t>3.</a:t>
+            </a:r>
+            <a:r>
+              <a:rPr lang="zh-CN" altLang="en-US" sz="3200" b="1" dirty="0"/>
+              <a:t>常见的位图文件格式</a:t>
+            </a:r>
+            <a:endParaRPr lang="en-US" altLang="zh-CN" sz="3200" b="1" dirty="0"/>
+          </a:p>
+          <a:p>
+            <a:endParaRPr lang="en-US" altLang="zh-CN" sz="3200" b="1" dirty="0"/>
+          </a:p>
+          <a:p>
+            <a:r>
+              <a:rPr lang="en-US" altLang="zh-CN" sz="3200" b="1" dirty="0"/>
+              <a:t>4.</a:t>
+            </a:r>
+            <a:r>
+              <a:rPr lang="zh-CN" altLang="en-US" sz="3200" b="1" dirty="0"/>
+              <a:t>位图文件大小的计算</a:t>
+            </a:r>
+          </a:p>
+        </p:txBody>
+      </p:sp>
+    </p:spTree>
+    <p:extLst>
+      <p:ext uri="{BB962C8B-B14F-4D97-AF65-F5344CB8AC3E}">
+        <p14:creationId xmlns:p14="http://schemas.microsoft.com/office/powerpoint/2010/main" val="2926412989"/>
       </p:ext>
     </p:extLst>
   </p:cSld>

--- a/初探多媒体.pptx
+++ b/初探多媒体.pptx
@@ -24,6 +24,13 @@
     <p:sldId id="276" r:id="rId18"/>
     <p:sldId id="273" r:id="rId19"/>
     <p:sldId id="277" r:id="rId20"/>
+    <p:sldId id="278" r:id="rId21"/>
+    <p:sldId id="280" r:id="rId22"/>
+    <p:sldId id="279" r:id="rId23"/>
+    <p:sldId id="281" r:id="rId24"/>
+    <p:sldId id="283" r:id="rId25"/>
+    <p:sldId id="284" r:id="rId26"/>
+    <p:sldId id="282" r:id="rId27"/>
   </p:sldIdLst>
   <p:sldSz cx="12192000" cy="6858000"/>
   <p:notesSz cx="6858000" cy="9144000"/>
@@ -2731,7 +2738,7 @@
           <a:p>
             <a:fld id="{7E1E071F-F047-4654-8513-B2A4CFFCBB84}" type="datetimeFigureOut">
               <a:rPr lang="zh-CN" altLang="en-US" smtClean="0"/>
-              <a:t>2021/3/10</a:t>
+              <a:t>2021/3/11</a:t>
             </a:fld>
             <a:endParaRPr lang="zh-CN" altLang="en-US"/>
           </a:p>
@@ -3022,7 +3029,7 @@
           <a:p>
             <a:fld id="{7E1E071F-F047-4654-8513-B2A4CFFCBB84}" type="datetimeFigureOut">
               <a:rPr lang="zh-CN" altLang="en-US" smtClean="0"/>
-              <a:t>2021/3/10</a:t>
+              <a:t>2021/3/11</a:t>
             </a:fld>
             <a:endParaRPr lang="zh-CN" altLang="en-US"/>
           </a:p>
@@ -3281,7 +3288,7 @@
           <a:p>
             <a:fld id="{7E1E071F-F047-4654-8513-B2A4CFFCBB84}" type="datetimeFigureOut">
               <a:rPr lang="zh-CN" altLang="en-US" smtClean="0"/>
-              <a:t>2021/3/10</a:t>
+              <a:t>2021/3/11</a:t>
             </a:fld>
             <a:endParaRPr lang="zh-CN" altLang="en-US"/>
           </a:p>
@@ -3750,7 +3757,7 @@
           <a:p>
             <a:fld id="{7E1E071F-F047-4654-8513-B2A4CFFCBB84}" type="datetimeFigureOut">
               <a:rPr lang="zh-CN" altLang="en-US" smtClean="0"/>
-              <a:t>2021/3/10</a:t>
+              <a:t>2021/3/11</a:t>
             </a:fld>
             <a:endParaRPr lang="zh-CN" altLang="en-US"/>
           </a:p>
@@ -3930,7 +3937,7 @@
           <a:p>
             <a:fld id="{7E1E071F-F047-4654-8513-B2A4CFFCBB84}" type="datetimeFigureOut">
               <a:rPr lang="zh-CN" altLang="en-US" smtClean="0"/>
-              <a:t>2021/3/10</a:t>
+              <a:t>2021/3/11</a:t>
             </a:fld>
             <a:endParaRPr lang="zh-CN" altLang="en-US"/>
           </a:p>
@@ -4506,7 +4513,7 @@
           <a:p>
             <a:fld id="{7E1E071F-F047-4654-8513-B2A4CFFCBB84}" type="datetimeFigureOut">
               <a:rPr lang="zh-CN" altLang="en-US" smtClean="0"/>
-              <a:t>2021/3/10</a:t>
+              <a:t>2021/3/11</a:t>
             </a:fld>
             <a:endParaRPr lang="zh-CN" altLang="en-US"/>
           </a:p>
@@ -4838,7 +4845,7 @@
           <a:p>
             <a:fld id="{7E1E071F-F047-4654-8513-B2A4CFFCBB84}" type="datetimeFigureOut">
               <a:rPr lang="zh-CN" altLang="en-US" smtClean="0"/>
-              <a:t>2021/3/10</a:t>
+              <a:t>2021/3/11</a:t>
             </a:fld>
             <a:endParaRPr lang="zh-CN" altLang="en-US"/>
           </a:p>
@@ -5013,7 +5020,7 @@
           <a:p>
             <a:fld id="{7E1E071F-F047-4654-8513-B2A4CFFCBB84}" type="datetimeFigureOut">
               <a:rPr lang="zh-CN" altLang="en-US" smtClean="0"/>
-              <a:t>2021/3/10</a:t>
+              <a:t>2021/3/11</a:t>
             </a:fld>
             <a:endParaRPr lang="zh-CN" altLang="en-US"/>
           </a:p>
@@ -5193,7 +5200,7 @@
           <a:p>
             <a:fld id="{7E1E071F-F047-4654-8513-B2A4CFFCBB84}" type="datetimeFigureOut">
               <a:rPr lang="zh-CN" altLang="en-US" smtClean="0"/>
-              <a:t>2021/3/10</a:t>
+              <a:t>2021/3/11</a:t>
             </a:fld>
             <a:endParaRPr lang="zh-CN" altLang="en-US"/>
           </a:p>
@@ -5363,7 +5370,7 @@
           <a:p>
             <a:fld id="{7E1E071F-F047-4654-8513-B2A4CFFCBB84}" type="datetimeFigureOut">
               <a:rPr lang="zh-CN" altLang="en-US" smtClean="0"/>
-              <a:t>2021/3/10</a:t>
+              <a:t>2021/3/11</a:t>
             </a:fld>
             <a:endParaRPr lang="zh-CN" altLang="en-US"/>
           </a:p>
@@ -5620,7 +5627,7 @@
           <a:p>
             <a:fld id="{7E1E071F-F047-4654-8513-B2A4CFFCBB84}" type="datetimeFigureOut">
               <a:rPr lang="zh-CN" altLang="en-US" smtClean="0"/>
-              <a:t>2021/3/10</a:t>
+              <a:t>2021/3/11</a:t>
             </a:fld>
             <a:endParaRPr lang="zh-CN" altLang="en-US"/>
           </a:p>
@@ -5912,7 +5919,7 @@
           <a:p>
             <a:fld id="{7E1E071F-F047-4654-8513-B2A4CFFCBB84}" type="datetimeFigureOut">
               <a:rPr lang="zh-CN" altLang="en-US" smtClean="0"/>
-              <a:t>2021/3/10</a:t>
+              <a:t>2021/3/11</a:t>
             </a:fld>
             <a:endParaRPr lang="zh-CN" altLang="en-US"/>
           </a:p>
@@ -6342,7 +6349,7 @@
           <a:p>
             <a:fld id="{7E1E071F-F047-4654-8513-B2A4CFFCBB84}" type="datetimeFigureOut">
               <a:rPr lang="zh-CN" altLang="en-US" smtClean="0"/>
-              <a:t>2021/3/10</a:t>
+              <a:t>2021/3/11</a:t>
             </a:fld>
             <a:endParaRPr lang="zh-CN" altLang="en-US"/>
           </a:p>
@@ -6460,7 +6467,7 @@
           <a:p>
             <a:fld id="{7E1E071F-F047-4654-8513-B2A4CFFCBB84}" type="datetimeFigureOut">
               <a:rPr lang="zh-CN" altLang="en-US" smtClean="0"/>
-              <a:t>2021/3/10</a:t>
+              <a:t>2021/3/11</a:t>
             </a:fld>
             <a:endParaRPr lang="zh-CN" altLang="en-US"/>
           </a:p>
@@ -6555,7 +6562,7 @@
           <a:p>
             <a:fld id="{7E1E071F-F047-4654-8513-B2A4CFFCBB84}" type="datetimeFigureOut">
               <a:rPr lang="zh-CN" altLang="en-US" smtClean="0"/>
-              <a:t>2021/3/10</a:t>
+              <a:t>2021/3/11</a:t>
             </a:fld>
             <a:endParaRPr lang="zh-CN" altLang="en-US"/>
           </a:p>
@@ -6838,7 +6845,7 @@
           <a:p>
             <a:fld id="{7E1E071F-F047-4654-8513-B2A4CFFCBB84}" type="datetimeFigureOut">
               <a:rPr lang="zh-CN" altLang="en-US" smtClean="0"/>
-              <a:t>2021/3/10</a:t>
+              <a:t>2021/3/11</a:t>
             </a:fld>
             <a:endParaRPr lang="zh-CN" altLang="en-US"/>
           </a:p>
@@ -7129,7 +7136,7 @@
           <a:p>
             <a:fld id="{7E1E071F-F047-4654-8513-B2A4CFFCBB84}" type="datetimeFigureOut">
               <a:rPr lang="zh-CN" altLang="en-US" smtClean="0"/>
-              <a:t>2021/3/10</a:t>
+              <a:t>2021/3/11</a:t>
             </a:fld>
             <a:endParaRPr lang="zh-CN" altLang="en-US"/>
           </a:p>
@@ -7360,7 +7367,7 @@
           <a:p>
             <a:fld id="{7E1E071F-F047-4654-8513-B2A4CFFCBB84}" type="datetimeFigureOut">
               <a:rPr lang="zh-CN" altLang="en-US" smtClean="0"/>
-              <a:t>2021/3/10</a:t>
+              <a:t>2021/3/11</a:t>
             </a:fld>
             <a:endParaRPr lang="zh-CN" altLang="en-US"/>
           </a:p>
@@ -8422,7 +8429,7 @@
         <p:spPr>
           <a:xfrm>
             <a:off x="760444" y="1707502"/>
-            <a:ext cx="8957388" cy="2554545"/>
+            <a:ext cx="8957388" cy="3539430"/>
           </a:xfrm>
           <a:prstGeom prst="rect">
             <a:avLst/>
@@ -8450,6 +8457,16 @@
             <a:r>
               <a:rPr lang="zh-CN" altLang="en-US" sz="3200" dirty="0"/>
               <a:t>，每英寸点数</a:t>
+            </a:r>
+            <a:endParaRPr lang="en-US" altLang="zh-CN" sz="3200" dirty="0"/>
+          </a:p>
+          <a:p>
+            <a:endParaRPr lang="en-US" altLang="zh-CN" sz="3200" dirty="0"/>
+          </a:p>
+          <a:p>
+            <a:r>
+              <a:rPr lang="zh-CN" altLang="en-US" sz="3200" dirty="0"/>
+              <a:t>分辨率</a:t>
             </a:r>
             <a:endParaRPr lang="en-US" altLang="zh-CN" sz="3200" dirty="0"/>
           </a:p>
@@ -10580,7 +10597,7 @@
         <p:spPr>
           <a:xfrm>
             <a:off x="1352939" y="363894"/>
-            <a:ext cx="9302620" cy="523220"/>
+            <a:ext cx="9302620" cy="830997"/>
           </a:xfrm>
           <a:prstGeom prst="rect">
             <a:avLst/>
@@ -10594,7 +10611,7 @@
           <a:lstStyle/>
           <a:p>
             <a:r>
-              <a:rPr lang="zh-CN" altLang="en-US" sz="2800" b="1" dirty="0"/>
+              <a:rPr lang="zh-CN" altLang="en-US" sz="4800" b="1" dirty="0"/>
               <a:t>矢量图和位图的区别</a:t>
             </a:r>
           </a:p>
@@ -10636,6 +10653,61 @@
           </a:prstGeom>
         </p:spPr>
       </p:pic>
+      <p:sp>
+        <p:nvSpPr>
+          <p:cNvPr id="2" name="文本框 1">
+            <a:extLst>
+              <a:ext uri="{FF2B5EF4-FFF2-40B4-BE49-F238E27FC236}">
+                <a16:creationId xmlns:a16="http://schemas.microsoft.com/office/drawing/2014/main" id="{3CF826A3-0FB4-4568-81C7-8D24620DD2AE}"/>
+              </a:ext>
+            </a:extLst>
+          </p:cNvPr>
+          <p:cNvSpPr txBox="1"/>
+          <p:nvPr/>
+        </p:nvSpPr>
+        <p:spPr>
+          <a:xfrm>
+            <a:off x="1405815" y="1931437"/>
+            <a:ext cx="4805265" cy="2862322"/>
+          </a:xfrm>
+          <a:prstGeom prst="rect">
+            <a:avLst/>
+          </a:prstGeom>
+          <a:noFill/>
+        </p:spPr>
+        <p:txBody>
+          <a:bodyPr wrap="square" rtlCol="0">
+            <a:spAutoFit/>
+          </a:bodyPr>
+          <a:lstStyle/>
+          <a:p>
+            <a:r>
+              <a:rPr lang="zh-CN" altLang="en-US" sz="3600" b="1" dirty="0"/>
+              <a:t>放大</a:t>
+            </a:r>
+            <a:endParaRPr lang="en-US" altLang="zh-CN" sz="3600" b="1" dirty="0"/>
+          </a:p>
+          <a:p>
+            <a:endParaRPr lang="en-US" altLang="zh-CN" sz="3600" b="1" dirty="0"/>
+          </a:p>
+          <a:p>
+            <a:r>
+              <a:rPr lang="zh-CN" altLang="en-US" sz="3600" b="1" dirty="0"/>
+              <a:t>文件大小</a:t>
+            </a:r>
+            <a:endParaRPr lang="en-US" altLang="zh-CN" sz="3600" b="1" dirty="0"/>
+          </a:p>
+          <a:p>
+            <a:endParaRPr lang="en-US" altLang="zh-CN" sz="3600" b="1" dirty="0"/>
+          </a:p>
+          <a:p>
+            <a:r>
+              <a:rPr lang="zh-CN" altLang="en-US" sz="3600" b="1" dirty="0"/>
+              <a:t>表现力</a:t>
+            </a:r>
+          </a:p>
+        </p:txBody>
+      </p:sp>
     </p:spTree>
     <p:extLst>
       <p:ext uri="{BB962C8B-B14F-4D97-AF65-F5344CB8AC3E}">
@@ -10707,6 +10779,1140 @@
 </p:sld>
 </file>
 
+<file path=ppt/slides/slide20.xml><?xml version="1.0" encoding="utf-8"?>
+<p:sld xmlns:a="http://schemas.openxmlformats.org/drawingml/2006/main" xmlns:r="http://schemas.openxmlformats.org/officeDocument/2006/relationships" xmlns:p="http://schemas.openxmlformats.org/presentationml/2006/main">
+  <p:cSld>
+    <p:spTree>
+      <p:nvGrpSpPr>
+        <p:cNvPr id="1" name=""/>
+        <p:cNvGrpSpPr/>
+        <p:nvPr/>
+      </p:nvGrpSpPr>
+      <p:grpSpPr>
+        <a:xfrm>
+          <a:off x="0" y="0"/>
+          <a:ext cx="0" cy="0"/>
+          <a:chOff x="0" y="0"/>
+          <a:chExt cx="0" cy="0"/>
+        </a:xfrm>
+      </p:grpSpPr>
+      <p:sp>
+        <p:nvSpPr>
+          <p:cNvPr id="3" name="内容占位符 2">
+            <a:extLst>
+              <a:ext uri="{FF2B5EF4-FFF2-40B4-BE49-F238E27FC236}">
+                <a16:creationId xmlns:a16="http://schemas.microsoft.com/office/drawing/2014/main" id="{AA129193-E97D-4813-8660-2750E5FC4C37}"/>
+              </a:ext>
+            </a:extLst>
+          </p:cNvPr>
+          <p:cNvSpPr>
+            <a:spLocks noGrp="1"/>
+          </p:cNvSpPr>
+          <p:nvPr>
+            <p:ph idx="1"/>
+          </p:nvPr>
+        </p:nvSpPr>
+        <p:spPr>
+          <a:xfrm>
+            <a:off x="1141413" y="681135"/>
+            <a:ext cx="9905998" cy="5110065"/>
+          </a:xfrm>
+        </p:spPr>
+        <p:txBody>
+          <a:bodyPr>
+            <a:normAutofit/>
+          </a:bodyPr>
+          <a:lstStyle/>
+          <a:p>
+            <a:r>
+              <a:rPr lang="en-US" altLang="zh-CN" sz="2800" dirty="0"/>
+              <a:t>.</a:t>
+            </a:r>
+            <a:r>
+              <a:rPr lang="en-US" altLang="zh-CN" sz="2800" cap="none" dirty="0"/>
+              <a:t>ai(</a:t>
+            </a:r>
+            <a:r>
+              <a:rPr lang="en-US" altLang="zh-CN" sz="2800" cap="none" dirty="0" err="1"/>
+              <a:t>lllustrator</a:t>
+            </a:r>
+            <a:r>
+              <a:rPr lang="en-US" altLang="zh-CN" sz="2800" cap="none" dirty="0"/>
+              <a:t>)</a:t>
+            </a:r>
+            <a:endParaRPr lang="en-US" altLang="zh-CN" sz="2800" dirty="0"/>
+          </a:p>
+          <a:p>
+            <a:r>
+              <a:rPr lang="en-US" altLang="zh-CN" sz="2800" dirty="0"/>
+              <a:t>.</a:t>
+            </a:r>
+            <a:r>
+              <a:rPr lang="en-US" altLang="zh-CN" sz="2800" cap="none" dirty="0" err="1"/>
+              <a:t>cdr</a:t>
+            </a:r>
+            <a:r>
+              <a:rPr lang="en-US" altLang="zh-CN" sz="2800" cap="none" dirty="0"/>
+              <a:t>(CorelDraw)</a:t>
+            </a:r>
+          </a:p>
+          <a:p>
+            <a:r>
+              <a:rPr lang="en-US" altLang="zh-CN" sz="2800" cap="none" dirty="0"/>
+              <a:t>.col(Autodesk Animator)</a:t>
+            </a:r>
+          </a:p>
+          <a:p>
+            <a:r>
+              <a:rPr lang="en-US" altLang="zh-CN" sz="2800" cap="none" dirty="0"/>
+              <a:t>.dwg</a:t>
+            </a:r>
+            <a:r>
+              <a:rPr lang="zh-CN" altLang="en-US" sz="2800" cap="none" dirty="0"/>
+              <a:t>、</a:t>
+            </a:r>
+            <a:r>
+              <a:rPr lang="en-US" altLang="zh-CN" sz="2800" cap="none" dirty="0"/>
+              <a:t>.</a:t>
+            </a:r>
+            <a:r>
+              <a:rPr lang="en-US" altLang="zh-CN" sz="2800" cap="none" dirty="0" err="1"/>
+              <a:t>dxb</a:t>
+            </a:r>
+            <a:r>
+              <a:rPr lang="zh-CN" altLang="en-US" sz="2800" cap="none" dirty="0"/>
+              <a:t>、</a:t>
+            </a:r>
+            <a:r>
+              <a:rPr lang="en-US" altLang="zh-CN" sz="2800" cap="none" dirty="0"/>
+              <a:t>.</a:t>
+            </a:r>
+            <a:r>
+              <a:rPr lang="en-US" altLang="zh-CN" sz="2800" cap="none" dirty="0" err="1"/>
+              <a:t>dxf</a:t>
+            </a:r>
+            <a:r>
+              <a:rPr lang="zh-CN" altLang="en-US" sz="2800" cap="none" dirty="0"/>
+              <a:t>（</a:t>
+            </a:r>
+            <a:r>
+              <a:rPr lang="en-US" altLang="zh-CN" sz="2800" cap="none" dirty="0"/>
+              <a:t>AutoCAD</a:t>
+            </a:r>
+            <a:r>
+              <a:rPr lang="zh-CN" altLang="en-US" sz="2800" cap="none" dirty="0"/>
+              <a:t>）</a:t>
+            </a:r>
+            <a:endParaRPr lang="en-US" altLang="zh-CN" sz="2800" cap="none" dirty="0"/>
+          </a:p>
+          <a:p>
+            <a:r>
+              <a:rPr lang="en-US" altLang="zh-CN" sz="2800" cap="none" dirty="0"/>
+              <a:t>..</a:t>
+            </a:r>
+            <a:r>
+              <a:rPr lang="en-US" altLang="zh-CN" sz="2800" cap="none" dirty="0" err="1"/>
+              <a:t>wmf</a:t>
+            </a:r>
+            <a:r>
+              <a:rPr lang="zh-CN" altLang="en-US" sz="2800" cap="none" dirty="0"/>
+              <a:t>、</a:t>
+            </a:r>
+            <a:r>
+              <a:rPr lang="en-US" altLang="zh-CN" sz="2800" cap="none" dirty="0"/>
+              <a:t>.emf(Microsoft Office)</a:t>
+            </a:r>
+          </a:p>
+          <a:p>
+            <a:r>
+              <a:rPr lang="en-US" altLang="zh-CN" sz="2800" cap="none" dirty="0"/>
+              <a:t>.</a:t>
+            </a:r>
+            <a:r>
+              <a:rPr lang="en-US" altLang="zh-CN" sz="2800" cap="none" dirty="0" err="1"/>
+              <a:t>ico</a:t>
+            </a:r>
+            <a:r>
+              <a:rPr lang="en-US" altLang="zh-CN" sz="2800" cap="none" dirty="0"/>
+              <a:t>(windows)</a:t>
+            </a:r>
+          </a:p>
+          <a:p>
+            <a:r>
+              <a:rPr lang="en-US" altLang="zh-CN" sz="2800" cap="none" dirty="0"/>
+              <a:t>.</a:t>
+            </a:r>
+            <a:r>
+              <a:rPr lang="en-US" altLang="zh-CN" sz="2800" cap="none" dirty="0" err="1"/>
+              <a:t>lbm</a:t>
+            </a:r>
+            <a:r>
+              <a:rPr lang="en-US" altLang="zh-CN" sz="2800" cap="none" dirty="0"/>
+              <a:t>(Deluxe Paint)</a:t>
+            </a:r>
+          </a:p>
+          <a:p>
+            <a:r>
+              <a:rPr lang="en-US" altLang="zh-CN" sz="2800" cap="none" dirty="0"/>
+              <a:t>…….</a:t>
+            </a:r>
+          </a:p>
+          <a:p>
+            <a:endParaRPr lang="en-US" altLang="zh-CN" sz="2800" dirty="0"/>
+          </a:p>
+        </p:txBody>
+      </p:sp>
+    </p:spTree>
+    <p:extLst>
+      <p:ext uri="{BB962C8B-B14F-4D97-AF65-F5344CB8AC3E}">
+        <p14:creationId xmlns:p14="http://schemas.microsoft.com/office/powerpoint/2010/main" val="1600494509"/>
+      </p:ext>
+    </p:extLst>
+  </p:cSld>
+  <p:clrMapOvr>
+    <a:masterClrMapping/>
+  </p:clrMapOvr>
+</p:sld>
+</file>
+
+<file path=ppt/slides/slide21.xml><?xml version="1.0" encoding="utf-8"?>
+<p:sld xmlns:a="http://schemas.openxmlformats.org/drawingml/2006/main" xmlns:r="http://schemas.openxmlformats.org/officeDocument/2006/relationships" xmlns:p="http://schemas.openxmlformats.org/presentationml/2006/main">
+  <p:cSld>
+    <p:spTree>
+      <p:nvGrpSpPr>
+        <p:cNvPr id="1" name=""/>
+        <p:cNvGrpSpPr/>
+        <p:nvPr/>
+      </p:nvGrpSpPr>
+      <p:grpSpPr>
+        <a:xfrm>
+          <a:off x="0" y="0"/>
+          <a:ext cx="0" cy="0"/>
+          <a:chOff x="0" y="0"/>
+          <a:chExt cx="0" cy="0"/>
+        </a:xfrm>
+      </p:grpSpPr>
+      <p:sp>
+        <p:nvSpPr>
+          <p:cNvPr id="3" name="矩形 2">
+            <a:extLst>
+              <a:ext uri="{FF2B5EF4-FFF2-40B4-BE49-F238E27FC236}">
+                <a16:creationId xmlns:a16="http://schemas.microsoft.com/office/drawing/2014/main" id="{CEC74E55-4F05-4907-805D-2B63D9D692F5}"/>
+              </a:ext>
+            </a:extLst>
+          </p:cNvPr>
+          <p:cNvSpPr/>
+          <p:nvPr/>
+        </p:nvSpPr>
+        <p:spPr>
+          <a:xfrm>
+            <a:off x="5307963" y="130829"/>
+            <a:ext cx="1576073" cy="923330"/>
+          </a:xfrm>
+          <a:prstGeom prst="rect">
+            <a:avLst/>
+          </a:prstGeom>
+          <a:noFill/>
+        </p:spPr>
+        <p:txBody>
+          <a:bodyPr wrap="none" lIns="91440" tIns="45720" rIns="91440" bIns="45720">
+            <a:spAutoFit/>
+          </a:bodyPr>
+          <a:lstStyle/>
+          <a:p>
+            <a:pPr algn="ctr"/>
+            <a:r>
+              <a:rPr lang="zh-CN" altLang="en-US" sz="5400" b="1" dirty="0">
+                <a:ln w="9525">
+                  <a:solidFill>
+                    <a:schemeClr val="bg1"/>
+                  </a:solidFill>
+                  <a:prstDash val="solid"/>
+                </a:ln>
+                <a:solidFill>
+                  <a:schemeClr val="accent5"/>
+                </a:solidFill>
+                <a:effectLst>
+                  <a:outerShdw blurRad="12700" dist="38100" dir="2700000" algn="tl" rotWithShape="0">
+                    <a:schemeClr val="accent5">
+                      <a:lumMod val="60000"/>
+                      <a:lumOff val="40000"/>
+                    </a:schemeClr>
+                  </a:outerShdw>
+                </a:effectLst>
+              </a:rPr>
+              <a:t>视频</a:t>
+            </a:r>
+            <a:endParaRPr lang="zh-CN" altLang="en-US" sz="5400" b="1" cap="none" spc="0" dirty="0">
+              <a:ln w="9525">
+                <a:solidFill>
+                  <a:schemeClr val="bg1"/>
+                </a:solidFill>
+                <a:prstDash val="solid"/>
+              </a:ln>
+              <a:solidFill>
+                <a:schemeClr val="accent5"/>
+              </a:solidFill>
+              <a:effectLst>
+                <a:outerShdw blurRad="12700" dist="38100" dir="2700000" algn="tl" rotWithShape="0">
+                  <a:schemeClr val="accent5">
+                    <a:lumMod val="60000"/>
+                    <a:lumOff val="40000"/>
+                  </a:schemeClr>
+                </a:outerShdw>
+              </a:effectLst>
+            </a:endParaRPr>
+          </a:p>
+        </p:txBody>
+      </p:sp>
+      <p:sp>
+        <p:nvSpPr>
+          <p:cNvPr id="4" name="文本框 3">
+            <a:extLst>
+              <a:ext uri="{FF2B5EF4-FFF2-40B4-BE49-F238E27FC236}">
+                <a16:creationId xmlns:a16="http://schemas.microsoft.com/office/drawing/2014/main" id="{4ECA11ED-F51A-4D34-BCDC-32200A42D49D}"/>
+              </a:ext>
+            </a:extLst>
+          </p:cNvPr>
+          <p:cNvSpPr txBox="1"/>
+          <p:nvPr/>
+        </p:nvSpPr>
+        <p:spPr>
+          <a:xfrm>
+            <a:off x="830424" y="1492898"/>
+            <a:ext cx="10636898" cy="3539430"/>
+          </a:xfrm>
+          <a:prstGeom prst="rect">
+            <a:avLst/>
+          </a:prstGeom>
+          <a:noFill/>
+        </p:spPr>
+        <p:txBody>
+          <a:bodyPr wrap="square" rtlCol="0">
+            <a:spAutoFit/>
+          </a:bodyPr>
+          <a:lstStyle/>
+          <a:p>
+            <a:r>
+              <a:rPr lang="en-US" altLang="zh-CN" sz="3200" b="1" dirty="0"/>
+              <a:t>1.</a:t>
+            </a:r>
+            <a:r>
+              <a:rPr lang="zh-CN" altLang="en-US" sz="3200" b="1" dirty="0"/>
+              <a:t>帧、帧率</a:t>
+            </a:r>
+            <a:endParaRPr lang="en-US" altLang="zh-CN" sz="3200" b="1" dirty="0"/>
+          </a:p>
+          <a:p>
+            <a:endParaRPr lang="en-US" altLang="zh-CN" sz="3200" b="1" dirty="0"/>
+          </a:p>
+          <a:p>
+            <a:r>
+              <a:rPr lang="en-US" altLang="zh-CN" sz="3200" b="1" dirty="0"/>
+              <a:t>2.</a:t>
+            </a:r>
+            <a:r>
+              <a:rPr lang="zh-CN" altLang="en-US" sz="3200" b="1" dirty="0"/>
+              <a:t>视频压缩</a:t>
+            </a:r>
+            <a:endParaRPr lang="en-US" altLang="zh-CN" sz="3200" b="1" dirty="0"/>
+          </a:p>
+          <a:p>
+            <a:endParaRPr lang="en-US" altLang="zh-CN" sz="3200" b="1" dirty="0"/>
+          </a:p>
+          <a:p>
+            <a:r>
+              <a:rPr lang="en-US" altLang="zh-CN" sz="3200" b="1" dirty="0"/>
+              <a:t>3.</a:t>
+            </a:r>
+            <a:r>
+              <a:rPr lang="zh-CN" altLang="en-US" sz="3200" b="1" dirty="0"/>
+              <a:t>常见的视频文件格式</a:t>
+            </a:r>
+            <a:endParaRPr lang="en-US" altLang="zh-CN" sz="3200" b="1" dirty="0"/>
+          </a:p>
+          <a:p>
+            <a:endParaRPr lang="en-US" altLang="zh-CN" sz="3200" b="1" dirty="0"/>
+          </a:p>
+          <a:p>
+            <a:r>
+              <a:rPr lang="en-US" altLang="zh-CN" sz="3200" b="1" dirty="0"/>
+              <a:t>4.</a:t>
+            </a:r>
+            <a:r>
+              <a:rPr lang="zh-CN" altLang="en-US" sz="3200" b="1" dirty="0"/>
+              <a:t>视频文件大小的计算</a:t>
+            </a:r>
+          </a:p>
+        </p:txBody>
+      </p:sp>
+    </p:spTree>
+    <p:extLst>
+      <p:ext uri="{BB962C8B-B14F-4D97-AF65-F5344CB8AC3E}">
+        <p14:creationId xmlns:p14="http://schemas.microsoft.com/office/powerpoint/2010/main" val="784306318"/>
+      </p:ext>
+    </p:extLst>
+  </p:cSld>
+  <p:clrMapOvr>
+    <a:masterClrMapping/>
+  </p:clrMapOvr>
+</p:sld>
+</file>
+
+<file path=ppt/slides/slide22.xml><?xml version="1.0" encoding="utf-8"?>
+<p:sld xmlns:a="http://schemas.openxmlformats.org/drawingml/2006/main" xmlns:r="http://schemas.openxmlformats.org/officeDocument/2006/relationships" xmlns:p="http://schemas.openxmlformats.org/presentationml/2006/main">
+  <p:cSld>
+    <p:spTree>
+      <p:nvGrpSpPr>
+        <p:cNvPr id="1" name=""/>
+        <p:cNvGrpSpPr/>
+        <p:nvPr/>
+      </p:nvGrpSpPr>
+      <p:grpSpPr>
+        <a:xfrm>
+          <a:off x="0" y="0"/>
+          <a:ext cx="0" cy="0"/>
+          <a:chOff x="0" y="0"/>
+          <a:chExt cx="0" cy="0"/>
+        </a:xfrm>
+      </p:grpSpPr>
+      <p:sp>
+        <p:nvSpPr>
+          <p:cNvPr id="4" name="文本框 3">
+            <a:extLst>
+              <a:ext uri="{FF2B5EF4-FFF2-40B4-BE49-F238E27FC236}">
+                <a16:creationId xmlns:a16="http://schemas.microsoft.com/office/drawing/2014/main" id="{7ED46F89-AA66-4DB4-971A-543AAA887948}"/>
+              </a:ext>
+            </a:extLst>
+          </p:cNvPr>
+          <p:cNvSpPr txBox="1"/>
+          <p:nvPr/>
+        </p:nvSpPr>
+        <p:spPr>
+          <a:xfrm>
+            <a:off x="1017037" y="475861"/>
+            <a:ext cx="5685421" cy="3970318"/>
+          </a:xfrm>
+          <a:prstGeom prst="rect">
+            <a:avLst/>
+          </a:prstGeom>
+          <a:noFill/>
+        </p:spPr>
+        <p:txBody>
+          <a:bodyPr wrap="square" rtlCol="0">
+            <a:spAutoFit/>
+          </a:bodyPr>
+          <a:lstStyle/>
+          <a:p>
+            <a:r>
+              <a:rPr lang="zh-CN" altLang="en-US" sz="3600" b="1" dirty="0"/>
+              <a:t>帧</a:t>
+            </a:r>
+            <a:endParaRPr lang="en-US" altLang="zh-CN" sz="3600" b="1" dirty="0"/>
+          </a:p>
+          <a:p>
+            <a:endParaRPr lang="en-US" altLang="zh-CN" sz="3600" b="1" dirty="0"/>
+          </a:p>
+          <a:p>
+            <a:r>
+              <a:rPr lang="zh-CN" altLang="en-US" sz="3600" b="1" dirty="0"/>
+              <a:t>视觉暂留</a:t>
+            </a:r>
+            <a:endParaRPr lang="en-US" altLang="zh-CN" sz="3600" b="1" dirty="0"/>
+          </a:p>
+          <a:p>
+            <a:endParaRPr lang="en-US" altLang="zh-CN" sz="3600" b="1" dirty="0"/>
+          </a:p>
+          <a:p>
+            <a:r>
+              <a:rPr lang="zh-CN" altLang="en-US" sz="3600" b="1" dirty="0"/>
+              <a:t>帧率（画面更新率，</a:t>
+            </a:r>
+            <a:r>
+              <a:rPr lang="en-US" altLang="zh-CN" sz="3600" b="1" dirty="0"/>
+              <a:t>FPS</a:t>
+            </a:r>
+            <a:r>
+              <a:rPr lang="zh-CN" altLang="en-US" sz="3600" b="1" dirty="0"/>
+              <a:t>）</a:t>
+            </a:r>
+            <a:endParaRPr lang="en-US" altLang="zh-CN" sz="3600" b="1" dirty="0"/>
+          </a:p>
+          <a:p>
+            <a:endParaRPr lang="en-US" altLang="zh-CN" sz="3600" b="1" dirty="0"/>
+          </a:p>
+          <a:p>
+            <a:r>
+              <a:rPr lang="en-US" altLang="zh-CN" sz="3600" b="1" dirty="0"/>
+              <a:t>PAL,NTSC</a:t>
+            </a:r>
+            <a:endParaRPr lang="zh-CN" altLang="en-US" sz="3600" b="1" dirty="0"/>
+          </a:p>
+        </p:txBody>
+      </p:sp>
+      <p:sp>
+        <p:nvSpPr>
+          <p:cNvPr id="5" name="文本框 4">
+            <a:extLst>
+              <a:ext uri="{FF2B5EF4-FFF2-40B4-BE49-F238E27FC236}">
+                <a16:creationId xmlns:a16="http://schemas.microsoft.com/office/drawing/2014/main" id="{6A8327B2-B91A-4297-AF6C-B9853B704174}"/>
+              </a:ext>
+            </a:extLst>
+          </p:cNvPr>
+          <p:cNvSpPr txBox="1"/>
+          <p:nvPr/>
+        </p:nvSpPr>
+        <p:spPr>
+          <a:xfrm>
+            <a:off x="1017037" y="4889238"/>
+            <a:ext cx="10282335" cy="646331"/>
+          </a:xfrm>
+          <a:prstGeom prst="rect">
+            <a:avLst/>
+          </a:prstGeom>
+          <a:noFill/>
+        </p:spPr>
+        <p:txBody>
+          <a:bodyPr wrap="square" rtlCol="0">
+            <a:spAutoFit/>
+          </a:bodyPr>
+          <a:lstStyle/>
+          <a:p>
+            <a:r>
+              <a:rPr lang="zh-CN" altLang="en-US" sz="3600" dirty="0">
+                <a:solidFill>
+                  <a:srgbClr val="FF0000"/>
+                </a:solidFill>
+              </a:rPr>
+              <a:t>为什么电影</a:t>
+            </a:r>
+            <a:r>
+              <a:rPr lang="en-US" altLang="zh-CN" sz="3600" dirty="0">
+                <a:solidFill>
+                  <a:srgbClr val="FF0000"/>
+                </a:solidFill>
+              </a:rPr>
+              <a:t>24</a:t>
+            </a:r>
+            <a:r>
+              <a:rPr lang="zh-CN" altLang="en-US" sz="3600" dirty="0">
+                <a:solidFill>
+                  <a:srgbClr val="FF0000"/>
+                </a:solidFill>
+              </a:rPr>
+              <a:t>帧很流畅而游戏</a:t>
+            </a:r>
+            <a:r>
+              <a:rPr lang="en-US" altLang="zh-CN" sz="3600" dirty="0">
+                <a:solidFill>
+                  <a:srgbClr val="FF0000"/>
+                </a:solidFill>
+              </a:rPr>
+              <a:t>24</a:t>
+            </a:r>
+            <a:r>
+              <a:rPr lang="zh-CN" altLang="en-US" sz="3600" dirty="0">
+                <a:solidFill>
+                  <a:srgbClr val="FF0000"/>
+                </a:solidFill>
+              </a:rPr>
+              <a:t>帧狗都不玩？</a:t>
+            </a:r>
+          </a:p>
+        </p:txBody>
+      </p:sp>
+    </p:spTree>
+    <p:extLst>
+      <p:ext uri="{BB962C8B-B14F-4D97-AF65-F5344CB8AC3E}">
+        <p14:creationId xmlns:p14="http://schemas.microsoft.com/office/powerpoint/2010/main" val="2601114378"/>
+      </p:ext>
+    </p:extLst>
+  </p:cSld>
+  <p:clrMapOvr>
+    <a:masterClrMapping/>
+  </p:clrMapOvr>
+</p:sld>
+</file>
+
+<file path=ppt/slides/slide23.xml><?xml version="1.0" encoding="utf-8"?>
+<p:sld xmlns:a="http://schemas.openxmlformats.org/drawingml/2006/main" xmlns:r="http://schemas.openxmlformats.org/officeDocument/2006/relationships" xmlns:p="http://schemas.openxmlformats.org/presentationml/2006/main">
+  <p:cSld>
+    <p:spTree>
+      <p:nvGrpSpPr>
+        <p:cNvPr id="1" name=""/>
+        <p:cNvGrpSpPr/>
+        <p:nvPr/>
+      </p:nvGrpSpPr>
+      <p:grpSpPr>
+        <a:xfrm>
+          <a:off x="0" y="0"/>
+          <a:ext cx="0" cy="0"/>
+          <a:chOff x="0" y="0"/>
+          <a:chExt cx="0" cy="0"/>
+        </a:xfrm>
+      </p:grpSpPr>
+      <p:sp>
+        <p:nvSpPr>
+          <p:cNvPr id="4" name="文本框 3">
+            <a:extLst>
+              <a:ext uri="{FF2B5EF4-FFF2-40B4-BE49-F238E27FC236}">
+                <a16:creationId xmlns:a16="http://schemas.microsoft.com/office/drawing/2014/main" id="{2CCA3E0F-0CBB-48EA-833A-320376BBBC44}"/>
+              </a:ext>
+            </a:extLst>
+          </p:cNvPr>
+          <p:cNvSpPr txBox="1"/>
+          <p:nvPr/>
+        </p:nvSpPr>
+        <p:spPr>
+          <a:xfrm>
+            <a:off x="6343261" y="610897"/>
+            <a:ext cx="2659225" cy="830997"/>
+          </a:xfrm>
+          <a:prstGeom prst="rect">
+            <a:avLst/>
+          </a:prstGeom>
+          <a:noFill/>
+        </p:spPr>
+        <p:txBody>
+          <a:bodyPr wrap="square" rtlCol="0">
+            <a:spAutoFit/>
+          </a:bodyPr>
+          <a:lstStyle/>
+          <a:p>
+            <a:pPr marL="0" marR="0" lvl="0" indent="0" algn="l" defTabSz="457200" rtl="0" eaLnBrk="1" fontAlgn="auto" latinLnBrk="0" hangingPunct="1">
+              <a:lnSpc>
+                <a:spcPct val="100000"/>
+              </a:lnSpc>
+              <a:spcBef>
+                <a:spcPts val="0"/>
+              </a:spcBef>
+              <a:spcAft>
+                <a:spcPts val="0"/>
+              </a:spcAft>
+              <a:buClrTx/>
+              <a:buSzTx/>
+              <a:buFontTx/>
+              <a:buNone/>
+              <a:tabLst/>
+              <a:defRPr/>
+            </a:pPr>
+            <a:r>
+              <a:rPr lang="zh-CN" altLang="en-US" sz="4800" b="1" dirty="0">
+                <a:solidFill>
+                  <a:prstClr val="white"/>
+                </a:solidFill>
+                <a:latin typeface="Century Gothic" panose="020B0502020202020204"/>
+                <a:ea typeface="宋体" panose="02010600030101010101" pitchFamily="2" charset="-122"/>
+              </a:rPr>
+              <a:t>视频</a:t>
+            </a:r>
+            <a:r>
+              <a:rPr kumimoji="0" lang="zh-CN" altLang="en-US" sz="4800" b="1" i="0" u="none" strike="noStrike" kern="1200" cap="none" spc="0" normalizeH="0" baseline="0" noProof="0" dirty="0">
+                <a:ln>
+                  <a:noFill/>
+                </a:ln>
+                <a:solidFill>
+                  <a:prstClr val="white"/>
+                </a:solidFill>
+                <a:effectLst/>
+                <a:uLnTx/>
+                <a:uFillTx/>
+                <a:latin typeface="Century Gothic" panose="020B0502020202020204"/>
+                <a:ea typeface="宋体" panose="02010600030101010101" pitchFamily="2" charset="-122"/>
+                <a:cs typeface="+mn-cs"/>
+              </a:rPr>
+              <a:t>压缩</a:t>
+            </a:r>
+          </a:p>
+        </p:txBody>
+      </p:sp>
+      <p:sp>
+        <p:nvSpPr>
+          <p:cNvPr id="8" name="文本框 7">
+            <a:extLst>
+              <a:ext uri="{FF2B5EF4-FFF2-40B4-BE49-F238E27FC236}">
+                <a16:creationId xmlns:a16="http://schemas.microsoft.com/office/drawing/2014/main" id="{C681D5BC-55AA-469C-B993-E194CEB8F157}"/>
+              </a:ext>
+            </a:extLst>
+          </p:cNvPr>
+          <p:cNvSpPr txBox="1"/>
+          <p:nvPr/>
+        </p:nvSpPr>
+        <p:spPr>
+          <a:xfrm>
+            <a:off x="545596" y="466559"/>
+            <a:ext cx="3314824" cy="6740307"/>
+          </a:xfrm>
+          <a:prstGeom prst="rect">
+            <a:avLst/>
+          </a:prstGeom>
+          <a:noFill/>
+        </p:spPr>
+        <p:txBody>
+          <a:bodyPr wrap="square" rtlCol="0">
+            <a:spAutoFit/>
+          </a:bodyPr>
+          <a:lstStyle/>
+          <a:p>
+            <a:r>
+              <a:rPr lang="zh-CN" altLang="en-US" sz="5400" dirty="0">
+                <a:solidFill>
+                  <a:prstClr val="white"/>
+                </a:solidFill>
+              </a:rPr>
+              <a:t>空间冗余</a:t>
+            </a:r>
+          </a:p>
+          <a:p>
+            <a:endParaRPr lang="en-US" altLang="zh-CN" sz="5400" dirty="0"/>
+          </a:p>
+          <a:p>
+            <a:r>
+              <a:rPr lang="zh-CN" altLang="en-US" sz="5400" dirty="0"/>
+              <a:t>时间冗余</a:t>
+            </a:r>
+            <a:endParaRPr lang="en-US" altLang="zh-CN" sz="5400" dirty="0"/>
+          </a:p>
+          <a:p>
+            <a:endParaRPr lang="en-US" altLang="zh-CN" sz="5400" dirty="0"/>
+          </a:p>
+          <a:p>
+            <a:r>
+              <a:rPr lang="zh-CN" altLang="en-US" sz="5400" dirty="0"/>
+              <a:t>知识冗余</a:t>
+            </a:r>
+            <a:endParaRPr lang="en-US" altLang="zh-CN" sz="5400" dirty="0"/>
+          </a:p>
+          <a:p>
+            <a:endParaRPr lang="en-US" altLang="zh-CN" sz="5400" dirty="0"/>
+          </a:p>
+          <a:p>
+            <a:r>
+              <a:rPr lang="zh-CN" altLang="en-US" sz="5400" dirty="0"/>
+              <a:t>视觉冗余</a:t>
+            </a:r>
+          </a:p>
+          <a:p>
+            <a:endParaRPr lang="zh-CN" altLang="en-US" sz="5400" dirty="0"/>
+          </a:p>
+        </p:txBody>
+      </p:sp>
+      <p:pic>
+        <p:nvPicPr>
+          <p:cNvPr id="3" name="图片 2">
+            <a:extLst>
+              <a:ext uri="{FF2B5EF4-FFF2-40B4-BE49-F238E27FC236}">
+                <a16:creationId xmlns:a16="http://schemas.microsoft.com/office/drawing/2014/main" id="{855C9A4D-350F-4A5A-B210-08BB8DE09B18}"/>
+              </a:ext>
+            </a:extLst>
+          </p:cNvPr>
+          <p:cNvPicPr>
+            <a:picLocks noChangeAspect="1"/>
+          </p:cNvPicPr>
+          <p:nvPr/>
+        </p:nvPicPr>
+        <p:blipFill>
+          <a:blip r:embed="rId2">
+            <a:extLst>
+              <a:ext uri="{28A0092B-C50C-407E-A947-70E740481C1C}">
+                <a14:useLocalDpi xmlns:a14="http://schemas.microsoft.com/office/drawing/2010/main" val="0"/>
+              </a:ext>
+            </a:extLst>
+          </a:blip>
+          <a:stretch>
+            <a:fillRect/>
+          </a:stretch>
+        </p:blipFill>
+        <p:spPr>
+          <a:xfrm>
+            <a:off x="4281196" y="2101262"/>
+            <a:ext cx="7557774" cy="2620028"/>
+          </a:xfrm>
+          <a:prstGeom prst="rect">
+            <a:avLst/>
+          </a:prstGeom>
+        </p:spPr>
+      </p:pic>
+    </p:spTree>
+    <p:extLst>
+      <p:ext uri="{BB962C8B-B14F-4D97-AF65-F5344CB8AC3E}">
+        <p14:creationId xmlns:p14="http://schemas.microsoft.com/office/powerpoint/2010/main" val="2638577280"/>
+      </p:ext>
+    </p:extLst>
+  </p:cSld>
+  <p:clrMapOvr>
+    <a:masterClrMapping/>
+  </p:clrMapOvr>
+</p:sld>
+</file>
+
+<file path=ppt/slides/slide24.xml><?xml version="1.0" encoding="utf-8"?>
+<p:sld xmlns:a="http://schemas.openxmlformats.org/drawingml/2006/main" xmlns:r="http://schemas.openxmlformats.org/officeDocument/2006/relationships" xmlns:p="http://schemas.openxmlformats.org/presentationml/2006/main">
+  <p:cSld>
+    <p:spTree>
+      <p:nvGrpSpPr>
+        <p:cNvPr id="1" name=""/>
+        <p:cNvGrpSpPr/>
+        <p:nvPr/>
+      </p:nvGrpSpPr>
+      <p:grpSpPr>
+        <a:xfrm>
+          <a:off x="0" y="0"/>
+          <a:ext cx="0" cy="0"/>
+          <a:chOff x="0" y="0"/>
+          <a:chExt cx="0" cy="0"/>
+        </a:xfrm>
+      </p:grpSpPr>
+      <p:sp>
+        <p:nvSpPr>
+          <p:cNvPr id="3" name="内容占位符 2">
+            <a:extLst>
+              <a:ext uri="{FF2B5EF4-FFF2-40B4-BE49-F238E27FC236}">
+                <a16:creationId xmlns:a16="http://schemas.microsoft.com/office/drawing/2014/main" id="{AA129193-E97D-4813-8660-2750E5FC4C37}"/>
+              </a:ext>
+            </a:extLst>
+          </p:cNvPr>
+          <p:cNvSpPr>
+            <a:spLocks noGrp="1"/>
+          </p:cNvSpPr>
+          <p:nvPr>
+            <p:ph idx="1"/>
+          </p:nvPr>
+        </p:nvSpPr>
+        <p:spPr>
+          <a:xfrm>
+            <a:off x="1143001" y="377072"/>
+            <a:ext cx="9905998" cy="6480927"/>
+          </a:xfrm>
+        </p:spPr>
+        <p:txBody>
+          <a:bodyPr>
+            <a:normAutofit/>
+          </a:bodyPr>
+          <a:lstStyle/>
+          <a:p>
+            <a:r>
+              <a:rPr lang="en-US" altLang="zh-CN" sz="2800" dirty="0"/>
+              <a:t>MPEG(mpg,mp4,dat)</a:t>
+            </a:r>
+          </a:p>
+          <a:p>
+            <a:r>
+              <a:rPr lang="en-US" altLang="zh-CN" sz="2800" dirty="0"/>
+              <a:t>GIF</a:t>
+            </a:r>
+          </a:p>
+          <a:p>
+            <a:r>
+              <a:rPr lang="en-US" altLang="zh-CN" sz="2800" dirty="0"/>
+              <a:t>FLA</a:t>
+            </a:r>
+          </a:p>
+          <a:p>
+            <a:r>
+              <a:rPr lang="en-US" altLang="zh-CN" sz="2800" dirty="0"/>
+              <a:t>SWF</a:t>
+            </a:r>
+          </a:p>
+          <a:p>
+            <a:r>
+              <a:rPr lang="en-US" altLang="zh-CN" sz="2800" dirty="0"/>
+              <a:t>AVI</a:t>
+            </a:r>
+          </a:p>
+          <a:p>
+            <a:r>
+              <a:rPr lang="en-US" altLang="zh-CN" sz="2800" dirty="0"/>
+              <a:t>MOV</a:t>
+            </a:r>
+          </a:p>
+          <a:p>
+            <a:r>
+              <a:rPr lang="en-US" altLang="zh-CN" sz="2800" dirty="0"/>
+              <a:t>WMV</a:t>
+            </a:r>
+          </a:p>
+          <a:p>
+            <a:r>
+              <a:rPr lang="en-US" altLang="zh-CN" sz="2800" dirty="0"/>
+              <a:t>MKV</a:t>
+            </a:r>
+          </a:p>
+          <a:p>
+            <a:r>
+              <a:rPr lang="en-US" altLang="zh-CN" sz="2800" dirty="0"/>
+              <a:t>FLV</a:t>
+            </a:r>
+          </a:p>
+          <a:p>
+            <a:r>
+              <a:rPr lang="en-US" altLang="zh-CN" sz="2800" dirty="0"/>
+              <a:t>RA/RM/RAM</a:t>
+            </a:r>
+          </a:p>
+          <a:p>
+            <a:r>
+              <a:rPr lang="en-US" altLang="zh-CN" sz="2800" dirty="0"/>
+              <a:t>3GP</a:t>
+            </a:r>
+          </a:p>
+          <a:p>
+            <a:endParaRPr lang="en-US" altLang="zh-CN" sz="2800" dirty="0"/>
+          </a:p>
+        </p:txBody>
+      </p:sp>
+    </p:spTree>
+    <p:extLst>
+      <p:ext uri="{BB962C8B-B14F-4D97-AF65-F5344CB8AC3E}">
+        <p14:creationId xmlns:p14="http://schemas.microsoft.com/office/powerpoint/2010/main" val="684238139"/>
+      </p:ext>
+    </p:extLst>
+  </p:cSld>
+  <p:clrMapOvr>
+    <a:masterClrMapping/>
+  </p:clrMapOvr>
+</p:sld>
+</file>
+
+<file path=ppt/slides/slide25.xml><?xml version="1.0" encoding="utf-8"?>
+<p:sld xmlns:a="http://schemas.openxmlformats.org/drawingml/2006/main" xmlns:r="http://schemas.openxmlformats.org/officeDocument/2006/relationships" xmlns:p="http://schemas.openxmlformats.org/presentationml/2006/main">
+  <p:cSld>
+    <p:spTree>
+      <p:nvGrpSpPr>
+        <p:cNvPr id="1" name=""/>
+        <p:cNvGrpSpPr/>
+        <p:nvPr/>
+      </p:nvGrpSpPr>
+      <p:grpSpPr>
+        <a:xfrm>
+          <a:off x="0" y="0"/>
+          <a:ext cx="0" cy="0"/>
+          <a:chOff x="0" y="0"/>
+          <a:chExt cx="0" cy="0"/>
+        </a:xfrm>
+      </p:grpSpPr>
+      <p:sp>
+        <p:nvSpPr>
+          <p:cNvPr id="7" name="文本框 6">
+            <a:extLst>
+              <a:ext uri="{FF2B5EF4-FFF2-40B4-BE49-F238E27FC236}">
+                <a16:creationId xmlns:a16="http://schemas.microsoft.com/office/drawing/2014/main" id="{FB6FD584-D698-4176-9386-577C9FF9AEE8}"/>
+              </a:ext>
+            </a:extLst>
+          </p:cNvPr>
+          <p:cNvSpPr txBox="1"/>
+          <p:nvPr/>
+        </p:nvSpPr>
+        <p:spPr>
+          <a:xfrm>
+            <a:off x="1978091" y="2118050"/>
+            <a:ext cx="8686800" cy="2246769"/>
+          </a:xfrm>
+          <a:prstGeom prst="rect">
+            <a:avLst/>
+          </a:prstGeom>
+          <a:noFill/>
+        </p:spPr>
+        <p:txBody>
+          <a:bodyPr wrap="square" rtlCol="0">
+            <a:spAutoFit/>
+          </a:bodyPr>
+          <a:lstStyle/>
+          <a:p>
+            <a:r>
+              <a:rPr lang="zh-CN" altLang="en-US" sz="2800" dirty="0"/>
+              <a:t>视频理论原文件大小估算</a:t>
+            </a:r>
+            <a:endParaRPr lang="en-US" altLang="zh-CN" sz="2800" dirty="0"/>
+          </a:p>
+          <a:p>
+            <a:r>
+              <a:rPr lang="zh-CN" altLang="en-US" sz="2800" dirty="0"/>
+              <a:t>长像素*宽像素*每个像素所占位数*</a:t>
+            </a:r>
+            <a:r>
+              <a:rPr lang="en-US" altLang="zh-CN" sz="2800" dirty="0"/>
+              <a:t>FPS</a:t>
+            </a:r>
+            <a:r>
+              <a:rPr lang="zh-CN" altLang="en-US" sz="2800" dirty="0"/>
+              <a:t>*时间（</a:t>
+            </a:r>
+            <a:r>
+              <a:rPr lang="en-US" altLang="zh-CN" sz="2800" dirty="0"/>
+              <a:t>s</a:t>
+            </a:r>
+            <a:r>
+              <a:rPr lang="zh-CN" altLang="en-US" sz="2800" dirty="0"/>
+              <a:t>）</a:t>
+            </a:r>
+            <a:endParaRPr lang="en-US" altLang="zh-CN" sz="2800" dirty="0"/>
+          </a:p>
+          <a:p>
+            <a:r>
+              <a:rPr lang="zh-CN" altLang="en-US" sz="2800" dirty="0"/>
+              <a:t>≈文件大小（</a:t>
+            </a:r>
+            <a:r>
+              <a:rPr lang="en-US" altLang="zh-CN" sz="2800" dirty="0"/>
+              <a:t>bit</a:t>
+            </a:r>
+            <a:r>
+              <a:rPr lang="zh-CN" altLang="en-US" sz="2800" dirty="0"/>
+              <a:t>）</a:t>
+            </a:r>
+            <a:endParaRPr lang="en-US" altLang="zh-CN" sz="2800" dirty="0"/>
+          </a:p>
+          <a:p>
+            <a:endParaRPr lang="en-US" altLang="zh-CN" sz="2800" dirty="0"/>
+          </a:p>
+          <a:p>
+            <a:r>
+              <a:rPr lang="zh-CN" altLang="en-US" sz="2800" strike="sngStrike" dirty="0"/>
+              <a:t>（不会吧不会吧，还有人用不压缩的视频文件吧）</a:t>
+            </a:r>
+            <a:endParaRPr lang="en-US" altLang="zh-CN" sz="2800" strike="sngStrike" dirty="0"/>
+          </a:p>
+        </p:txBody>
+      </p:sp>
+    </p:spTree>
+    <p:extLst>
+      <p:ext uri="{BB962C8B-B14F-4D97-AF65-F5344CB8AC3E}">
+        <p14:creationId xmlns:p14="http://schemas.microsoft.com/office/powerpoint/2010/main" val="1640301354"/>
+      </p:ext>
+    </p:extLst>
+  </p:cSld>
+  <p:clrMapOvr>
+    <a:masterClrMapping/>
+  </p:clrMapOvr>
+</p:sld>
+</file>
+
+<file path=ppt/slides/slide26.xml><?xml version="1.0" encoding="utf-8"?>
+<p:sld xmlns:a="http://schemas.openxmlformats.org/drawingml/2006/main" xmlns:r="http://schemas.openxmlformats.org/officeDocument/2006/relationships" xmlns:p="http://schemas.openxmlformats.org/presentationml/2006/main">
+  <p:cSld>
+    <p:spTree>
+      <p:nvGrpSpPr>
+        <p:cNvPr id="1" name=""/>
+        <p:cNvGrpSpPr/>
+        <p:nvPr/>
+      </p:nvGrpSpPr>
+      <p:grpSpPr>
+        <a:xfrm>
+          <a:off x="0" y="0"/>
+          <a:ext cx="0" cy="0"/>
+          <a:chOff x="0" y="0"/>
+          <a:chExt cx="0" cy="0"/>
+        </a:xfrm>
+      </p:grpSpPr>
+      <p:sp>
+        <p:nvSpPr>
+          <p:cNvPr id="4" name="矩形 3">
+            <a:extLst>
+              <a:ext uri="{FF2B5EF4-FFF2-40B4-BE49-F238E27FC236}">
+                <a16:creationId xmlns:a16="http://schemas.microsoft.com/office/drawing/2014/main" id="{ADFEEC0C-873A-4DD0-B9DA-BEF98F26B435}"/>
+              </a:ext>
+            </a:extLst>
+          </p:cNvPr>
+          <p:cNvSpPr/>
+          <p:nvPr/>
+        </p:nvSpPr>
+        <p:spPr>
+          <a:xfrm>
+            <a:off x="3438864" y="2967335"/>
+            <a:ext cx="5314275" cy="923330"/>
+          </a:xfrm>
+          <a:prstGeom prst="rect">
+            <a:avLst/>
+          </a:prstGeom>
+          <a:noFill/>
+        </p:spPr>
+        <p:txBody>
+          <a:bodyPr wrap="none" lIns="91440" tIns="45720" rIns="91440" bIns="45720">
+            <a:spAutoFit/>
+          </a:bodyPr>
+          <a:lstStyle/>
+          <a:p>
+            <a:pPr algn="ctr"/>
+            <a:r>
+              <a:rPr lang="zh-CN" altLang="en-US" sz="5400" b="1" cap="none" spc="0" dirty="0">
+                <a:ln w="9525">
+                  <a:solidFill>
+                    <a:schemeClr val="bg1"/>
+                  </a:solidFill>
+                  <a:prstDash val="solid"/>
+                </a:ln>
+                <a:solidFill>
+                  <a:schemeClr val="accent5"/>
+                </a:solidFill>
+                <a:effectLst>
+                  <a:outerShdw blurRad="12700" dist="38100" dir="2700000" algn="tl" rotWithShape="0">
+                    <a:schemeClr val="accent5">
+                      <a:lumMod val="60000"/>
+                      <a:lumOff val="40000"/>
+                    </a:schemeClr>
+                  </a:outerShdw>
+                </a:effectLst>
+              </a:rPr>
+              <a:t>终于结束了！</a:t>
+            </a:r>
+            <a:r>
+              <a:rPr lang="en-US" altLang="zh-CN" sz="5400" b="1" cap="none" spc="0" dirty="0">
+                <a:ln w="9525">
+                  <a:solidFill>
+                    <a:schemeClr val="bg1"/>
+                  </a:solidFill>
+                  <a:prstDash val="solid"/>
+                </a:ln>
+                <a:solidFill>
+                  <a:schemeClr val="accent5"/>
+                </a:solidFill>
+                <a:effectLst>
+                  <a:outerShdw blurRad="12700" dist="38100" dir="2700000" algn="tl" rotWithShape="0">
+                    <a:schemeClr val="accent5">
+                      <a:lumMod val="60000"/>
+                      <a:lumOff val="40000"/>
+                    </a:schemeClr>
+                  </a:outerShdw>
+                </a:effectLst>
+              </a:rPr>
+              <a:t>XD</a:t>
+            </a:r>
+            <a:endParaRPr lang="zh-CN" altLang="en-US" sz="5400" b="1" cap="none" spc="0" dirty="0">
+              <a:ln w="9525">
+                <a:solidFill>
+                  <a:schemeClr val="bg1"/>
+                </a:solidFill>
+                <a:prstDash val="solid"/>
+              </a:ln>
+              <a:solidFill>
+                <a:schemeClr val="accent5"/>
+              </a:solidFill>
+              <a:effectLst>
+                <a:outerShdw blurRad="12700" dist="38100" dir="2700000" algn="tl" rotWithShape="0">
+                  <a:schemeClr val="accent5">
+                    <a:lumMod val="60000"/>
+                    <a:lumOff val="40000"/>
+                  </a:schemeClr>
+                </a:outerShdw>
+              </a:effectLst>
+            </a:endParaRPr>
+          </a:p>
+        </p:txBody>
+      </p:sp>
+    </p:spTree>
+    <p:extLst>
+      <p:ext uri="{BB962C8B-B14F-4D97-AF65-F5344CB8AC3E}">
+        <p14:creationId xmlns:p14="http://schemas.microsoft.com/office/powerpoint/2010/main" val="3318559102"/>
+      </p:ext>
+    </p:extLst>
+  </p:cSld>
+  <p:clrMapOvr>
+    <a:masterClrMapping/>
+  </p:clrMapOvr>
+</p:sld>
+</file>
+
 <file path=ppt/slides/slide3.xml><?xml version="1.0" encoding="utf-8"?>
 <p:sld xmlns:a="http://schemas.openxmlformats.org/drawingml/2006/main" xmlns:r="http://schemas.openxmlformats.org/officeDocument/2006/relationships" xmlns:p="http://schemas.openxmlformats.org/presentationml/2006/main">
   <p:cSld>
@@ -10948,6 +12154,42 @@
           </a:p>
         </p:txBody>
       </p:sp>
+      <p:pic>
+        <p:nvPicPr>
+          <p:cNvPr id="4" name="图片 3">
+            <a:extLst>
+              <a:ext uri="{FF2B5EF4-FFF2-40B4-BE49-F238E27FC236}">
+                <a16:creationId xmlns:a16="http://schemas.microsoft.com/office/drawing/2014/main" id="{52F77D64-60FD-4200-9971-1D277B5A4C4F}"/>
+              </a:ext>
+            </a:extLst>
+          </p:cNvPr>
+          <p:cNvPicPr>
+            <a:picLocks noChangeAspect="1"/>
+          </p:cNvPicPr>
+          <p:nvPr/>
+        </p:nvPicPr>
+        <p:blipFill>
+          <a:blip r:embed="rId2">
+            <a:extLst>
+              <a:ext uri="{28A0092B-C50C-407E-A947-70E740481C1C}">
+                <a14:useLocalDpi xmlns:a14="http://schemas.microsoft.com/office/drawing/2010/main" val="0"/>
+              </a:ext>
+            </a:extLst>
+          </a:blip>
+          <a:stretch>
+            <a:fillRect/>
+          </a:stretch>
+        </p:blipFill>
+        <p:spPr>
+          <a:xfrm>
+            <a:off x="5509525" y="4177890"/>
+            <a:ext cx="4962525" cy="1933575"/>
+          </a:xfrm>
+          <a:prstGeom prst="rect">
+            <a:avLst/>
+          </a:prstGeom>
+        </p:spPr>
+      </p:pic>
     </p:spTree>
     <p:extLst>
       <p:ext uri="{BB962C8B-B14F-4D97-AF65-F5344CB8AC3E}">
@@ -11646,7 +12888,7 @@
           <a:p>
             <a:r>
               <a:rPr lang="en-US" altLang="zh-CN" sz="3200" b="1" dirty="0"/>
-              <a:t>3.</a:t>
+              <a:t>4.</a:t>
             </a:r>
             <a:r>
               <a:rPr lang="zh-CN" altLang="en-US" sz="3200" b="1" dirty="0"/>
@@ -11660,7 +12902,7 @@
           <a:p>
             <a:r>
               <a:rPr lang="en-US" altLang="zh-CN" sz="3200" b="1" dirty="0"/>
-              <a:t>4.</a:t>
+              <a:t>5.</a:t>
             </a:r>
             <a:r>
               <a:rPr lang="zh-CN" altLang="en-US" sz="3200" b="1" dirty="0"/>

--- a/初探多媒体.pptx
+++ b/初探多媒体.pptx
@@ -2738,7 +2738,7 @@
           <a:p>
             <a:fld id="{7E1E071F-F047-4654-8513-B2A4CFFCBB84}" type="datetimeFigureOut">
               <a:rPr lang="zh-CN" altLang="en-US" smtClean="0"/>
-              <a:t>2021/3/11</a:t>
+              <a:t>2021/3/12</a:t>
             </a:fld>
             <a:endParaRPr lang="zh-CN" altLang="en-US"/>
           </a:p>
@@ -3029,7 +3029,7 @@
           <a:p>
             <a:fld id="{7E1E071F-F047-4654-8513-B2A4CFFCBB84}" type="datetimeFigureOut">
               <a:rPr lang="zh-CN" altLang="en-US" smtClean="0"/>
-              <a:t>2021/3/11</a:t>
+              <a:t>2021/3/12</a:t>
             </a:fld>
             <a:endParaRPr lang="zh-CN" altLang="en-US"/>
           </a:p>
@@ -3288,7 +3288,7 @@
           <a:p>
             <a:fld id="{7E1E071F-F047-4654-8513-B2A4CFFCBB84}" type="datetimeFigureOut">
               <a:rPr lang="zh-CN" altLang="en-US" smtClean="0"/>
-              <a:t>2021/3/11</a:t>
+              <a:t>2021/3/12</a:t>
             </a:fld>
             <a:endParaRPr lang="zh-CN" altLang="en-US"/>
           </a:p>
@@ -3757,7 +3757,7 @@
           <a:p>
             <a:fld id="{7E1E071F-F047-4654-8513-B2A4CFFCBB84}" type="datetimeFigureOut">
               <a:rPr lang="zh-CN" altLang="en-US" smtClean="0"/>
-              <a:t>2021/3/11</a:t>
+              <a:t>2021/3/12</a:t>
             </a:fld>
             <a:endParaRPr lang="zh-CN" altLang="en-US"/>
           </a:p>
@@ -3937,7 +3937,7 @@
           <a:p>
             <a:fld id="{7E1E071F-F047-4654-8513-B2A4CFFCBB84}" type="datetimeFigureOut">
               <a:rPr lang="zh-CN" altLang="en-US" smtClean="0"/>
-              <a:t>2021/3/11</a:t>
+              <a:t>2021/3/12</a:t>
             </a:fld>
             <a:endParaRPr lang="zh-CN" altLang="en-US"/>
           </a:p>
@@ -4513,7 +4513,7 @@
           <a:p>
             <a:fld id="{7E1E071F-F047-4654-8513-B2A4CFFCBB84}" type="datetimeFigureOut">
               <a:rPr lang="zh-CN" altLang="en-US" smtClean="0"/>
-              <a:t>2021/3/11</a:t>
+              <a:t>2021/3/12</a:t>
             </a:fld>
             <a:endParaRPr lang="zh-CN" altLang="en-US"/>
           </a:p>
@@ -4845,7 +4845,7 @@
           <a:p>
             <a:fld id="{7E1E071F-F047-4654-8513-B2A4CFFCBB84}" type="datetimeFigureOut">
               <a:rPr lang="zh-CN" altLang="en-US" smtClean="0"/>
-              <a:t>2021/3/11</a:t>
+              <a:t>2021/3/12</a:t>
             </a:fld>
             <a:endParaRPr lang="zh-CN" altLang="en-US"/>
           </a:p>
@@ -5020,7 +5020,7 @@
           <a:p>
             <a:fld id="{7E1E071F-F047-4654-8513-B2A4CFFCBB84}" type="datetimeFigureOut">
               <a:rPr lang="zh-CN" altLang="en-US" smtClean="0"/>
-              <a:t>2021/3/11</a:t>
+              <a:t>2021/3/12</a:t>
             </a:fld>
             <a:endParaRPr lang="zh-CN" altLang="en-US"/>
           </a:p>
@@ -5200,7 +5200,7 @@
           <a:p>
             <a:fld id="{7E1E071F-F047-4654-8513-B2A4CFFCBB84}" type="datetimeFigureOut">
               <a:rPr lang="zh-CN" altLang="en-US" smtClean="0"/>
-              <a:t>2021/3/11</a:t>
+              <a:t>2021/3/12</a:t>
             </a:fld>
             <a:endParaRPr lang="zh-CN" altLang="en-US"/>
           </a:p>
@@ -5370,7 +5370,7 @@
           <a:p>
             <a:fld id="{7E1E071F-F047-4654-8513-B2A4CFFCBB84}" type="datetimeFigureOut">
               <a:rPr lang="zh-CN" altLang="en-US" smtClean="0"/>
-              <a:t>2021/3/11</a:t>
+              <a:t>2021/3/12</a:t>
             </a:fld>
             <a:endParaRPr lang="zh-CN" altLang="en-US"/>
           </a:p>
@@ -5627,7 +5627,7 @@
           <a:p>
             <a:fld id="{7E1E071F-F047-4654-8513-B2A4CFFCBB84}" type="datetimeFigureOut">
               <a:rPr lang="zh-CN" altLang="en-US" smtClean="0"/>
-              <a:t>2021/3/11</a:t>
+              <a:t>2021/3/12</a:t>
             </a:fld>
             <a:endParaRPr lang="zh-CN" altLang="en-US"/>
           </a:p>
@@ -5919,7 +5919,7 @@
           <a:p>
             <a:fld id="{7E1E071F-F047-4654-8513-B2A4CFFCBB84}" type="datetimeFigureOut">
               <a:rPr lang="zh-CN" altLang="en-US" smtClean="0"/>
-              <a:t>2021/3/11</a:t>
+              <a:t>2021/3/12</a:t>
             </a:fld>
             <a:endParaRPr lang="zh-CN" altLang="en-US"/>
           </a:p>
@@ -6349,7 +6349,7 @@
           <a:p>
             <a:fld id="{7E1E071F-F047-4654-8513-B2A4CFFCBB84}" type="datetimeFigureOut">
               <a:rPr lang="zh-CN" altLang="en-US" smtClean="0"/>
-              <a:t>2021/3/11</a:t>
+              <a:t>2021/3/12</a:t>
             </a:fld>
             <a:endParaRPr lang="zh-CN" altLang="en-US"/>
           </a:p>
@@ -6467,7 +6467,7 @@
           <a:p>
             <a:fld id="{7E1E071F-F047-4654-8513-B2A4CFFCBB84}" type="datetimeFigureOut">
               <a:rPr lang="zh-CN" altLang="en-US" smtClean="0"/>
-              <a:t>2021/3/11</a:t>
+              <a:t>2021/3/12</a:t>
             </a:fld>
             <a:endParaRPr lang="zh-CN" altLang="en-US"/>
           </a:p>
@@ -6562,7 +6562,7 @@
           <a:p>
             <a:fld id="{7E1E071F-F047-4654-8513-B2A4CFFCBB84}" type="datetimeFigureOut">
               <a:rPr lang="zh-CN" altLang="en-US" smtClean="0"/>
-              <a:t>2021/3/11</a:t>
+              <a:t>2021/3/12</a:t>
             </a:fld>
             <a:endParaRPr lang="zh-CN" altLang="en-US"/>
           </a:p>
@@ -6845,7 +6845,7 @@
           <a:p>
             <a:fld id="{7E1E071F-F047-4654-8513-B2A4CFFCBB84}" type="datetimeFigureOut">
               <a:rPr lang="zh-CN" altLang="en-US" smtClean="0"/>
-              <a:t>2021/3/11</a:t>
+              <a:t>2021/3/12</a:t>
             </a:fld>
             <a:endParaRPr lang="zh-CN" altLang="en-US"/>
           </a:p>
@@ -7136,7 +7136,7 @@
           <a:p>
             <a:fld id="{7E1E071F-F047-4654-8513-B2A4CFFCBB84}" type="datetimeFigureOut">
               <a:rPr lang="zh-CN" altLang="en-US" smtClean="0"/>
-              <a:t>2021/3/11</a:t>
+              <a:t>2021/3/12</a:t>
             </a:fld>
             <a:endParaRPr lang="zh-CN" altLang="en-US"/>
           </a:p>
@@ -7367,7 +7367,7 @@
           <a:p>
             <a:fld id="{7E1E071F-F047-4654-8513-B2A4CFFCBB84}" type="datetimeFigureOut">
               <a:rPr lang="zh-CN" altLang="en-US" smtClean="0"/>
-              <a:t>2021/3/11</a:t>
+              <a:t>2021/3/12</a:t>
             </a:fld>
             <a:endParaRPr lang="zh-CN" altLang="en-US"/>
           </a:p>
@@ -11647,8 +11647,13 @@
           <a:p>
             <a:r>
               <a:rPr lang="en-US" altLang="zh-CN" sz="2800" dirty="0"/>
-              <a:t>RA/RM/RAM</a:t>
-            </a:r>
+              <a:t>RA/RM</a:t>
+            </a:r>
+            <a:r>
+              <a:rPr lang="en-US" altLang="zh-CN" sz="2800"/>
+              <a:t>/RAM/RMVB</a:t>
+            </a:r>
+            <a:endParaRPr lang="en-US" altLang="zh-CN" sz="2800" dirty="0"/>
           </a:p>
           <a:p>
             <a:r>
